--- a/Презентация по курсовому проекту, Салов П.А., Пр-395.pptx
+++ b/Презентация по курсовому проекту, Салов П.А., Пр-395.pptx
@@ -2,7 +2,7 @@
 <file path=ppt/presentation.xml><?xml version="1.0" encoding="utf-8"?>
 <p:presentation xmlns:a="http://schemas.openxmlformats.org/drawingml/2006/main" xmlns:r="http://schemas.openxmlformats.org/officeDocument/2006/relationships" xmlns:p="http://schemas.openxmlformats.org/presentationml/2006/main" saveSubsetFonts="1">
   <p:sldMasterIdLst>
-    <p:sldMasterId id="2147483660" r:id="rId1"/>
+    <p:sldMasterId id="2147483672" r:id="rId1"/>
   </p:sldMasterIdLst>
   <p:sldIdLst>
     <p:sldId id="257" r:id="rId2"/>
@@ -111,22 +111,17 @@
       </a:defRPr>
     </a:lvl9pPr>
   </p:defaultTextStyle>
+  <p:extLst>
+    <p:ext uri="{EFAFB233-063F-42B5-8137-9DF3F51BA10A}">
+      <p15:sldGuideLst xmlns:p15="http://schemas.microsoft.com/office/powerpoint/2012/main"/>
+    </p:ext>
+  </p:extLst>
 </p:presentation>
 </file>
 
 <file path=ppt/slideLayouts/slideLayout1.xml><?xml version="1.0" encoding="utf-8"?>
-<p:sldLayout xmlns:a="http://schemas.openxmlformats.org/drawingml/2006/main" xmlns:r="http://schemas.openxmlformats.org/officeDocument/2006/relationships" xmlns:p="http://schemas.openxmlformats.org/presentationml/2006/main" showMasterSp="0" type="title" preserve="1">
+<p:sldLayout xmlns:a="http://schemas.openxmlformats.org/drawingml/2006/main" xmlns:r="http://schemas.openxmlformats.org/officeDocument/2006/relationships" xmlns:p="http://schemas.openxmlformats.org/presentationml/2006/main" type="title" preserve="1">
   <p:cSld name="Титульный слайд">
-    <p:bg>
-      <p:bgPr>
-        <a:solidFill>
-          <a:schemeClr val="bg2">
-            <a:lumMod val="75000"/>
-          </a:schemeClr>
-        </a:solidFill>
-        <a:effectLst/>
-      </p:bgPr>
-    </p:bg>
     <p:spTree>
       <p:nvGrpSpPr>
         <p:cNvPr id="1" name=""/>
@@ -153,8 +148,8 @@
         </p:nvSpPr>
         <p:spPr>
           <a:xfrm>
-            <a:off x="1261872" y="758952"/>
-            <a:ext cx="9418320" cy="4041648"/>
+            <a:off x="1595269" y="1122363"/>
+            <a:ext cx="9001462" cy="2387600"/>
           </a:xfrm>
         </p:spPr>
         <p:txBody>
@@ -162,127 +157,1812 @@
             <a:normAutofit/>
           </a:bodyPr>
           <a:lstStyle>
-            <a:lvl1pPr algn="l">
+            <a:lvl1pPr algn="ctr">
+              <a:defRPr sz="4800"/>
+            </a:lvl1pPr>
+          </a:lstStyle>
+          <a:p>
+            <a:r>
+              <a:rPr lang="ru-RU" smtClean="0"/>
+              <a:t>Образец заголовка</a:t>
+            </a:r>
+            <a:endParaRPr lang="en-US" dirty="0"/>
+          </a:p>
+        </p:txBody>
+      </p:sp>
+      <p:sp>
+        <p:nvSpPr>
+          <p:cNvPr id="3" name="Subtitle 2"/>
+          <p:cNvSpPr>
+            <a:spLocks noGrp="1"/>
+          </p:cNvSpPr>
+          <p:nvPr>
+            <p:ph type="subTitle" idx="1"/>
+          </p:nvPr>
+        </p:nvSpPr>
+        <p:spPr>
+          <a:xfrm>
+            <a:off x="1595269" y="3602038"/>
+            <a:ext cx="9001462" cy="1655762"/>
+          </a:xfrm>
+        </p:spPr>
+        <p:txBody>
+          <a:bodyPr/>
+          <a:lstStyle>
+            <a:lvl1pPr marL="0" indent="0" algn="ctr">
+              <a:buNone/>
+              <a:defRPr sz="2400"/>
+            </a:lvl1pPr>
+            <a:lvl2pPr marL="457200" indent="0" algn="ctr">
+              <a:buNone/>
+              <a:defRPr sz="2000"/>
+            </a:lvl2pPr>
+            <a:lvl3pPr marL="914400" indent="0" algn="ctr">
+              <a:buNone/>
+              <a:defRPr sz="1800"/>
+            </a:lvl3pPr>
+            <a:lvl4pPr marL="1371600" indent="0" algn="ctr">
+              <a:buNone/>
+              <a:defRPr sz="1600"/>
+            </a:lvl4pPr>
+            <a:lvl5pPr marL="1828800" indent="0" algn="ctr">
+              <a:buNone/>
+              <a:defRPr sz="1600"/>
+            </a:lvl5pPr>
+            <a:lvl6pPr marL="2286000" indent="0" algn="ctr">
+              <a:buNone/>
+              <a:defRPr sz="1600"/>
+            </a:lvl6pPr>
+            <a:lvl7pPr marL="2743200" indent="0" algn="ctr">
+              <a:buNone/>
+              <a:defRPr sz="1600"/>
+            </a:lvl7pPr>
+            <a:lvl8pPr marL="3200400" indent="0" algn="ctr">
+              <a:buNone/>
+              <a:defRPr sz="1600"/>
+            </a:lvl8pPr>
+            <a:lvl9pPr marL="3657600" indent="0" algn="ctr">
+              <a:buNone/>
+              <a:defRPr sz="1600"/>
+            </a:lvl9pPr>
+          </a:lstStyle>
+          <a:p>
+            <a:r>
+              <a:rPr lang="ru-RU" smtClean="0"/>
+              <a:t>Образец подзаголовка</a:t>
+            </a:r>
+            <a:endParaRPr lang="en-US" dirty="0"/>
+          </a:p>
+        </p:txBody>
+      </p:sp>
+      <p:sp>
+        <p:nvSpPr>
+          <p:cNvPr id="4" name="Date Placeholder 3"/>
+          <p:cNvSpPr>
+            <a:spLocks noGrp="1"/>
+          </p:cNvSpPr>
+          <p:nvPr>
+            <p:ph type="dt" sz="half" idx="10"/>
+          </p:nvPr>
+        </p:nvSpPr>
+        <p:spPr/>
+        <p:txBody>
+          <a:bodyPr/>
+          <a:lstStyle/>
+          <a:p>
+            <a:fld id="{A9D4B672-AFDF-4628-AE9E-448FA5A4BD57}" type="datetimeFigureOut">
+              <a:rPr lang="ru-RU" smtClean="0"/>
+              <a:t>02.07.2021</a:t>
+            </a:fld>
+            <a:endParaRPr lang="ru-RU"/>
+          </a:p>
+        </p:txBody>
+      </p:sp>
+      <p:sp>
+        <p:nvSpPr>
+          <p:cNvPr id="5" name="Footer Placeholder 4"/>
+          <p:cNvSpPr>
+            <a:spLocks noGrp="1"/>
+          </p:cNvSpPr>
+          <p:nvPr>
+            <p:ph type="ftr" sz="quarter" idx="11"/>
+          </p:nvPr>
+        </p:nvSpPr>
+        <p:spPr/>
+        <p:txBody>
+          <a:bodyPr/>
+          <a:lstStyle/>
+          <a:p>
+            <a:endParaRPr lang="ru-RU"/>
+          </a:p>
+        </p:txBody>
+      </p:sp>
+      <p:sp>
+        <p:nvSpPr>
+          <p:cNvPr id="6" name="Slide Number Placeholder 5"/>
+          <p:cNvSpPr>
+            <a:spLocks noGrp="1"/>
+          </p:cNvSpPr>
+          <p:nvPr>
+            <p:ph type="sldNum" sz="quarter" idx="12"/>
+          </p:nvPr>
+        </p:nvSpPr>
+        <p:spPr/>
+        <p:txBody>
+          <a:bodyPr/>
+          <a:lstStyle/>
+          <a:p>
+            <a:fld id="{40E15F62-8BE5-467B-8076-C9D94E7510EE}" type="slidenum">
+              <a:rPr lang="ru-RU" smtClean="0"/>
+              <a:t>‹#›</a:t>
+            </a:fld>
+            <a:endParaRPr lang="ru-RU"/>
+          </a:p>
+        </p:txBody>
+      </p:sp>
+    </p:spTree>
+    <p:extLst>
+      <p:ext uri="{BB962C8B-B14F-4D97-AF65-F5344CB8AC3E}">
+        <p14:creationId xmlns:p14="http://schemas.microsoft.com/office/powerpoint/2010/main" val="1835388243"/>
+      </p:ext>
+    </p:extLst>
+  </p:cSld>
+  <p:clrMapOvr>
+    <a:masterClrMapping/>
+  </p:clrMapOvr>
+</p:sldLayout>
+</file>
+
+<file path=ppt/slideLayouts/slideLayout10.xml><?xml version="1.0" encoding="utf-8"?>
+<p:sldLayout xmlns:a="http://schemas.openxmlformats.org/drawingml/2006/main" xmlns:r="http://schemas.openxmlformats.org/officeDocument/2006/relationships" xmlns:p="http://schemas.openxmlformats.org/presentationml/2006/main" preserve="1">
+  <p:cSld name="Панорамная фотография с подписью">
+    <p:spTree>
+      <p:nvGrpSpPr>
+        <p:cNvPr id="1" name=""/>
+        <p:cNvGrpSpPr/>
+        <p:nvPr/>
+      </p:nvGrpSpPr>
+      <p:grpSpPr>
+        <a:xfrm>
+          <a:off x="0" y="0"/>
+          <a:ext cx="0" cy="0"/>
+          <a:chOff x="0" y="0"/>
+          <a:chExt cx="0" cy="0"/>
+        </a:xfrm>
+      </p:grpSpPr>
+      <p:sp>
+        <p:nvSpPr>
+          <p:cNvPr id="2" name="Title 1"/>
+          <p:cNvSpPr>
+            <a:spLocks noGrp="1"/>
+          </p:cNvSpPr>
+          <p:nvPr>
+            <p:ph type="title"/>
+          </p:nvPr>
+        </p:nvSpPr>
+        <p:spPr>
+          <a:xfrm>
+            <a:off x="913806" y="4289372"/>
+            <a:ext cx="10367564" cy="819355"/>
+          </a:xfrm>
+        </p:spPr>
+        <p:txBody>
+          <a:bodyPr anchor="b">
+            <a:normAutofit/>
+          </a:bodyPr>
+          <a:lstStyle>
+            <a:lvl1pPr>
+              <a:defRPr sz="2800"/>
+            </a:lvl1pPr>
+          </a:lstStyle>
+          <a:p>
+            <a:r>
+              <a:rPr lang="ru-RU" smtClean="0"/>
+              <a:t>Образец заголовка</a:t>
+            </a:r>
+            <a:endParaRPr lang="en-US" dirty="0"/>
+          </a:p>
+        </p:txBody>
+      </p:sp>
+      <p:sp>
+        <p:nvSpPr>
+          <p:cNvPr id="3" name="Picture Placeholder 2"/>
+          <p:cNvSpPr>
+            <a:spLocks noGrp="1" noChangeAspect="1"/>
+          </p:cNvSpPr>
+          <p:nvPr>
+            <p:ph type="pic" idx="1"/>
+          </p:nvPr>
+        </p:nvSpPr>
+        <p:spPr>
+          <a:xfrm>
+            <a:off x="913806" y="621321"/>
+            <a:ext cx="10367564" cy="3379735"/>
+          </a:xfrm>
+          <a:noFill/>
+          <a:ln w="190500" cap="sq">
+            <a:solidFill>
+              <a:srgbClr val="FFFFFF"/>
+            </a:solidFill>
+            <a:miter lim="800000"/>
+          </a:ln>
+          <a:effectLst>
+            <a:outerShdw blurRad="55000" dist="18000" dir="5400000" algn="tl" rotWithShape="0">
+              <a:srgbClr val="000000">
+                <a:alpha val="40000"/>
+              </a:srgbClr>
+            </a:outerShdw>
+          </a:effectLst>
+          <a:scene3d>
+            <a:camera prst="orthographicFront"/>
+            <a:lightRig rig="twoPt" dir="t">
+              <a:rot lat="0" lon="0" rev="7200000"/>
+            </a:lightRig>
+          </a:scene3d>
+          <a:sp3d>
+            <a:bevelT w="25400" h="19050"/>
+            <a:contourClr>
+              <a:srgbClr val="FFFFFF"/>
+            </a:contourClr>
+          </a:sp3d>
+        </p:spPr>
+        <p:txBody>
+          <a:bodyPr anchor="t"/>
+          <a:lstStyle>
+            <a:lvl1pPr marL="0" indent="0" algn="ctr">
+              <a:buNone/>
+              <a:defRPr sz="3200"/>
+            </a:lvl1pPr>
+            <a:lvl2pPr marL="457200" indent="0">
+              <a:buNone/>
+              <a:defRPr sz="2800"/>
+            </a:lvl2pPr>
+            <a:lvl3pPr marL="914400" indent="0">
+              <a:buNone/>
+              <a:defRPr sz="2400"/>
+            </a:lvl3pPr>
+            <a:lvl4pPr marL="1371600" indent="0">
+              <a:buNone/>
+              <a:defRPr sz="2000"/>
+            </a:lvl4pPr>
+            <a:lvl5pPr marL="1828800" indent="0">
+              <a:buNone/>
+              <a:defRPr sz="2000"/>
+            </a:lvl5pPr>
+            <a:lvl6pPr marL="2286000" indent="0">
+              <a:buNone/>
+              <a:defRPr sz="2000"/>
+            </a:lvl6pPr>
+            <a:lvl7pPr marL="2743200" indent="0">
+              <a:buNone/>
+              <a:defRPr sz="2000"/>
+            </a:lvl7pPr>
+            <a:lvl8pPr marL="3200400" indent="0">
+              <a:buNone/>
+              <a:defRPr sz="2000"/>
+            </a:lvl8pPr>
+            <a:lvl9pPr marL="3657600" indent="0">
+              <a:buNone/>
+              <a:defRPr sz="2000"/>
+            </a:lvl9pPr>
+          </a:lstStyle>
+          <a:p>
+            <a:r>
+              <a:rPr lang="ru-RU" smtClean="0"/>
+              <a:t>Вставка рисунка</a:t>
+            </a:r>
+            <a:endParaRPr lang="en-US" dirty="0"/>
+          </a:p>
+        </p:txBody>
+      </p:sp>
+      <p:sp>
+        <p:nvSpPr>
+          <p:cNvPr id="4" name="Text Placeholder 3"/>
+          <p:cNvSpPr>
+            <a:spLocks noGrp="1"/>
+          </p:cNvSpPr>
+          <p:nvPr>
+            <p:ph type="body" sz="half" idx="2"/>
+          </p:nvPr>
+        </p:nvSpPr>
+        <p:spPr>
+          <a:xfrm>
+            <a:off x="913795" y="5108728"/>
+            <a:ext cx="10365998" cy="682472"/>
+          </a:xfrm>
+        </p:spPr>
+        <p:txBody>
+          <a:bodyPr>
+            <a:normAutofit/>
+          </a:bodyPr>
+          <a:lstStyle>
+            <a:lvl1pPr marL="0" indent="0" algn="ctr">
+              <a:buNone/>
+              <a:defRPr sz="1800"/>
+            </a:lvl1pPr>
+            <a:lvl2pPr marL="457200" indent="0">
+              <a:buNone/>
+              <a:defRPr sz="1400"/>
+            </a:lvl2pPr>
+            <a:lvl3pPr marL="914400" indent="0">
+              <a:buNone/>
+              <a:defRPr sz="1200"/>
+            </a:lvl3pPr>
+            <a:lvl4pPr marL="1371600" indent="0">
+              <a:buNone/>
+              <a:defRPr sz="1000"/>
+            </a:lvl4pPr>
+            <a:lvl5pPr marL="1828800" indent="0">
+              <a:buNone/>
+              <a:defRPr sz="1000"/>
+            </a:lvl5pPr>
+            <a:lvl6pPr marL="2286000" indent="0">
+              <a:buNone/>
+              <a:defRPr sz="1000"/>
+            </a:lvl6pPr>
+            <a:lvl7pPr marL="2743200" indent="0">
+              <a:buNone/>
+              <a:defRPr sz="1000"/>
+            </a:lvl7pPr>
+            <a:lvl8pPr marL="3200400" indent="0">
+              <a:buNone/>
+              <a:defRPr sz="1000"/>
+            </a:lvl8pPr>
+            <a:lvl9pPr marL="3657600" indent="0">
+              <a:buNone/>
+              <a:defRPr sz="1000"/>
+            </a:lvl9pPr>
+          </a:lstStyle>
+          <a:p>
+            <a:pPr lvl="0"/>
+            <a:r>
+              <a:rPr lang="ru-RU" smtClean="0"/>
+              <a:t>Образец текста</a:t>
+            </a:r>
+          </a:p>
+        </p:txBody>
+      </p:sp>
+      <p:sp>
+        <p:nvSpPr>
+          <p:cNvPr id="5" name="Date Placeholder 4"/>
+          <p:cNvSpPr>
+            <a:spLocks noGrp="1"/>
+          </p:cNvSpPr>
+          <p:nvPr>
+            <p:ph type="dt" sz="half" idx="10"/>
+          </p:nvPr>
+        </p:nvSpPr>
+        <p:spPr/>
+        <p:txBody>
+          <a:bodyPr/>
+          <a:lstStyle/>
+          <a:p>
+            <a:fld id="{A9D4B672-AFDF-4628-AE9E-448FA5A4BD57}" type="datetimeFigureOut">
+              <a:rPr lang="ru-RU" smtClean="0"/>
+              <a:t>02.07.2021</a:t>
+            </a:fld>
+            <a:endParaRPr lang="ru-RU"/>
+          </a:p>
+        </p:txBody>
+      </p:sp>
+      <p:sp>
+        <p:nvSpPr>
+          <p:cNvPr id="6" name="Footer Placeholder 5"/>
+          <p:cNvSpPr>
+            <a:spLocks noGrp="1"/>
+          </p:cNvSpPr>
+          <p:nvPr>
+            <p:ph type="ftr" sz="quarter" idx="11"/>
+          </p:nvPr>
+        </p:nvSpPr>
+        <p:spPr/>
+        <p:txBody>
+          <a:bodyPr/>
+          <a:lstStyle/>
+          <a:p>
+            <a:endParaRPr lang="ru-RU"/>
+          </a:p>
+        </p:txBody>
+      </p:sp>
+      <p:sp>
+        <p:nvSpPr>
+          <p:cNvPr id="7" name="Slide Number Placeholder 6"/>
+          <p:cNvSpPr>
+            <a:spLocks noGrp="1"/>
+          </p:cNvSpPr>
+          <p:nvPr>
+            <p:ph type="sldNum" sz="quarter" idx="12"/>
+          </p:nvPr>
+        </p:nvSpPr>
+        <p:spPr/>
+        <p:txBody>
+          <a:bodyPr/>
+          <a:lstStyle/>
+          <a:p>
+            <a:fld id="{40E15F62-8BE5-467B-8076-C9D94E7510EE}" type="slidenum">
+              <a:rPr lang="ru-RU" smtClean="0"/>
+              <a:t>‹#›</a:t>
+            </a:fld>
+            <a:endParaRPr lang="ru-RU"/>
+          </a:p>
+        </p:txBody>
+      </p:sp>
+    </p:spTree>
+    <p:extLst>
+      <p:ext uri="{BB962C8B-B14F-4D97-AF65-F5344CB8AC3E}">
+        <p14:creationId xmlns:p14="http://schemas.microsoft.com/office/powerpoint/2010/main" val="3880425710"/>
+      </p:ext>
+    </p:extLst>
+  </p:cSld>
+  <p:clrMapOvr>
+    <a:masterClrMapping/>
+  </p:clrMapOvr>
+</p:sldLayout>
+</file>
+
+<file path=ppt/slideLayouts/slideLayout11.xml><?xml version="1.0" encoding="utf-8"?>
+<p:sldLayout xmlns:a="http://schemas.openxmlformats.org/drawingml/2006/main" xmlns:r="http://schemas.openxmlformats.org/officeDocument/2006/relationships" xmlns:p="http://schemas.openxmlformats.org/presentationml/2006/main" preserve="1">
+  <p:cSld name="Заголовок и подпись">
+    <p:spTree>
+      <p:nvGrpSpPr>
+        <p:cNvPr id="1" name=""/>
+        <p:cNvGrpSpPr/>
+        <p:nvPr/>
+      </p:nvGrpSpPr>
+      <p:grpSpPr>
+        <a:xfrm>
+          <a:off x="0" y="0"/>
+          <a:ext cx="0" cy="0"/>
+          <a:chOff x="0" y="0"/>
+          <a:chExt cx="0" cy="0"/>
+        </a:xfrm>
+      </p:grpSpPr>
+      <p:sp>
+        <p:nvSpPr>
+          <p:cNvPr id="2" name="Title 1"/>
+          <p:cNvSpPr>
+            <a:spLocks noGrp="1"/>
+          </p:cNvSpPr>
+          <p:nvPr>
+            <p:ph type="title"/>
+          </p:nvPr>
+        </p:nvSpPr>
+        <p:spPr>
+          <a:xfrm>
+            <a:off x="913795" y="609600"/>
+            <a:ext cx="10353762" cy="3424859"/>
+          </a:xfrm>
+        </p:spPr>
+        <p:txBody>
+          <a:bodyPr anchor="ctr"/>
+          <a:lstStyle>
+            <a:lvl1pPr>
+              <a:defRPr sz="3200"/>
+            </a:lvl1pPr>
+          </a:lstStyle>
+          <a:p>
+            <a:r>
+              <a:rPr lang="ru-RU" smtClean="0"/>
+              <a:t>Образец заголовка</a:t>
+            </a:r>
+            <a:endParaRPr lang="en-US" dirty="0"/>
+          </a:p>
+        </p:txBody>
+      </p:sp>
+      <p:sp>
+        <p:nvSpPr>
+          <p:cNvPr id="4" name="Text Placeholder 3"/>
+          <p:cNvSpPr>
+            <a:spLocks noGrp="1"/>
+          </p:cNvSpPr>
+          <p:nvPr>
+            <p:ph type="body" sz="half" idx="2"/>
+          </p:nvPr>
+        </p:nvSpPr>
+        <p:spPr>
+          <a:xfrm>
+            <a:off x="913795" y="4204820"/>
+            <a:ext cx="10353761" cy="1592186"/>
+          </a:xfrm>
+        </p:spPr>
+        <p:txBody>
+          <a:bodyPr anchor="ctr"/>
+          <a:lstStyle>
+            <a:lvl1pPr marL="0" indent="0" algn="ctr">
+              <a:buNone/>
+              <a:defRPr sz="1600"/>
+            </a:lvl1pPr>
+            <a:lvl2pPr marL="457200" indent="0">
+              <a:buNone/>
+              <a:defRPr sz="1400"/>
+            </a:lvl2pPr>
+            <a:lvl3pPr marL="914400" indent="0">
+              <a:buNone/>
+              <a:defRPr sz="1200"/>
+            </a:lvl3pPr>
+            <a:lvl4pPr marL="1371600" indent="0">
+              <a:buNone/>
+              <a:defRPr sz="1000"/>
+            </a:lvl4pPr>
+            <a:lvl5pPr marL="1828800" indent="0">
+              <a:buNone/>
+              <a:defRPr sz="1000"/>
+            </a:lvl5pPr>
+            <a:lvl6pPr marL="2286000" indent="0">
+              <a:buNone/>
+              <a:defRPr sz="1000"/>
+            </a:lvl6pPr>
+            <a:lvl7pPr marL="2743200" indent="0">
+              <a:buNone/>
+              <a:defRPr sz="1000"/>
+            </a:lvl7pPr>
+            <a:lvl8pPr marL="3200400" indent="0">
+              <a:buNone/>
+              <a:defRPr sz="1000"/>
+            </a:lvl8pPr>
+            <a:lvl9pPr marL="3657600" indent="0">
+              <a:buNone/>
+              <a:defRPr sz="1000"/>
+            </a:lvl9pPr>
+          </a:lstStyle>
+          <a:p>
+            <a:pPr lvl="0"/>
+            <a:r>
+              <a:rPr lang="ru-RU" smtClean="0"/>
+              <a:t>Образец текста</a:t>
+            </a:r>
+          </a:p>
+        </p:txBody>
+      </p:sp>
+      <p:sp>
+        <p:nvSpPr>
+          <p:cNvPr id="5" name="Date Placeholder 4"/>
+          <p:cNvSpPr>
+            <a:spLocks noGrp="1"/>
+          </p:cNvSpPr>
+          <p:nvPr>
+            <p:ph type="dt" sz="half" idx="10"/>
+          </p:nvPr>
+        </p:nvSpPr>
+        <p:spPr/>
+        <p:txBody>
+          <a:bodyPr/>
+          <a:lstStyle/>
+          <a:p>
+            <a:fld id="{A9D4B672-AFDF-4628-AE9E-448FA5A4BD57}" type="datetimeFigureOut">
+              <a:rPr lang="ru-RU" smtClean="0"/>
+              <a:t>02.07.2021</a:t>
+            </a:fld>
+            <a:endParaRPr lang="ru-RU"/>
+          </a:p>
+        </p:txBody>
+      </p:sp>
+      <p:sp>
+        <p:nvSpPr>
+          <p:cNvPr id="6" name="Footer Placeholder 5"/>
+          <p:cNvSpPr>
+            <a:spLocks noGrp="1"/>
+          </p:cNvSpPr>
+          <p:nvPr>
+            <p:ph type="ftr" sz="quarter" idx="11"/>
+          </p:nvPr>
+        </p:nvSpPr>
+        <p:spPr/>
+        <p:txBody>
+          <a:bodyPr/>
+          <a:lstStyle/>
+          <a:p>
+            <a:endParaRPr lang="ru-RU"/>
+          </a:p>
+        </p:txBody>
+      </p:sp>
+      <p:sp>
+        <p:nvSpPr>
+          <p:cNvPr id="7" name="Slide Number Placeholder 6"/>
+          <p:cNvSpPr>
+            <a:spLocks noGrp="1"/>
+          </p:cNvSpPr>
+          <p:nvPr>
+            <p:ph type="sldNum" sz="quarter" idx="12"/>
+          </p:nvPr>
+        </p:nvSpPr>
+        <p:spPr/>
+        <p:txBody>
+          <a:bodyPr/>
+          <a:lstStyle/>
+          <a:p>
+            <a:fld id="{40E15F62-8BE5-467B-8076-C9D94E7510EE}" type="slidenum">
+              <a:rPr lang="ru-RU" smtClean="0"/>
+              <a:t>‹#›</a:t>
+            </a:fld>
+            <a:endParaRPr lang="ru-RU"/>
+          </a:p>
+        </p:txBody>
+      </p:sp>
+    </p:spTree>
+    <p:extLst>
+      <p:ext uri="{BB962C8B-B14F-4D97-AF65-F5344CB8AC3E}">
+        <p14:creationId xmlns:p14="http://schemas.microsoft.com/office/powerpoint/2010/main" val="3903394339"/>
+      </p:ext>
+    </p:extLst>
+  </p:cSld>
+  <p:clrMapOvr>
+    <a:masterClrMapping/>
+  </p:clrMapOvr>
+</p:sldLayout>
+</file>
+
+<file path=ppt/slideLayouts/slideLayout12.xml><?xml version="1.0" encoding="utf-8"?>
+<p:sldLayout xmlns:a="http://schemas.openxmlformats.org/drawingml/2006/main" xmlns:r="http://schemas.openxmlformats.org/officeDocument/2006/relationships" xmlns:p="http://schemas.openxmlformats.org/presentationml/2006/main" preserve="1">
+  <p:cSld name="Цитата с подписью">
+    <p:spTree>
+      <p:nvGrpSpPr>
+        <p:cNvPr id="1" name=""/>
+        <p:cNvGrpSpPr/>
+        <p:nvPr/>
+      </p:nvGrpSpPr>
+      <p:grpSpPr>
+        <a:xfrm>
+          <a:off x="0" y="0"/>
+          <a:ext cx="0" cy="0"/>
+          <a:chOff x="0" y="0"/>
+          <a:chExt cx="0" cy="0"/>
+        </a:xfrm>
+      </p:grpSpPr>
+      <p:sp>
+        <p:nvSpPr>
+          <p:cNvPr id="2" name="Title 1"/>
+          <p:cNvSpPr>
+            <a:spLocks noGrp="1"/>
+          </p:cNvSpPr>
+          <p:nvPr>
+            <p:ph type="title"/>
+          </p:nvPr>
+        </p:nvSpPr>
+        <p:spPr>
+          <a:xfrm>
+            <a:off x="1446212" y="609600"/>
+            <a:ext cx="9302752" cy="2992904"/>
+          </a:xfrm>
+        </p:spPr>
+        <p:txBody>
+          <a:bodyPr anchor="ctr"/>
+          <a:lstStyle>
+            <a:lvl1pPr>
+              <a:defRPr sz="3200"/>
+            </a:lvl1pPr>
+          </a:lstStyle>
+          <a:p>
+            <a:r>
+              <a:rPr lang="ru-RU" smtClean="0"/>
+              <a:t>Образец заголовка</a:t>
+            </a:r>
+            <a:endParaRPr lang="en-US" dirty="0"/>
+          </a:p>
+        </p:txBody>
+      </p:sp>
+      <p:sp>
+        <p:nvSpPr>
+          <p:cNvPr id="12" name="Text Placeholder 3"/>
+          <p:cNvSpPr>
+            <a:spLocks noGrp="1"/>
+          </p:cNvSpPr>
+          <p:nvPr>
+            <p:ph type="body" sz="half" idx="13"/>
+          </p:nvPr>
+        </p:nvSpPr>
+        <p:spPr>
+          <a:xfrm>
+            <a:off x="1720644" y="3610032"/>
+            <a:ext cx="8752299" cy="426812"/>
+          </a:xfrm>
+        </p:spPr>
+        <p:txBody>
+          <a:bodyPr anchor="t">
+            <a:normAutofit/>
+          </a:bodyPr>
+          <a:lstStyle>
+            <a:lvl1pPr marL="0" indent="0" algn="r">
+              <a:buNone/>
+              <a:defRPr sz="1400"/>
+            </a:lvl1pPr>
+            <a:lvl2pPr marL="457200" indent="0">
+              <a:buNone/>
+              <a:defRPr sz="1400"/>
+            </a:lvl2pPr>
+            <a:lvl3pPr marL="914400" indent="0">
+              <a:buNone/>
+              <a:defRPr sz="1200"/>
+            </a:lvl3pPr>
+            <a:lvl4pPr marL="1371600" indent="0">
+              <a:buNone/>
+              <a:defRPr sz="1000"/>
+            </a:lvl4pPr>
+            <a:lvl5pPr marL="1828800" indent="0">
+              <a:buNone/>
+              <a:defRPr sz="1000"/>
+            </a:lvl5pPr>
+            <a:lvl6pPr marL="2286000" indent="0">
+              <a:buNone/>
+              <a:defRPr sz="1000"/>
+            </a:lvl6pPr>
+            <a:lvl7pPr marL="2743200" indent="0">
+              <a:buNone/>
+              <a:defRPr sz="1000"/>
+            </a:lvl7pPr>
+            <a:lvl8pPr marL="3200400" indent="0">
+              <a:buNone/>
+              <a:defRPr sz="1000"/>
+            </a:lvl8pPr>
+            <a:lvl9pPr marL="3657600" indent="0">
+              <a:buNone/>
+              <a:defRPr sz="1000"/>
+            </a:lvl9pPr>
+          </a:lstStyle>
+          <a:p>
+            <a:pPr lvl="0"/>
+            <a:r>
+              <a:rPr lang="ru-RU" smtClean="0"/>
+              <a:t>Образец текста</a:t>
+            </a:r>
+          </a:p>
+        </p:txBody>
+      </p:sp>
+      <p:sp>
+        <p:nvSpPr>
+          <p:cNvPr id="4" name="Text Placeholder 3"/>
+          <p:cNvSpPr>
+            <a:spLocks noGrp="1"/>
+          </p:cNvSpPr>
+          <p:nvPr>
+            <p:ph type="body" sz="half" idx="2"/>
+          </p:nvPr>
+        </p:nvSpPr>
+        <p:spPr>
+          <a:xfrm>
+            <a:off x="913794" y="4204821"/>
+            <a:ext cx="10353762" cy="1586380"/>
+          </a:xfrm>
+        </p:spPr>
+        <p:txBody>
+          <a:bodyPr anchor="ctr">
+            <a:normAutofit/>
+          </a:bodyPr>
+          <a:lstStyle>
+            <a:lvl1pPr marL="0" indent="0" algn="ctr">
+              <a:buNone/>
+              <a:defRPr sz="1600"/>
+            </a:lvl1pPr>
+            <a:lvl2pPr marL="457200" indent="0">
+              <a:buNone/>
+              <a:defRPr sz="1400"/>
+            </a:lvl2pPr>
+            <a:lvl3pPr marL="914400" indent="0">
+              <a:buNone/>
+              <a:defRPr sz="1200"/>
+            </a:lvl3pPr>
+            <a:lvl4pPr marL="1371600" indent="0">
+              <a:buNone/>
+              <a:defRPr sz="1000"/>
+            </a:lvl4pPr>
+            <a:lvl5pPr marL="1828800" indent="0">
+              <a:buNone/>
+              <a:defRPr sz="1000"/>
+            </a:lvl5pPr>
+            <a:lvl6pPr marL="2286000" indent="0">
+              <a:buNone/>
+              <a:defRPr sz="1000"/>
+            </a:lvl6pPr>
+            <a:lvl7pPr marL="2743200" indent="0">
+              <a:buNone/>
+              <a:defRPr sz="1000"/>
+            </a:lvl7pPr>
+            <a:lvl8pPr marL="3200400" indent="0">
+              <a:buNone/>
+              <a:defRPr sz="1000"/>
+            </a:lvl8pPr>
+            <a:lvl9pPr marL="3657600" indent="0">
+              <a:buNone/>
+              <a:defRPr sz="1000"/>
+            </a:lvl9pPr>
+          </a:lstStyle>
+          <a:p>
+            <a:pPr lvl="0"/>
+            <a:r>
+              <a:rPr lang="ru-RU" smtClean="0"/>
+              <a:t>Образец текста</a:t>
+            </a:r>
+          </a:p>
+        </p:txBody>
+      </p:sp>
+      <p:sp>
+        <p:nvSpPr>
+          <p:cNvPr id="5" name="Date Placeholder 4"/>
+          <p:cNvSpPr>
+            <a:spLocks noGrp="1"/>
+          </p:cNvSpPr>
+          <p:nvPr>
+            <p:ph type="dt" sz="half" idx="10"/>
+          </p:nvPr>
+        </p:nvSpPr>
+        <p:spPr/>
+        <p:txBody>
+          <a:bodyPr/>
+          <a:lstStyle/>
+          <a:p>
+            <a:fld id="{A9D4B672-AFDF-4628-AE9E-448FA5A4BD57}" type="datetimeFigureOut">
+              <a:rPr lang="ru-RU" smtClean="0"/>
+              <a:t>02.07.2021</a:t>
+            </a:fld>
+            <a:endParaRPr lang="ru-RU"/>
+          </a:p>
+        </p:txBody>
+      </p:sp>
+      <p:sp>
+        <p:nvSpPr>
+          <p:cNvPr id="6" name="Footer Placeholder 5"/>
+          <p:cNvSpPr>
+            <a:spLocks noGrp="1"/>
+          </p:cNvSpPr>
+          <p:nvPr>
+            <p:ph type="ftr" sz="quarter" idx="11"/>
+          </p:nvPr>
+        </p:nvSpPr>
+        <p:spPr/>
+        <p:txBody>
+          <a:bodyPr/>
+          <a:lstStyle/>
+          <a:p>
+            <a:endParaRPr lang="ru-RU"/>
+          </a:p>
+        </p:txBody>
+      </p:sp>
+      <p:sp>
+        <p:nvSpPr>
+          <p:cNvPr id="7" name="Slide Number Placeholder 6"/>
+          <p:cNvSpPr>
+            <a:spLocks noGrp="1"/>
+          </p:cNvSpPr>
+          <p:nvPr>
+            <p:ph type="sldNum" sz="quarter" idx="12"/>
+          </p:nvPr>
+        </p:nvSpPr>
+        <p:spPr/>
+        <p:txBody>
+          <a:bodyPr/>
+          <a:lstStyle/>
+          <a:p>
+            <a:fld id="{40E15F62-8BE5-467B-8076-C9D94E7510EE}" type="slidenum">
+              <a:rPr lang="ru-RU" smtClean="0"/>
+              <a:t>‹#›</a:t>
+            </a:fld>
+            <a:endParaRPr lang="ru-RU"/>
+          </a:p>
+        </p:txBody>
+      </p:sp>
+      <p:sp>
+        <p:nvSpPr>
+          <p:cNvPr id="11" name="TextBox 10"/>
+          <p:cNvSpPr txBox="1"/>
+          <p:nvPr/>
+        </p:nvSpPr>
+        <p:spPr>
+          <a:xfrm>
+            <a:off x="836612" y="735241"/>
+            <a:ext cx="609600" cy="584776"/>
+          </a:xfrm>
+          <a:prstGeom prst="rect">
+            <a:avLst/>
+          </a:prstGeom>
+        </p:spPr>
+        <p:txBody>
+          <a:bodyPr vert="horz" lIns="91440" tIns="45720" rIns="91440" bIns="45720" rtlCol="0" anchor="ctr">
+            <a:noAutofit/>
+          </a:bodyPr>
+          <a:lstStyle>
+            <a:lvl1pPr>
+              <a:spcBef>
+                <a:spcPct val="0"/>
+              </a:spcBef>
+              <a:buNone/>
+              <a:defRPr sz="3200" b="0" cap="all">
+                <a:ln w="3175" cmpd="sng">
+                  <a:noFill/>
+                </a:ln>
+                <a:effectLst>
+                  <a:glow rad="38100">
+                    <a:schemeClr val="bg1">
+                      <a:lumMod val="65000"/>
+                      <a:lumOff val="35000"/>
+                      <a:alpha val="40000"/>
+                    </a:schemeClr>
+                  </a:glow>
+                  <a:outerShdw blurRad="28575" dist="38100" dir="14040000" algn="tl" rotWithShape="0">
+                    <a:srgbClr val="000000">
+                      <a:alpha val="25000"/>
+                    </a:srgbClr>
+                  </a:outerShdw>
+                </a:effectLst>
+              </a:defRPr>
+            </a:lvl1pPr>
+            <a:lvl2pPr>
+              <a:defRPr>
+                <a:solidFill>
+                  <a:schemeClr val="tx2"/>
+                </a:solidFill>
+              </a:defRPr>
+            </a:lvl2pPr>
+            <a:lvl3pPr>
+              <a:defRPr>
+                <a:solidFill>
+                  <a:schemeClr val="tx2"/>
+                </a:solidFill>
+              </a:defRPr>
+            </a:lvl3pPr>
+            <a:lvl4pPr>
+              <a:defRPr>
+                <a:solidFill>
+                  <a:schemeClr val="tx2"/>
+                </a:solidFill>
+              </a:defRPr>
+            </a:lvl4pPr>
+            <a:lvl5pPr>
+              <a:defRPr>
+                <a:solidFill>
+                  <a:schemeClr val="tx2"/>
+                </a:solidFill>
+              </a:defRPr>
+            </a:lvl5pPr>
+            <a:lvl6pPr>
+              <a:defRPr>
+                <a:solidFill>
+                  <a:schemeClr val="tx2"/>
+                </a:solidFill>
+              </a:defRPr>
+            </a:lvl6pPr>
+            <a:lvl7pPr>
+              <a:defRPr>
+                <a:solidFill>
+                  <a:schemeClr val="tx2"/>
+                </a:solidFill>
+              </a:defRPr>
+            </a:lvl7pPr>
+            <a:lvl8pPr>
+              <a:defRPr>
+                <a:solidFill>
+                  <a:schemeClr val="tx2"/>
+                </a:solidFill>
+              </a:defRPr>
+            </a:lvl8pPr>
+            <a:lvl9pPr>
+              <a:defRPr>
+                <a:solidFill>
+                  <a:schemeClr val="tx2"/>
+                </a:solidFill>
+              </a:defRPr>
+            </a:lvl9pPr>
+          </a:lstStyle>
+          <a:p>
+            <a:pPr lvl="0"/>
+            <a:r>
+              <a:rPr lang="en-US" sz="8000" dirty="0">
+                <a:solidFill>
+                  <a:schemeClr val="tx1"/>
+                </a:solidFill>
+                <a:effectLst/>
+              </a:rPr>
+              <a:t>“</a:t>
+            </a:r>
+          </a:p>
+        </p:txBody>
+      </p:sp>
+      <p:sp>
+        <p:nvSpPr>
+          <p:cNvPr id="13" name="TextBox 12"/>
+          <p:cNvSpPr txBox="1"/>
+          <p:nvPr/>
+        </p:nvSpPr>
+        <p:spPr>
+          <a:xfrm>
+            <a:off x="10657956" y="2972093"/>
+            <a:ext cx="609600" cy="584776"/>
+          </a:xfrm>
+          <a:prstGeom prst="rect">
+            <a:avLst/>
+          </a:prstGeom>
+        </p:spPr>
+        <p:txBody>
+          <a:bodyPr vert="horz" lIns="91440" tIns="45720" rIns="91440" bIns="45720" rtlCol="0" anchor="ctr">
+            <a:noAutofit/>
+          </a:bodyPr>
+          <a:lstStyle>
+            <a:lvl1pPr>
+              <a:spcBef>
+                <a:spcPct val="0"/>
+              </a:spcBef>
+              <a:buNone/>
+              <a:defRPr sz="3200" b="0" cap="all">
+                <a:ln w="3175" cmpd="sng">
+                  <a:noFill/>
+                </a:ln>
+                <a:effectLst>
+                  <a:glow rad="38100">
+                    <a:schemeClr val="bg1">
+                      <a:lumMod val="65000"/>
+                      <a:lumOff val="35000"/>
+                      <a:alpha val="40000"/>
+                    </a:schemeClr>
+                  </a:glow>
+                  <a:outerShdw blurRad="28575" dist="38100" dir="14040000" algn="tl" rotWithShape="0">
+                    <a:srgbClr val="000000">
+                      <a:alpha val="25000"/>
+                    </a:srgbClr>
+                  </a:outerShdw>
+                </a:effectLst>
+              </a:defRPr>
+            </a:lvl1pPr>
+            <a:lvl2pPr>
+              <a:defRPr>
+                <a:solidFill>
+                  <a:schemeClr val="tx2"/>
+                </a:solidFill>
+              </a:defRPr>
+            </a:lvl2pPr>
+            <a:lvl3pPr>
+              <a:defRPr>
+                <a:solidFill>
+                  <a:schemeClr val="tx2"/>
+                </a:solidFill>
+              </a:defRPr>
+            </a:lvl3pPr>
+            <a:lvl4pPr>
+              <a:defRPr>
+                <a:solidFill>
+                  <a:schemeClr val="tx2"/>
+                </a:solidFill>
+              </a:defRPr>
+            </a:lvl4pPr>
+            <a:lvl5pPr>
+              <a:defRPr>
+                <a:solidFill>
+                  <a:schemeClr val="tx2"/>
+                </a:solidFill>
+              </a:defRPr>
+            </a:lvl5pPr>
+            <a:lvl6pPr>
+              <a:defRPr>
+                <a:solidFill>
+                  <a:schemeClr val="tx2"/>
+                </a:solidFill>
+              </a:defRPr>
+            </a:lvl6pPr>
+            <a:lvl7pPr>
+              <a:defRPr>
+                <a:solidFill>
+                  <a:schemeClr val="tx2"/>
+                </a:solidFill>
+              </a:defRPr>
+            </a:lvl7pPr>
+            <a:lvl8pPr>
+              <a:defRPr>
+                <a:solidFill>
+                  <a:schemeClr val="tx2"/>
+                </a:solidFill>
+              </a:defRPr>
+            </a:lvl8pPr>
+            <a:lvl9pPr>
+              <a:defRPr>
+                <a:solidFill>
+                  <a:schemeClr val="tx2"/>
+                </a:solidFill>
+              </a:defRPr>
+            </a:lvl9pPr>
+          </a:lstStyle>
+          <a:p>
+            <a:pPr lvl="0" algn="r"/>
+            <a:r>
+              <a:rPr lang="en-US" sz="8000" dirty="0">
+                <a:solidFill>
+                  <a:schemeClr val="tx1"/>
+                </a:solidFill>
+                <a:effectLst/>
+              </a:rPr>
+              <a:t>”</a:t>
+            </a:r>
+          </a:p>
+        </p:txBody>
+      </p:sp>
+    </p:spTree>
+    <p:extLst>
+      <p:ext uri="{BB962C8B-B14F-4D97-AF65-F5344CB8AC3E}">
+        <p14:creationId xmlns:p14="http://schemas.microsoft.com/office/powerpoint/2010/main" val="1773725245"/>
+      </p:ext>
+    </p:extLst>
+  </p:cSld>
+  <p:clrMapOvr>
+    <a:masterClrMapping/>
+  </p:clrMapOvr>
+</p:sldLayout>
+</file>
+
+<file path=ppt/slideLayouts/slideLayout13.xml><?xml version="1.0" encoding="utf-8"?>
+<p:sldLayout xmlns:a="http://schemas.openxmlformats.org/drawingml/2006/main" xmlns:r="http://schemas.openxmlformats.org/officeDocument/2006/relationships" xmlns:p="http://schemas.openxmlformats.org/presentationml/2006/main" preserve="1">
+  <p:cSld name="Карточка имени">
+    <p:spTree>
+      <p:nvGrpSpPr>
+        <p:cNvPr id="1" name=""/>
+        <p:cNvGrpSpPr/>
+        <p:nvPr/>
+      </p:nvGrpSpPr>
+      <p:grpSpPr>
+        <a:xfrm>
+          <a:off x="0" y="0"/>
+          <a:ext cx="0" cy="0"/>
+          <a:chOff x="0" y="0"/>
+          <a:chExt cx="0" cy="0"/>
+        </a:xfrm>
+      </p:grpSpPr>
+      <p:sp>
+        <p:nvSpPr>
+          <p:cNvPr id="2" name="Title 1"/>
+          <p:cNvSpPr>
+            <a:spLocks noGrp="1"/>
+          </p:cNvSpPr>
+          <p:nvPr>
+            <p:ph type="title"/>
+          </p:nvPr>
+        </p:nvSpPr>
+        <p:spPr>
+          <a:xfrm>
+            <a:off x="913806" y="2126942"/>
+            <a:ext cx="10355327" cy="2511835"/>
+          </a:xfrm>
+        </p:spPr>
+        <p:txBody>
+          <a:bodyPr anchor="b"/>
+          <a:lstStyle>
+            <a:lvl1pPr>
+              <a:defRPr sz="3200"/>
+            </a:lvl1pPr>
+          </a:lstStyle>
+          <a:p>
+            <a:r>
+              <a:rPr lang="ru-RU" smtClean="0"/>
+              <a:t>Образец заголовка</a:t>
+            </a:r>
+            <a:endParaRPr lang="en-US" dirty="0"/>
+          </a:p>
+        </p:txBody>
+      </p:sp>
+      <p:sp>
+        <p:nvSpPr>
+          <p:cNvPr id="4" name="Text Placeholder 3"/>
+          <p:cNvSpPr>
+            <a:spLocks noGrp="1"/>
+          </p:cNvSpPr>
+          <p:nvPr>
+            <p:ph type="body" sz="half" idx="2"/>
+          </p:nvPr>
+        </p:nvSpPr>
+        <p:spPr>
+          <a:xfrm>
+            <a:off x="913794" y="4650556"/>
+            <a:ext cx="10353763" cy="1140644"/>
+          </a:xfrm>
+        </p:spPr>
+        <p:txBody>
+          <a:bodyPr anchor="t"/>
+          <a:lstStyle>
+            <a:lvl1pPr marL="0" indent="0" algn="ctr">
+              <a:buNone/>
+              <a:defRPr sz="1600"/>
+            </a:lvl1pPr>
+            <a:lvl2pPr marL="457200" indent="0">
+              <a:buNone/>
+              <a:defRPr sz="1400"/>
+            </a:lvl2pPr>
+            <a:lvl3pPr marL="914400" indent="0">
+              <a:buNone/>
+              <a:defRPr sz="1200"/>
+            </a:lvl3pPr>
+            <a:lvl4pPr marL="1371600" indent="0">
+              <a:buNone/>
+              <a:defRPr sz="1000"/>
+            </a:lvl4pPr>
+            <a:lvl5pPr marL="1828800" indent="0">
+              <a:buNone/>
+              <a:defRPr sz="1000"/>
+            </a:lvl5pPr>
+            <a:lvl6pPr marL="2286000" indent="0">
+              <a:buNone/>
+              <a:defRPr sz="1000"/>
+            </a:lvl6pPr>
+            <a:lvl7pPr marL="2743200" indent="0">
+              <a:buNone/>
+              <a:defRPr sz="1000"/>
+            </a:lvl7pPr>
+            <a:lvl8pPr marL="3200400" indent="0">
+              <a:buNone/>
+              <a:defRPr sz="1000"/>
+            </a:lvl8pPr>
+            <a:lvl9pPr marL="3657600" indent="0">
+              <a:buNone/>
+              <a:defRPr sz="1000"/>
+            </a:lvl9pPr>
+          </a:lstStyle>
+          <a:p>
+            <a:pPr lvl="0"/>
+            <a:r>
+              <a:rPr lang="ru-RU" smtClean="0"/>
+              <a:t>Образец текста</a:t>
+            </a:r>
+          </a:p>
+        </p:txBody>
+      </p:sp>
+      <p:sp>
+        <p:nvSpPr>
+          <p:cNvPr id="5" name="Date Placeholder 4"/>
+          <p:cNvSpPr>
+            <a:spLocks noGrp="1"/>
+          </p:cNvSpPr>
+          <p:nvPr>
+            <p:ph type="dt" sz="half" idx="10"/>
+          </p:nvPr>
+        </p:nvSpPr>
+        <p:spPr/>
+        <p:txBody>
+          <a:bodyPr/>
+          <a:lstStyle/>
+          <a:p>
+            <a:fld id="{A9D4B672-AFDF-4628-AE9E-448FA5A4BD57}" type="datetimeFigureOut">
+              <a:rPr lang="ru-RU" smtClean="0"/>
+              <a:t>02.07.2021</a:t>
+            </a:fld>
+            <a:endParaRPr lang="ru-RU"/>
+          </a:p>
+        </p:txBody>
+      </p:sp>
+      <p:sp>
+        <p:nvSpPr>
+          <p:cNvPr id="6" name="Footer Placeholder 5"/>
+          <p:cNvSpPr>
+            <a:spLocks noGrp="1"/>
+          </p:cNvSpPr>
+          <p:nvPr>
+            <p:ph type="ftr" sz="quarter" idx="11"/>
+          </p:nvPr>
+        </p:nvSpPr>
+        <p:spPr/>
+        <p:txBody>
+          <a:bodyPr/>
+          <a:lstStyle/>
+          <a:p>
+            <a:endParaRPr lang="ru-RU"/>
+          </a:p>
+        </p:txBody>
+      </p:sp>
+      <p:sp>
+        <p:nvSpPr>
+          <p:cNvPr id="7" name="Slide Number Placeholder 6"/>
+          <p:cNvSpPr>
+            <a:spLocks noGrp="1"/>
+          </p:cNvSpPr>
+          <p:nvPr>
+            <p:ph type="sldNum" sz="quarter" idx="12"/>
+          </p:nvPr>
+        </p:nvSpPr>
+        <p:spPr/>
+        <p:txBody>
+          <a:bodyPr/>
+          <a:lstStyle/>
+          <a:p>
+            <a:fld id="{40E15F62-8BE5-467B-8076-C9D94E7510EE}" type="slidenum">
+              <a:rPr lang="ru-RU" smtClean="0"/>
+              <a:t>‹#›</a:t>
+            </a:fld>
+            <a:endParaRPr lang="ru-RU"/>
+          </a:p>
+        </p:txBody>
+      </p:sp>
+    </p:spTree>
+    <p:extLst>
+      <p:ext uri="{BB962C8B-B14F-4D97-AF65-F5344CB8AC3E}">
+        <p14:creationId xmlns:p14="http://schemas.microsoft.com/office/powerpoint/2010/main" val="4185060152"/>
+      </p:ext>
+    </p:extLst>
+  </p:cSld>
+  <p:clrMapOvr>
+    <a:masterClrMapping/>
+  </p:clrMapOvr>
+</p:sldLayout>
+</file>
+
+<file path=ppt/slideLayouts/slideLayout14.xml><?xml version="1.0" encoding="utf-8"?>
+<p:sldLayout xmlns:a="http://schemas.openxmlformats.org/drawingml/2006/main" xmlns:r="http://schemas.openxmlformats.org/officeDocument/2006/relationships" xmlns:p="http://schemas.openxmlformats.org/presentationml/2006/main" preserve="1">
+  <p:cSld name="Три колонки">
+    <p:spTree>
+      <p:nvGrpSpPr>
+        <p:cNvPr id="1" name=""/>
+        <p:cNvGrpSpPr/>
+        <p:nvPr/>
+      </p:nvGrpSpPr>
+      <p:grpSpPr>
+        <a:xfrm>
+          <a:off x="0" y="0"/>
+          <a:ext cx="0" cy="0"/>
+          <a:chOff x="0" y="0"/>
+          <a:chExt cx="0" cy="0"/>
+        </a:xfrm>
+      </p:grpSpPr>
+      <p:sp>
+        <p:nvSpPr>
+          <p:cNvPr id="15" name="Title 1"/>
+          <p:cNvSpPr>
+            <a:spLocks noGrp="1"/>
+          </p:cNvSpPr>
+          <p:nvPr>
+            <p:ph type="title"/>
+          </p:nvPr>
+        </p:nvSpPr>
+        <p:spPr>
+          <a:xfrm>
+            <a:off x="913794" y="609600"/>
+            <a:ext cx="10353762" cy="1325563"/>
+          </a:xfrm>
+        </p:spPr>
+        <p:txBody>
+          <a:bodyPr/>
+          <a:lstStyle/>
+          <a:p>
+            <a:r>
+              <a:rPr lang="ru-RU" smtClean="0"/>
+              <a:t>Образец заголовка</a:t>
+            </a:r>
+            <a:endParaRPr lang="en-US" dirty="0"/>
+          </a:p>
+        </p:txBody>
+      </p:sp>
+      <p:sp>
+        <p:nvSpPr>
+          <p:cNvPr id="7" name="Text Placeholder 2"/>
+          <p:cNvSpPr>
+            <a:spLocks noGrp="1"/>
+          </p:cNvSpPr>
+          <p:nvPr>
+            <p:ph type="body" idx="1"/>
+          </p:nvPr>
+        </p:nvSpPr>
+        <p:spPr>
+          <a:xfrm>
+            <a:off x="913794" y="2088319"/>
+            <a:ext cx="3298956" cy="823305"/>
+          </a:xfrm>
+        </p:spPr>
+        <p:txBody>
+          <a:bodyPr anchor="b">
+            <a:noAutofit/>
+          </a:bodyPr>
+          <a:lstStyle>
+            <a:lvl1pPr marL="0" indent="0" algn="ctr">
               <a:lnSpc>
-                <a:spcPct val="85000"/>
+                <a:spcPct val="100000"/>
               </a:lnSpc>
-              <a:defRPr sz="7200" baseline="0">
+              <a:buNone/>
+              <a:defRPr sz="2400" b="0">
                 <a:solidFill>
                   <a:schemeClr val="tx1"/>
                 </a:solidFill>
               </a:defRPr>
             </a:lvl1pPr>
+            <a:lvl2pPr marL="457200" indent="0">
+              <a:buNone/>
+              <a:defRPr sz="2000" b="1"/>
+            </a:lvl2pPr>
+            <a:lvl3pPr marL="914400" indent="0">
+              <a:buNone/>
+              <a:defRPr sz="1800" b="1"/>
+            </a:lvl3pPr>
+            <a:lvl4pPr marL="1371600" indent="0">
+              <a:buNone/>
+              <a:defRPr sz="1600" b="1"/>
+            </a:lvl4pPr>
+            <a:lvl5pPr marL="1828800" indent="0">
+              <a:buNone/>
+              <a:defRPr sz="1600" b="1"/>
+            </a:lvl5pPr>
+            <a:lvl6pPr marL="2286000" indent="0">
+              <a:buNone/>
+              <a:defRPr sz="1600" b="1"/>
+            </a:lvl6pPr>
+            <a:lvl7pPr marL="2743200" indent="0">
+              <a:buNone/>
+              <a:defRPr sz="1600" b="1"/>
+            </a:lvl7pPr>
+            <a:lvl8pPr marL="3200400" indent="0">
+              <a:buNone/>
+              <a:defRPr sz="1600" b="1"/>
+            </a:lvl8pPr>
+            <a:lvl9pPr marL="3657600" indent="0">
+              <a:buNone/>
+              <a:defRPr sz="1600" b="1"/>
+            </a:lvl9pPr>
           </a:lstStyle>
           <a:p>
-            <a:r>
-              <a:rPr lang="ru-RU" smtClean="0"/>
-              <a:t>Образец заголовка</a:t>
-            </a:r>
-            <a:endParaRPr lang="en-US" dirty="0"/>
-          </a:p>
-        </p:txBody>
-      </p:sp>
-      <p:sp>
-        <p:nvSpPr>
-          <p:cNvPr id="3" name="Subtitle 2"/>
-          <p:cNvSpPr>
-            <a:spLocks noGrp="1"/>
-          </p:cNvSpPr>
-          <p:nvPr>
-            <p:ph type="subTitle" idx="1"/>
+            <a:pPr lvl="0"/>
+            <a:r>
+              <a:rPr lang="ru-RU" smtClean="0"/>
+              <a:t>Образец текста</a:t>
+            </a:r>
+          </a:p>
+        </p:txBody>
+      </p:sp>
+      <p:sp>
+        <p:nvSpPr>
+          <p:cNvPr id="8" name="Text Placeholder 3"/>
+          <p:cNvSpPr>
+            <a:spLocks noGrp="1"/>
+          </p:cNvSpPr>
+          <p:nvPr>
+            <p:ph type="body" sz="half" idx="15"/>
           </p:nvPr>
         </p:nvSpPr>
         <p:spPr>
           <a:xfrm>
-            <a:off x="1261872" y="4800600"/>
-            <a:ext cx="9418320" cy="1691640"/>
+            <a:off x="913794" y="2911624"/>
+            <a:ext cx="3298956" cy="2879576"/>
           </a:xfrm>
         </p:spPr>
         <p:txBody>
-          <a:bodyPr>
+          <a:bodyPr anchor="t">
             <a:normAutofit/>
           </a:bodyPr>
           <a:lstStyle>
-            <a:lvl1pPr marL="0" indent="0" algn="l">
-              <a:buNone/>
-              <a:defRPr sz="2200" baseline="0">
+            <a:lvl1pPr marL="0" indent="0" algn="ctr">
+              <a:buNone/>
+              <a:defRPr sz="1400"/>
+            </a:lvl1pPr>
+            <a:lvl2pPr marL="457200" indent="0">
+              <a:buNone/>
+              <a:defRPr sz="1200"/>
+            </a:lvl2pPr>
+            <a:lvl3pPr marL="914400" indent="0">
+              <a:buNone/>
+              <a:defRPr sz="1000"/>
+            </a:lvl3pPr>
+            <a:lvl4pPr marL="1371600" indent="0">
+              <a:buNone/>
+              <a:defRPr sz="900"/>
+            </a:lvl4pPr>
+            <a:lvl5pPr marL="1828800" indent="0">
+              <a:buNone/>
+              <a:defRPr sz="900"/>
+            </a:lvl5pPr>
+            <a:lvl6pPr marL="2286000" indent="0">
+              <a:buNone/>
+              <a:defRPr sz="900"/>
+            </a:lvl6pPr>
+            <a:lvl7pPr marL="2743200" indent="0">
+              <a:buNone/>
+              <a:defRPr sz="900"/>
+            </a:lvl7pPr>
+            <a:lvl8pPr marL="3200400" indent="0">
+              <a:buNone/>
+              <a:defRPr sz="900"/>
+            </a:lvl8pPr>
+            <a:lvl9pPr marL="3657600" indent="0">
+              <a:buNone/>
+              <a:defRPr sz="900"/>
+            </a:lvl9pPr>
+          </a:lstStyle>
+          <a:p>
+            <a:pPr lvl="0"/>
+            <a:r>
+              <a:rPr lang="ru-RU" smtClean="0"/>
+              <a:t>Образец текста</a:t>
+            </a:r>
+          </a:p>
+        </p:txBody>
+      </p:sp>
+      <p:sp>
+        <p:nvSpPr>
+          <p:cNvPr id="9" name="Text Placeholder 4"/>
+          <p:cNvSpPr>
+            <a:spLocks noGrp="1"/>
+          </p:cNvSpPr>
+          <p:nvPr>
+            <p:ph type="body" sz="quarter" idx="3"/>
+          </p:nvPr>
+        </p:nvSpPr>
+        <p:spPr>
+          <a:xfrm>
+            <a:off x="4444878" y="2088320"/>
+            <a:ext cx="3298558" cy="823304"/>
+          </a:xfrm>
+        </p:spPr>
+        <p:txBody>
+          <a:bodyPr anchor="b">
+            <a:noAutofit/>
+          </a:bodyPr>
+          <a:lstStyle>
+            <a:lvl1pPr marL="0" indent="0" algn="ctr">
+              <a:lnSpc>
+                <a:spcPct val="100000"/>
+              </a:lnSpc>
+              <a:buNone/>
+              <a:defRPr sz="2400" b="0">
                 <a:solidFill>
-                  <a:schemeClr val="tx1">
-                    <a:lumMod val="75000"/>
-                  </a:schemeClr>
+                  <a:schemeClr val="tx1"/>
                 </a:solidFill>
               </a:defRPr>
             </a:lvl1pPr>
-            <a:lvl2pPr marL="457200" indent="0" algn="ctr">
-              <a:buNone/>
-              <a:defRPr sz="2200"/>
+            <a:lvl2pPr marL="457200" indent="0">
+              <a:buNone/>
+              <a:defRPr sz="2000" b="1"/>
             </a:lvl2pPr>
-            <a:lvl3pPr marL="914400" indent="0" algn="ctr">
-              <a:buNone/>
-              <a:defRPr sz="2200"/>
+            <a:lvl3pPr marL="914400" indent="0">
+              <a:buNone/>
+              <a:defRPr sz="1800" b="1"/>
             </a:lvl3pPr>
-            <a:lvl4pPr marL="1371600" indent="0" algn="ctr">
-              <a:buNone/>
-              <a:defRPr sz="2000"/>
+            <a:lvl4pPr marL="1371600" indent="0">
+              <a:buNone/>
+              <a:defRPr sz="1600" b="1"/>
             </a:lvl4pPr>
-            <a:lvl5pPr marL="1828800" indent="0" algn="ctr">
-              <a:buNone/>
-              <a:defRPr sz="2000"/>
+            <a:lvl5pPr marL="1828800" indent="0">
+              <a:buNone/>
+              <a:defRPr sz="1600" b="1"/>
             </a:lvl5pPr>
-            <a:lvl6pPr marL="2286000" indent="0" algn="ctr">
-              <a:buNone/>
-              <a:defRPr sz="2000"/>
+            <a:lvl6pPr marL="2286000" indent="0">
+              <a:buNone/>
+              <a:defRPr sz="1600" b="1"/>
             </a:lvl6pPr>
-            <a:lvl7pPr marL="2743200" indent="0" algn="ctr">
-              <a:buNone/>
-              <a:defRPr sz="2000"/>
+            <a:lvl7pPr marL="2743200" indent="0">
+              <a:buNone/>
+              <a:defRPr sz="1600" b="1"/>
             </a:lvl7pPr>
-            <a:lvl8pPr marL="3200400" indent="0" algn="ctr">
-              <a:buNone/>
-              <a:defRPr sz="2000"/>
+            <a:lvl8pPr marL="3200400" indent="0">
+              <a:buNone/>
+              <a:defRPr sz="1600" b="1"/>
             </a:lvl8pPr>
-            <a:lvl9pPr marL="3657600" indent="0" algn="ctr">
-              <a:buNone/>
-              <a:defRPr sz="2000"/>
+            <a:lvl9pPr marL="3657600" indent="0">
+              <a:buNone/>
+              <a:defRPr sz="1600" b="1"/>
             </a:lvl9pPr>
           </a:lstStyle>
           <a:p>
-            <a:r>
-              <a:rPr lang="ru-RU" smtClean="0"/>
-              <a:t>Образец подзаголовка</a:t>
-            </a:r>
-            <a:endParaRPr lang="en-US" dirty="0"/>
-          </a:p>
-        </p:txBody>
-      </p:sp>
-      <p:sp>
-        <p:nvSpPr>
-          <p:cNvPr id="4" name="Date Placeholder 3"/>
-          <p:cNvSpPr>
-            <a:spLocks noGrp="1"/>
-          </p:cNvSpPr>
-          <p:nvPr>
-            <p:ph type="dt" sz="half" idx="10"/>
-          </p:nvPr>
-        </p:nvSpPr>
-        <p:spPr/>
-        <p:txBody>
-          <a:bodyPr/>
+            <a:pPr lvl="0"/>
+            <a:r>
+              <a:rPr lang="ru-RU" smtClean="0"/>
+              <a:t>Образец текста</a:t>
+            </a:r>
+          </a:p>
+        </p:txBody>
+      </p:sp>
+      <p:sp>
+        <p:nvSpPr>
+          <p:cNvPr id="10" name="Text Placeholder 3"/>
+          <p:cNvSpPr>
+            <a:spLocks noGrp="1"/>
+          </p:cNvSpPr>
+          <p:nvPr>
+            <p:ph type="body" sz="half" idx="16"/>
+          </p:nvPr>
+        </p:nvSpPr>
+        <p:spPr>
+          <a:xfrm>
+            <a:off x="4444878" y="2911624"/>
+            <a:ext cx="3299821" cy="2879576"/>
+          </a:xfrm>
+        </p:spPr>
+        <p:txBody>
+          <a:bodyPr anchor="t">
+            <a:normAutofit/>
+          </a:bodyPr>
           <a:lstStyle>
-            <a:lvl1pPr>
-              <a:defRPr>
+            <a:lvl1pPr marL="0" indent="0" algn="ctr">
+              <a:buNone/>
+              <a:defRPr sz="1400"/>
+            </a:lvl1pPr>
+            <a:lvl2pPr marL="457200" indent="0">
+              <a:buNone/>
+              <a:defRPr sz="1200"/>
+            </a:lvl2pPr>
+            <a:lvl3pPr marL="914400" indent="0">
+              <a:buNone/>
+              <a:defRPr sz="1000"/>
+            </a:lvl3pPr>
+            <a:lvl4pPr marL="1371600" indent="0">
+              <a:buNone/>
+              <a:defRPr sz="900"/>
+            </a:lvl4pPr>
+            <a:lvl5pPr marL="1828800" indent="0">
+              <a:buNone/>
+              <a:defRPr sz="900"/>
+            </a:lvl5pPr>
+            <a:lvl6pPr marL="2286000" indent="0">
+              <a:buNone/>
+              <a:defRPr sz="900"/>
+            </a:lvl6pPr>
+            <a:lvl7pPr marL="2743200" indent="0">
+              <a:buNone/>
+              <a:defRPr sz="900"/>
+            </a:lvl7pPr>
+            <a:lvl8pPr marL="3200400" indent="0">
+              <a:buNone/>
+              <a:defRPr sz="900"/>
+            </a:lvl8pPr>
+            <a:lvl9pPr marL="3657600" indent="0">
+              <a:buNone/>
+              <a:defRPr sz="900"/>
+            </a:lvl9pPr>
+          </a:lstStyle>
+          <a:p>
+            <a:pPr lvl="0"/>
+            <a:r>
+              <a:rPr lang="ru-RU" smtClean="0"/>
+              <a:t>Образец текста</a:t>
+            </a:r>
+          </a:p>
+        </p:txBody>
+      </p:sp>
+      <p:sp>
+        <p:nvSpPr>
+          <p:cNvPr id="11" name="Text Placeholder 4"/>
+          <p:cNvSpPr>
+            <a:spLocks noGrp="1"/>
+          </p:cNvSpPr>
+          <p:nvPr>
+            <p:ph type="body" sz="quarter" idx="13"/>
+          </p:nvPr>
+        </p:nvSpPr>
+        <p:spPr>
+          <a:xfrm>
+            <a:off x="7973298" y="2088320"/>
+            <a:ext cx="3291211" cy="823304"/>
+          </a:xfrm>
+        </p:spPr>
+        <p:txBody>
+          <a:bodyPr anchor="b">
+            <a:noAutofit/>
+          </a:bodyPr>
+          <a:lstStyle>
+            <a:lvl1pPr marL="0" indent="0" algn="ctr">
+              <a:lnSpc>
+                <a:spcPct val="100000"/>
+              </a:lnSpc>
+              <a:buNone/>
+              <a:defRPr sz="2400" b="0">
                 <a:solidFill>
-                  <a:schemeClr val="tx1">
-                    <a:lumMod val="50000"/>
-                  </a:schemeClr>
+                  <a:schemeClr val="tx1"/>
                 </a:solidFill>
               </a:defRPr>
             </a:lvl1pPr>
+            <a:lvl2pPr marL="457200" indent="0">
+              <a:buNone/>
+              <a:defRPr sz="2000" b="1"/>
+            </a:lvl2pPr>
+            <a:lvl3pPr marL="914400" indent="0">
+              <a:buNone/>
+              <a:defRPr sz="1800" b="1"/>
+            </a:lvl3pPr>
+            <a:lvl4pPr marL="1371600" indent="0">
+              <a:buNone/>
+              <a:defRPr sz="1600" b="1"/>
+            </a:lvl4pPr>
+            <a:lvl5pPr marL="1828800" indent="0">
+              <a:buNone/>
+              <a:defRPr sz="1600" b="1"/>
+            </a:lvl5pPr>
+            <a:lvl6pPr marL="2286000" indent="0">
+              <a:buNone/>
+              <a:defRPr sz="1600" b="1"/>
+            </a:lvl6pPr>
+            <a:lvl7pPr marL="2743200" indent="0">
+              <a:buNone/>
+              <a:defRPr sz="1600" b="1"/>
+            </a:lvl7pPr>
+            <a:lvl8pPr marL="3200400" indent="0">
+              <a:buNone/>
+              <a:defRPr sz="1600" b="1"/>
+            </a:lvl8pPr>
+            <a:lvl9pPr marL="3657600" indent="0">
+              <a:buNone/>
+              <a:defRPr sz="1600" b="1"/>
+            </a:lvl9pPr>
           </a:lstStyle>
           <a:p>
+            <a:pPr lvl="0"/>
+            <a:r>
+              <a:rPr lang="ru-RU" smtClean="0"/>
+              <a:t>Образец текста</a:t>
+            </a:r>
+          </a:p>
+        </p:txBody>
+      </p:sp>
+      <p:sp>
+        <p:nvSpPr>
+          <p:cNvPr id="12" name="Text Placeholder 3"/>
+          <p:cNvSpPr>
+            <a:spLocks noGrp="1"/>
+          </p:cNvSpPr>
+          <p:nvPr>
+            <p:ph type="body" sz="half" idx="17"/>
+          </p:nvPr>
+        </p:nvSpPr>
+        <p:spPr>
+          <a:xfrm>
+            <a:off x="7976346" y="2911624"/>
+            <a:ext cx="3291211" cy="2879576"/>
+          </a:xfrm>
+        </p:spPr>
+        <p:txBody>
+          <a:bodyPr anchor="t">
+            <a:normAutofit/>
+          </a:bodyPr>
+          <a:lstStyle>
+            <a:lvl1pPr marL="0" indent="0" algn="ctr">
+              <a:buNone/>
+              <a:defRPr sz="1400"/>
+            </a:lvl1pPr>
+            <a:lvl2pPr marL="457200" indent="0">
+              <a:buNone/>
+              <a:defRPr sz="1200"/>
+            </a:lvl2pPr>
+            <a:lvl3pPr marL="914400" indent="0">
+              <a:buNone/>
+              <a:defRPr sz="1000"/>
+            </a:lvl3pPr>
+            <a:lvl4pPr marL="1371600" indent="0">
+              <a:buNone/>
+              <a:defRPr sz="900"/>
+            </a:lvl4pPr>
+            <a:lvl5pPr marL="1828800" indent="0">
+              <a:buNone/>
+              <a:defRPr sz="900"/>
+            </a:lvl5pPr>
+            <a:lvl6pPr marL="2286000" indent="0">
+              <a:buNone/>
+              <a:defRPr sz="900"/>
+            </a:lvl6pPr>
+            <a:lvl7pPr marL="2743200" indent="0">
+              <a:buNone/>
+              <a:defRPr sz="900"/>
+            </a:lvl7pPr>
+            <a:lvl8pPr marL="3200400" indent="0">
+              <a:buNone/>
+              <a:defRPr sz="900"/>
+            </a:lvl8pPr>
+            <a:lvl9pPr marL="3657600" indent="0">
+              <a:buNone/>
+              <a:defRPr sz="900"/>
+            </a:lvl9pPr>
+          </a:lstStyle>
+          <a:p>
+            <a:pPr lvl="0"/>
+            <a:r>
+              <a:rPr lang="ru-RU" smtClean="0"/>
+              <a:t>Образец текста</a:t>
+            </a:r>
+          </a:p>
+        </p:txBody>
+      </p:sp>
+      <p:sp>
+        <p:nvSpPr>
+          <p:cNvPr id="3" name="Date Placeholder 2"/>
+          <p:cNvSpPr>
+            <a:spLocks noGrp="1"/>
+          </p:cNvSpPr>
+          <p:nvPr>
+            <p:ph type="dt" sz="half" idx="10"/>
+          </p:nvPr>
+        </p:nvSpPr>
+        <p:spPr/>
+        <p:txBody>
+          <a:bodyPr/>
+          <a:lstStyle/>
+          <a:p>
             <a:fld id="{A9D4B672-AFDF-4628-AE9E-448FA5A4BD57}" type="datetimeFigureOut">
               <a:rPr lang="ru-RU" smtClean="0"/>
-              <a:t>29.06.2021</a:t>
+              <a:t>02.07.2021</a:t>
             </a:fld>
             <a:endParaRPr lang="ru-RU"/>
           </a:p>
@@ -290,7 +1970,7 @@
       </p:sp>
       <p:sp>
         <p:nvSpPr>
-          <p:cNvPr id="5" name="Footer Placeholder 4"/>
+          <p:cNvPr id="4" name="Footer Placeholder 3"/>
           <p:cNvSpPr>
             <a:spLocks noGrp="1"/>
           </p:cNvSpPr>
@@ -301,17 +1981,7 @@
         <p:spPr/>
         <p:txBody>
           <a:bodyPr/>
-          <a:lstStyle>
-            <a:lvl1pPr>
-              <a:defRPr>
-                <a:solidFill>
-                  <a:schemeClr val="tx1">
-                    <a:lumMod val="65000"/>
-                  </a:schemeClr>
-                </a:solidFill>
-              </a:defRPr>
-            </a:lvl1pPr>
-          </a:lstStyle>
+          <a:lstStyle/>
           <a:p>
             <a:endParaRPr lang="ru-RU"/>
           </a:p>
@@ -319,7 +1989,7 @@
       </p:sp>
       <p:sp>
         <p:nvSpPr>
-          <p:cNvPr id="6" name="Slide Number Placeholder 5"/>
+          <p:cNvPr id="5" name="Slide Number Placeholder 4"/>
           <p:cNvSpPr>
             <a:spLocks noGrp="1"/>
           </p:cNvSpPr>
@@ -330,17 +2000,7 @@
         <p:spPr/>
         <p:txBody>
           <a:bodyPr/>
-          <a:lstStyle>
-            <a:lvl1pPr>
-              <a:defRPr>
-                <a:solidFill>
-                  <a:schemeClr val="tx1">
-                    <a:lumMod val="65000"/>
-                  </a:schemeClr>
-                </a:solidFill>
-              </a:defRPr>
-            </a:lvl1pPr>
-          </a:lstStyle>
+          <a:lstStyle/>
           <a:p>
             <a:fld id="{40E15F62-8BE5-467B-8076-C9D94E7510EE}" type="slidenum">
               <a:rPr lang="ru-RU" smtClean="0"/>
@@ -350,58 +2010,860 @@
           </a:p>
         </p:txBody>
       </p:sp>
-      <p:sp>
-        <p:nvSpPr>
-          <p:cNvPr id="7" name="Rectangle 6"/>
-          <p:cNvSpPr/>
-          <p:nvPr/>
-        </p:nvSpPr>
-        <p:spPr>
-          <a:xfrm>
-            <a:off x="0" y="0"/>
-            <a:ext cx="457200" cy="6858000"/>
-          </a:xfrm>
-          <a:prstGeom prst="rect">
-            <a:avLst/>
-          </a:prstGeom>
-          <a:solidFill>
-            <a:schemeClr val="accent1"/>
-          </a:solidFill>
-          <a:ln>
-            <a:noFill/>
-          </a:ln>
-        </p:spPr>
-        <p:style>
-          <a:lnRef idx="2">
-            <a:schemeClr val="accent1">
-              <a:shade val="50000"/>
-            </a:schemeClr>
-          </a:lnRef>
-          <a:fillRef idx="1">
-            <a:schemeClr val="accent1"/>
-          </a:fillRef>
-          <a:effectRef idx="0">
-            <a:schemeClr val="accent1"/>
-          </a:effectRef>
-          <a:fontRef idx="minor">
-            <a:schemeClr val="lt1"/>
-          </a:fontRef>
-        </p:style>
-      </p:sp>
     </p:spTree>
     <p:extLst>
       <p:ext uri="{BB962C8B-B14F-4D97-AF65-F5344CB8AC3E}">
-        <p14:creationId xmlns:p14="http://schemas.microsoft.com/office/powerpoint/2010/main" val="1311378423"/>
+        <p14:creationId xmlns:p14="http://schemas.microsoft.com/office/powerpoint/2010/main" val="2072943768"/>
       </p:ext>
     </p:extLst>
   </p:cSld>
   <p:clrMapOvr>
-    <a:overrideClrMapping bg1="dk1" tx1="lt1" bg2="dk2" tx2="lt2" accent1="accent1" accent2="accent2" accent3="accent3" accent4="accent4" accent5="accent5" accent6="accent6" hlink="hlink" folHlink="folHlink"/>
+    <a:masterClrMapping/>
   </p:clrMapOvr>
 </p:sldLayout>
 </file>
 
-<file path=ppt/slideLayouts/slideLayout10.xml><?xml version="1.0" encoding="utf-8"?>
+<file path=ppt/slideLayouts/slideLayout15.xml><?xml version="1.0" encoding="utf-8"?>
+<p:sldLayout xmlns:a="http://schemas.openxmlformats.org/drawingml/2006/main" xmlns:r="http://schemas.openxmlformats.org/officeDocument/2006/relationships" xmlns:p="http://schemas.openxmlformats.org/presentationml/2006/main" preserve="1">
+  <p:cSld name="Столбец с тремя рисунками">
+    <p:spTree>
+      <p:nvGrpSpPr>
+        <p:cNvPr id="1" name=""/>
+        <p:cNvGrpSpPr/>
+        <p:nvPr/>
+      </p:nvGrpSpPr>
+      <p:grpSpPr>
+        <a:xfrm>
+          <a:off x="0" y="0"/>
+          <a:ext cx="0" cy="0"/>
+          <a:chOff x="0" y="0"/>
+          <a:chExt cx="0" cy="0"/>
+        </a:xfrm>
+      </p:grpSpPr>
+      <p:sp>
+        <p:nvSpPr>
+          <p:cNvPr id="30" name="Title 1"/>
+          <p:cNvSpPr>
+            <a:spLocks noGrp="1"/>
+          </p:cNvSpPr>
+          <p:nvPr>
+            <p:ph type="title"/>
+          </p:nvPr>
+        </p:nvSpPr>
+        <p:spPr>
+          <a:xfrm>
+            <a:off x="913795" y="609600"/>
+            <a:ext cx="10353762" cy="1325563"/>
+          </a:xfrm>
+        </p:spPr>
+        <p:txBody>
+          <a:bodyPr/>
+          <a:lstStyle/>
+          <a:p>
+            <a:r>
+              <a:rPr lang="ru-RU" smtClean="0"/>
+              <a:t>Образец заголовка</a:t>
+            </a:r>
+            <a:endParaRPr lang="en-US" dirty="0"/>
+          </a:p>
+        </p:txBody>
+      </p:sp>
+      <p:sp>
+        <p:nvSpPr>
+          <p:cNvPr id="19" name="Text Placeholder 2"/>
+          <p:cNvSpPr>
+            <a:spLocks noGrp="1"/>
+          </p:cNvSpPr>
+          <p:nvPr>
+            <p:ph type="body" idx="1"/>
+          </p:nvPr>
+        </p:nvSpPr>
+        <p:spPr>
+          <a:xfrm>
+            <a:off x="913795" y="4195899"/>
+            <a:ext cx="3298955" cy="576262"/>
+          </a:xfrm>
+        </p:spPr>
+        <p:txBody>
+          <a:bodyPr anchor="b">
+            <a:noAutofit/>
+          </a:bodyPr>
+          <a:lstStyle>
+            <a:lvl1pPr marL="0" indent="0" algn="ctr">
+              <a:lnSpc>
+                <a:spcPct val="100000"/>
+              </a:lnSpc>
+              <a:buNone/>
+              <a:defRPr sz="2000" b="0">
+                <a:solidFill>
+                  <a:schemeClr val="tx1"/>
+                </a:solidFill>
+              </a:defRPr>
+            </a:lvl1pPr>
+            <a:lvl2pPr marL="457200" indent="0">
+              <a:buNone/>
+              <a:defRPr sz="2000" b="1"/>
+            </a:lvl2pPr>
+            <a:lvl3pPr marL="914400" indent="0">
+              <a:buNone/>
+              <a:defRPr sz="1800" b="1"/>
+            </a:lvl3pPr>
+            <a:lvl4pPr marL="1371600" indent="0">
+              <a:buNone/>
+              <a:defRPr sz="1600" b="1"/>
+            </a:lvl4pPr>
+            <a:lvl5pPr marL="1828800" indent="0">
+              <a:buNone/>
+              <a:defRPr sz="1600" b="1"/>
+            </a:lvl5pPr>
+            <a:lvl6pPr marL="2286000" indent="0">
+              <a:buNone/>
+              <a:defRPr sz="1600" b="1"/>
+            </a:lvl6pPr>
+            <a:lvl7pPr marL="2743200" indent="0">
+              <a:buNone/>
+              <a:defRPr sz="1600" b="1"/>
+            </a:lvl7pPr>
+            <a:lvl8pPr marL="3200400" indent="0">
+              <a:buNone/>
+              <a:defRPr sz="1600" b="1"/>
+            </a:lvl8pPr>
+            <a:lvl9pPr marL="3657600" indent="0">
+              <a:buNone/>
+              <a:defRPr sz="1600" b="1"/>
+            </a:lvl9pPr>
+          </a:lstStyle>
+          <a:p>
+            <a:pPr lvl="0"/>
+            <a:r>
+              <a:rPr lang="ru-RU" smtClean="0"/>
+              <a:t>Образец текста</a:t>
+            </a:r>
+          </a:p>
+        </p:txBody>
+      </p:sp>
+      <p:sp>
+        <p:nvSpPr>
+          <p:cNvPr id="20" name="Picture Placeholder 2"/>
+          <p:cNvSpPr>
+            <a:spLocks noGrp="1" noChangeAspect="1"/>
+          </p:cNvSpPr>
+          <p:nvPr>
+            <p:ph type="pic" idx="15"/>
+          </p:nvPr>
+        </p:nvSpPr>
+        <p:spPr>
+          <a:xfrm>
+            <a:off x="1092020" y="2298987"/>
+            <a:ext cx="2940050" cy="1524000"/>
+          </a:xfrm>
+          <a:prstGeom prst="roundRect">
+            <a:avLst>
+              <a:gd name="adj" fmla="val 0"/>
+            </a:avLst>
+          </a:prstGeom>
+          <a:noFill/>
+          <a:ln w="146050" cap="sq">
+            <a:solidFill>
+              <a:srgbClr val="FFFFFF"/>
+            </a:solidFill>
+            <a:miter lim="800000"/>
+          </a:ln>
+          <a:effectLst>
+            <a:outerShdw blurRad="55000" dist="18000" dir="5400000" algn="tl" rotWithShape="0">
+              <a:srgbClr val="000000">
+                <a:alpha val="40000"/>
+              </a:srgbClr>
+            </a:outerShdw>
+          </a:effectLst>
+          <a:scene3d>
+            <a:camera prst="orthographicFront"/>
+            <a:lightRig rig="twoPt" dir="t">
+              <a:rot lat="0" lon="0" rev="7200000"/>
+            </a:lightRig>
+          </a:scene3d>
+          <a:sp3d>
+            <a:bevelT w="25400" h="19050"/>
+            <a:contourClr>
+              <a:srgbClr val="FFFFFF"/>
+            </a:contourClr>
+          </a:sp3d>
+        </p:spPr>
+        <p:txBody>
+          <a:bodyPr anchor="t">
+            <a:normAutofit/>
+          </a:bodyPr>
+          <a:lstStyle>
+            <a:lvl1pPr marL="0" indent="0" algn="ctr">
+              <a:buNone/>
+              <a:defRPr sz="1600"/>
+            </a:lvl1pPr>
+            <a:lvl2pPr marL="457200" indent="0">
+              <a:buNone/>
+              <a:defRPr sz="1600"/>
+            </a:lvl2pPr>
+            <a:lvl3pPr marL="914400" indent="0">
+              <a:buNone/>
+              <a:defRPr sz="1600"/>
+            </a:lvl3pPr>
+            <a:lvl4pPr marL="1371600" indent="0">
+              <a:buNone/>
+              <a:defRPr sz="1600"/>
+            </a:lvl4pPr>
+            <a:lvl5pPr marL="1828800" indent="0">
+              <a:buNone/>
+              <a:defRPr sz="1600"/>
+            </a:lvl5pPr>
+            <a:lvl6pPr marL="2286000" indent="0">
+              <a:buNone/>
+              <a:defRPr sz="1600"/>
+            </a:lvl6pPr>
+            <a:lvl7pPr marL="2743200" indent="0">
+              <a:buNone/>
+              <a:defRPr sz="1600"/>
+            </a:lvl7pPr>
+            <a:lvl8pPr marL="3200400" indent="0">
+              <a:buNone/>
+              <a:defRPr sz="1600"/>
+            </a:lvl8pPr>
+            <a:lvl9pPr marL="3657600" indent="0">
+              <a:buNone/>
+              <a:defRPr sz="1600"/>
+            </a:lvl9pPr>
+          </a:lstStyle>
+          <a:p>
+            <a:r>
+              <a:rPr lang="ru-RU" smtClean="0"/>
+              <a:t>Вставка рисунка</a:t>
+            </a:r>
+            <a:endParaRPr lang="en-US" dirty="0"/>
+          </a:p>
+        </p:txBody>
+      </p:sp>
+      <p:sp>
+        <p:nvSpPr>
+          <p:cNvPr id="21" name="Text Placeholder 3"/>
+          <p:cNvSpPr>
+            <a:spLocks noGrp="1"/>
+          </p:cNvSpPr>
+          <p:nvPr>
+            <p:ph type="body" sz="half" idx="18"/>
+          </p:nvPr>
+        </p:nvSpPr>
+        <p:spPr>
+          <a:xfrm>
+            <a:off x="913795" y="4772161"/>
+            <a:ext cx="3298955" cy="1019038"/>
+          </a:xfrm>
+        </p:spPr>
+        <p:txBody>
+          <a:bodyPr anchor="t">
+            <a:normAutofit/>
+          </a:bodyPr>
+          <a:lstStyle>
+            <a:lvl1pPr marL="0" indent="0" algn="ctr">
+              <a:buNone/>
+              <a:defRPr sz="1400"/>
+            </a:lvl1pPr>
+            <a:lvl2pPr marL="457200" indent="0">
+              <a:buNone/>
+              <a:defRPr sz="1200"/>
+            </a:lvl2pPr>
+            <a:lvl3pPr marL="914400" indent="0">
+              <a:buNone/>
+              <a:defRPr sz="1000"/>
+            </a:lvl3pPr>
+            <a:lvl4pPr marL="1371600" indent="0">
+              <a:buNone/>
+              <a:defRPr sz="900"/>
+            </a:lvl4pPr>
+            <a:lvl5pPr marL="1828800" indent="0">
+              <a:buNone/>
+              <a:defRPr sz="900"/>
+            </a:lvl5pPr>
+            <a:lvl6pPr marL="2286000" indent="0">
+              <a:buNone/>
+              <a:defRPr sz="900"/>
+            </a:lvl6pPr>
+            <a:lvl7pPr marL="2743200" indent="0">
+              <a:buNone/>
+              <a:defRPr sz="900"/>
+            </a:lvl7pPr>
+            <a:lvl8pPr marL="3200400" indent="0">
+              <a:buNone/>
+              <a:defRPr sz="900"/>
+            </a:lvl8pPr>
+            <a:lvl9pPr marL="3657600" indent="0">
+              <a:buNone/>
+              <a:defRPr sz="900"/>
+            </a:lvl9pPr>
+          </a:lstStyle>
+          <a:p>
+            <a:pPr lvl="0"/>
+            <a:r>
+              <a:rPr lang="ru-RU" smtClean="0"/>
+              <a:t>Образец текста</a:t>
+            </a:r>
+          </a:p>
+        </p:txBody>
+      </p:sp>
+      <p:sp>
+        <p:nvSpPr>
+          <p:cNvPr id="22" name="Text Placeholder 4"/>
+          <p:cNvSpPr>
+            <a:spLocks noGrp="1"/>
+          </p:cNvSpPr>
+          <p:nvPr>
+            <p:ph type="body" sz="quarter" idx="3"/>
+          </p:nvPr>
+        </p:nvSpPr>
+        <p:spPr>
+          <a:xfrm>
+            <a:off x="4442701" y="4195899"/>
+            <a:ext cx="3298983" cy="576262"/>
+          </a:xfrm>
+        </p:spPr>
+        <p:txBody>
+          <a:bodyPr anchor="b">
+            <a:noAutofit/>
+          </a:bodyPr>
+          <a:lstStyle>
+            <a:lvl1pPr marL="0" indent="0" algn="ctr">
+              <a:lnSpc>
+                <a:spcPct val="100000"/>
+              </a:lnSpc>
+              <a:buNone/>
+              <a:defRPr sz="2000" b="0">
+                <a:solidFill>
+                  <a:schemeClr val="tx1"/>
+                </a:solidFill>
+              </a:defRPr>
+            </a:lvl1pPr>
+            <a:lvl2pPr marL="457200" indent="0">
+              <a:buNone/>
+              <a:defRPr sz="2000" b="1"/>
+            </a:lvl2pPr>
+            <a:lvl3pPr marL="914400" indent="0">
+              <a:buNone/>
+              <a:defRPr sz="1800" b="1"/>
+            </a:lvl3pPr>
+            <a:lvl4pPr marL="1371600" indent="0">
+              <a:buNone/>
+              <a:defRPr sz="1600" b="1"/>
+            </a:lvl4pPr>
+            <a:lvl5pPr marL="1828800" indent="0">
+              <a:buNone/>
+              <a:defRPr sz="1600" b="1"/>
+            </a:lvl5pPr>
+            <a:lvl6pPr marL="2286000" indent="0">
+              <a:buNone/>
+              <a:defRPr sz="1600" b="1"/>
+            </a:lvl6pPr>
+            <a:lvl7pPr marL="2743200" indent="0">
+              <a:buNone/>
+              <a:defRPr sz="1600" b="1"/>
+            </a:lvl7pPr>
+            <a:lvl8pPr marL="3200400" indent="0">
+              <a:buNone/>
+              <a:defRPr sz="1600" b="1"/>
+            </a:lvl8pPr>
+            <a:lvl9pPr marL="3657600" indent="0">
+              <a:buNone/>
+              <a:defRPr sz="1600" b="1"/>
+            </a:lvl9pPr>
+          </a:lstStyle>
+          <a:p>
+            <a:pPr lvl="0"/>
+            <a:r>
+              <a:rPr lang="ru-RU" smtClean="0"/>
+              <a:t>Образец текста</a:t>
+            </a:r>
+          </a:p>
+        </p:txBody>
+      </p:sp>
+      <p:sp>
+        <p:nvSpPr>
+          <p:cNvPr id="23" name="Picture Placeholder 2"/>
+          <p:cNvSpPr>
+            <a:spLocks noGrp="1" noChangeAspect="1"/>
+          </p:cNvSpPr>
+          <p:nvPr>
+            <p:ph type="pic" idx="21"/>
+          </p:nvPr>
+        </p:nvSpPr>
+        <p:spPr>
+          <a:xfrm>
+            <a:off x="4568996" y="2298987"/>
+            <a:ext cx="2930525" cy="1524000"/>
+          </a:xfrm>
+          <a:prstGeom prst="roundRect">
+            <a:avLst>
+              <a:gd name="adj" fmla="val 0"/>
+            </a:avLst>
+          </a:prstGeom>
+          <a:noFill/>
+          <a:ln w="146050" cap="sq">
+            <a:solidFill>
+              <a:srgbClr val="FFFFFF"/>
+            </a:solidFill>
+            <a:miter lim="800000"/>
+          </a:ln>
+          <a:effectLst>
+            <a:outerShdw blurRad="55000" dist="18000" dir="5400000" algn="tl" rotWithShape="0">
+              <a:srgbClr val="000000">
+                <a:alpha val="40000"/>
+              </a:srgbClr>
+            </a:outerShdw>
+          </a:effectLst>
+          <a:scene3d>
+            <a:camera prst="orthographicFront"/>
+            <a:lightRig rig="twoPt" dir="t">
+              <a:rot lat="0" lon="0" rev="7200000"/>
+            </a:lightRig>
+          </a:scene3d>
+          <a:sp3d>
+            <a:bevelT w="25400" h="19050"/>
+            <a:contourClr>
+              <a:srgbClr val="FFFFFF"/>
+            </a:contourClr>
+          </a:sp3d>
+        </p:spPr>
+        <p:txBody>
+          <a:bodyPr anchor="t">
+            <a:normAutofit/>
+          </a:bodyPr>
+          <a:lstStyle>
+            <a:lvl1pPr marL="0" indent="0" algn="ctr">
+              <a:buNone/>
+              <a:defRPr sz="1600"/>
+            </a:lvl1pPr>
+            <a:lvl2pPr marL="457200" indent="0">
+              <a:buNone/>
+              <a:defRPr sz="1600"/>
+            </a:lvl2pPr>
+            <a:lvl3pPr marL="914400" indent="0">
+              <a:buNone/>
+              <a:defRPr sz="1600"/>
+            </a:lvl3pPr>
+            <a:lvl4pPr marL="1371600" indent="0">
+              <a:buNone/>
+              <a:defRPr sz="1600"/>
+            </a:lvl4pPr>
+            <a:lvl5pPr marL="1828800" indent="0">
+              <a:buNone/>
+              <a:defRPr sz="1600"/>
+            </a:lvl5pPr>
+            <a:lvl6pPr marL="2286000" indent="0">
+              <a:buNone/>
+              <a:defRPr sz="1600"/>
+            </a:lvl6pPr>
+            <a:lvl7pPr marL="2743200" indent="0">
+              <a:buNone/>
+              <a:defRPr sz="1600"/>
+            </a:lvl7pPr>
+            <a:lvl8pPr marL="3200400" indent="0">
+              <a:buNone/>
+              <a:defRPr sz="1600"/>
+            </a:lvl8pPr>
+            <a:lvl9pPr marL="3657600" indent="0">
+              <a:buNone/>
+              <a:defRPr sz="1600"/>
+            </a:lvl9pPr>
+          </a:lstStyle>
+          <a:p>
+            <a:r>
+              <a:rPr lang="ru-RU" smtClean="0"/>
+              <a:t>Вставка рисунка</a:t>
+            </a:r>
+            <a:endParaRPr lang="en-US" dirty="0"/>
+          </a:p>
+        </p:txBody>
+      </p:sp>
+      <p:sp>
+        <p:nvSpPr>
+          <p:cNvPr id="24" name="Text Placeholder 3"/>
+          <p:cNvSpPr>
+            <a:spLocks noGrp="1"/>
+          </p:cNvSpPr>
+          <p:nvPr>
+            <p:ph type="body" sz="half" idx="19"/>
+          </p:nvPr>
+        </p:nvSpPr>
+        <p:spPr>
+          <a:xfrm>
+            <a:off x="4441348" y="4772160"/>
+            <a:ext cx="3300336" cy="1019038"/>
+          </a:xfrm>
+        </p:spPr>
+        <p:txBody>
+          <a:bodyPr anchor="t">
+            <a:normAutofit/>
+          </a:bodyPr>
+          <a:lstStyle>
+            <a:lvl1pPr marL="0" indent="0" algn="ctr">
+              <a:buNone/>
+              <a:defRPr sz="1400"/>
+            </a:lvl1pPr>
+            <a:lvl2pPr marL="457200" indent="0">
+              <a:buNone/>
+              <a:defRPr sz="1200"/>
+            </a:lvl2pPr>
+            <a:lvl3pPr marL="914400" indent="0">
+              <a:buNone/>
+              <a:defRPr sz="1000"/>
+            </a:lvl3pPr>
+            <a:lvl4pPr marL="1371600" indent="0">
+              <a:buNone/>
+              <a:defRPr sz="900"/>
+            </a:lvl4pPr>
+            <a:lvl5pPr marL="1828800" indent="0">
+              <a:buNone/>
+              <a:defRPr sz="900"/>
+            </a:lvl5pPr>
+            <a:lvl6pPr marL="2286000" indent="0">
+              <a:buNone/>
+              <a:defRPr sz="900"/>
+            </a:lvl6pPr>
+            <a:lvl7pPr marL="2743200" indent="0">
+              <a:buNone/>
+              <a:defRPr sz="900"/>
+            </a:lvl7pPr>
+            <a:lvl8pPr marL="3200400" indent="0">
+              <a:buNone/>
+              <a:defRPr sz="900"/>
+            </a:lvl8pPr>
+            <a:lvl9pPr marL="3657600" indent="0">
+              <a:buNone/>
+              <a:defRPr sz="900"/>
+            </a:lvl9pPr>
+          </a:lstStyle>
+          <a:p>
+            <a:pPr lvl="0"/>
+            <a:r>
+              <a:rPr lang="ru-RU" smtClean="0"/>
+              <a:t>Образец текста</a:t>
+            </a:r>
+          </a:p>
+        </p:txBody>
+      </p:sp>
+      <p:sp>
+        <p:nvSpPr>
+          <p:cNvPr id="25" name="Text Placeholder 4"/>
+          <p:cNvSpPr>
+            <a:spLocks noGrp="1"/>
+          </p:cNvSpPr>
+          <p:nvPr>
+            <p:ph type="body" sz="quarter" idx="13"/>
+          </p:nvPr>
+        </p:nvSpPr>
+        <p:spPr>
+          <a:xfrm>
+            <a:off x="7973423" y="4195899"/>
+            <a:ext cx="3289900" cy="576262"/>
+          </a:xfrm>
+        </p:spPr>
+        <p:txBody>
+          <a:bodyPr anchor="b">
+            <a:noAutofit/>
+          </a:bodyPr>
+          <a:lstStyle>
+            <a:lvl1pPr marL="0" indent="0" algn="ctr">
+              <a:lnSpc>
+                <a:spcPct val="100000"/>
+              </a:lnSpc>
+              <a:buNone/>
+              <a:defRPr sz="2000" b="0">
+                <a:solidFill>
+                  <a:schemeClr val="tx1"/>
+                </a:solidFill>
+              </a:defRPr>
+            </a:lvl1pPr>
+            <a:lvl2pPr marL="457200" indent="0">
+              <a:buNone/>
+              <a:defRPr sz="2000" b="1"/>
+            </a:lvl2pPr>
+            <a:lvl3pPr marL="914400" indent="0">
+              <a:buNone/>
+              <a:defRPr sz="1800" b="1"/>
+            </a:lvl3pPr>
+            <a:lvl4pPr marL="1371600" indent="0">
+              <a:buNone/>
+              <a:defRPr sz="1600" b="1"/>
+            </a:lvl4pPr>
+            <a:lvl5pPr marL="1828800" indent="0">
+              <a:buNone/>
+              <a:defRPr sz="1600" b="1"/>
+            </a:lvl5pPr>
+            <a:lvl6pPr marL="2286000" indent="0">
+              <a:buNone/>
+              <a:defRPr sz="1600" b="1"/>
+            </a:lvl6pPr>
+            <a:lvl7pPr marL="2743200" indent="0">
+              <a:buNone/>
+              <a:defRPr sz="1600" b="1"/>
+            </a:lvl7pPr>
+            <a:lvl8pPr marL="3200400" indent="0">
+              <a:buNone/>
+              <a:defRPr sz="1600" b="1"/>
+            </a:lvl8pPr>
+            <a:lvl9pPr marL="3657600" indent="0">
+              <a:buNone/>
+              <a:defRPr sz="1600" b="1"/>
+            </a:lvl9pPr>
+          </a:lstStyle>
+          <a:p>
+            <a:pPr lvl="0"/>
+            <a:r>
+              <a:rPr lang="ru-RU" smtClean="0"/>
+              <a:t>Образец текста</a:t>
+            </a:r>
+          </a:p>
+        </p:txBody>
+      </p:sp>
+      <p:sp>
+        <p:nvSpPr>
+          <p:cNvPr id="26" name="Picture Placeholder 2"/>
+          <p:cNvSpPr>
+            <a:spLocks noGrp="1" noChangeAspect="1"/>
+          </p:cNvSpPr>
+          <p:nvPr>
+            <p:ph type="pic" idx="22"/>
+          </p:nvPr>
+        </p:nvSpPr>
+        <p:spPr>
+          <a:xfrm>
+            <a:off x="8152803" y="2298987"/>
+            <a:ext cx="2932113" cy="1524000"/>
+          </a:xfrm>
+          <a:prstGeom prst="roundRect">
+            <a:avLst>
+              <a:gd name="adj" fmla="val 0"/>
+            </a:avLst>
+          </a:prstGeom>
+          <a:noFill/>
+          <a:ln w="146050" cap="sq">
+            <a:solidFill>
+              <a:srgbClr val="FFFFFF"/>
+            </a:solidFill>
+            <a:miter lim="800000"/>
+          </a:ln>
+          <a:effectLst>
+            <a:outerShdw blurRad="55000" dist="18000" dir="5400000" algn="tl" rotWithShape="0">
+              <a:srgbClr val="000000">
+                <a:alpha val="40000"/>
+              </a:srgbClr>
+            </a:outerShdw>
+          </a:effectLst>
+          <a:scene3d>
+            <a:camera prst="orthographicFront"/>
+            <a:lightRig rig="twoPt" dir="t">
+              <a:rot lat="0" lon="0" rev="7200000"/>
+            </a:lightRig>
+          </a:scene3d>
+          <a:sp3d>
+            <a:bevelT w="25400" h="19050"/>
+            <a:contourClr>
+              <a:srgbClr val="FFFFFF"/>
+            </a:contourClr>
+          </a:sp3d>
+        </p:spPr>
+        <p:txBody>
+          <a:bodyPr anchor="t">
+            <a:normAutofit/>
+          </a:bodyPr>
+          <a:lstStyle>
+            <a:lvl1pPr marL="0" indent="0" algn="ctr">
+              <a:buNone/>
+              <a:defRPr sz="1600"/>
+            </a:lvl1pPr>
+            <a:lvl2pPr marL="457200" indent="0">
+              <a:buNone/>
+              <a:defRPr sz="1600"/>
+            </a:lvl2pPr>
+            <a:lvl3pPr marL="914400" indent="0">
+              <a:buNone/>
+              <a:defRPr sz="1600"/>
+            </a:lvl3pPr>
+            <a:lvl4pPr marL="1371600" indent="0">
+              <a:buNone/>
+              <a:defRPr sz="1600"/>
+            </a:lvl4pPr>
+            <a:lvl5pPr marL="1828800" indent="0">
+              <a:buNone/>
+              <a:defRPr sz="1600"/>
+            </a:lvl5pPr>
+            <a:lvl6pPr marL="2286000" indent="0">
+              <a:buNone/>
+              <a:defRPr sz="1600"/>
+            </a:lvl6pPr>
+            <a:lvl7pPr marL="2743200" indent="0">
+              <a:buNone/>
+              <a:defRPr sz="1600"/>
+            </a:lvl7pPr>
+            <a:lvl8pPr marL="3200400" indent="0">
+              <a:buNone/>
+              <a:defRPr sz="1600"/>
+            </a:lvl8pPr>
+            <a:lvl9pPr marL="3657600" indent="0">
+              <a:buNone/>
+              <a:defRPr sz="1600"/>
+            </a:lvl9pPr>
+          </a:lstStyle>
+          <a:p>
+            <a:r>
+              <a:rPr lang="ru-RU" smtClean="0"/>
+              <a:t>Вставка рисунка</a:t>
+            </a:r>
+            <a:endParaRPr lang="en-US" dirty="0"/>
+          </a:p>
+        </p:txBody>
+      </p:sp>
+      <p:sp>
+        <p:nvSpPr>
+          <p:cNvPr id="27" name="Text Placeholder 3"/>
+          <p:cNvSpPr>
+            <a:spLocks noGrp="1"/>
+          </p:cNvSpPr>
+          <p:nvPr>
+            <p:ph type="body" sz="half" idx="20"/>
+          </p:nvPr>
+        </p:nvSpPr>
+        <p:spPr>
+          <a:xfrm>
+            <a:off x="7973298" y="4772161"/>
+            <a:ext cx="3294258" cy="1019037"/>
+          </a:xfrm>
+        </p:spPr>
+        <p:txBody>
+          <a:bodyPr anchor="t">
+            <a:normAutofit/>
+          </a:bodyPr>
+          <a:lstStyle>
+            <a:lvl1pPr marL="0" indent="0" algn="ctr">
+              <a:buNone/>
+              <a:defRPr sz="1400"/>
+            </a:lvl1pPr>
+            <a:lvl2pPr marL="457200" indent="0">
+              <a:buNone/>
+              <a:defRPr sz="1200"/>
+            </a:lvl2pPr>
+            <a:lvl3pPr marL="914400" indent="0">
+              <a:buNone/>
+              <a:defRPr sz="1000"/>
+            </a:lvl3pPr>
+            <a:lvl4pPr marL="1371600" indent="0">
+              <a:buNone/>
+              <a:defRPr sz="900"/>
+            </a:lvl4pPr>
+            <a:lvl5pPr marL="1828800" indent="0">
+              <a:buNone/>
+              <a:defRPr sz="900"/>
+            </a:lvl5pPr>
+            <a:lvl6pPr marL="2286000" indent="0">
+              <a:buNone/>
+              <a:defRPr sz="900"/>
+            </a:lvl6pPr>
+            <a:lvl7pPr marL="2743200" indent="0">
+              <a:buNone/>
+              <a:defRPr sz="900"/>
+            </a:lvl7pPr>
+            <a:lvl8pPr marL="3200400" indent="0">
+              <a:buNone/>
+              <a:defRPr sz="900"/>
+            </a:lvl8pPr>
+            <a:lvl9pPr marL="3657600" indent="0">
+              <a:buNone/>
+              <a:defRPr sz="900"/>
+            </a:lvl9pPr>
+          </a:lstStyle>
+          <a:p>
+            <a:pPr lvl="0"/>
+            <a:r>
+              <a:rPr lang="ru-RU" smtClean="0"/>
+              <a:t>Образец текста</a:t>
+            </a:r>
+          </a:p>
+        </p:txBody>
+      </p:sp>
+      <p:sp>
+        <p:nvSpPr>
+          <p:cNvPr id="3" name="Date Placeholder 2"/>
+          <p:cNvSpPr>
+            <a:spLocks noGrp="1"/>
+          </p:cNvSpPr>
+          <p:nvPr>
+            <p:ph type="dt" sz="half" idx="10"/>
+          </p:nvPr>
+        </p:nvSpPr>
+        <p:spPr/>
+        <p:txBody>
+          <a:bodyPr/>
+          <a:lstStyle/>
+          <a:p>
+            <a:fld id="{A9D4B672-AFDF-4628-AE9E-448FA5A4BD57}" type="datetimeFigureOut">
+              <a:rPr lang="ru-RU" smtClean="0"/>
+              <a:t>02.07.2021</a:t>
+            </a:fld>
+            <a:endParaRPr lang="ru-RU"/>
+          </a:p>
+        </p:txBody>
+      </p:sp>
+      <p:sp>
+        <p:nvSpPr>
+          <p:cNvPr id="4" name="Footer Placeholder 3"/>
+          <p:cNvSpPr>
+            <a:spLocks noGrp="1"/>
+          </p:cNvSpPr>
+          <p:nvPr>
+            <p:ph type="ftr" sz="quarter" idx="11"/>
+          </p:nvPr>
+        </p:nvSpPr>
+        <p:spPr/>
+        <p:txBody>
+          <a:bodyPr/>
+          <a:lstStyle/>
+          <a:p>
+            <a:endParaRPr lang="ru-RU"/>
+          </a:p>
+        </p:txBody>
+      </p:sp>
+      <p:sp>
+        <p:nvSpPr>
+          <p:cNvPr id="5" name="Slide Number Placeholder 4"/>
+          <p:cNvSpPr>
+            <a:spLocks noGrp="1"/>
+          </p:cNvSpPr>
+          <p:nvPr>
+            <p:ph type="sldNum" sz="quarter" idx="12"/>
+          </p:nvPr>
+        </p:nvSpPr>
+        <p:spPr/>
+        <p:txBody>
+          <a:bodyPr/>
+          <a:lstStyle/>
+          <a:p>
+            <a:fld id="{40E15F62-8BE5-467B-8076-C9D94E7510EE}" type="slidenum">
+              <a:rPr lang="ru-RU" smtClean="0"/>
+              <a:t>‹#›</a:t>
+            </a:fld>
+            <a:endParaRPr lang="ru-RU"/>
+          </a:p>
+        </p:txBody>
+      </p:sp>
+    </p:spTree>
+    <p:extLst>
+      <p:ext uri="{BB962C8B-B14F-4D97-AF65-F5344CB8AC3E}">
+        <p14:creationId xmlns:p14="http://schemas.microsoft.com/office/powerpoint/2010/main" val="3357572993"/>
+      </p:ext>
+    </p:extLst>
+  </p:cSld>
+  <p:clrMapOvr>
+    <a:masterClrMapping/>
+  </p:clrMapOvr>
+</p:sldLayout>
+</file>
+
+<file path=ppt/slideLayouts/slideLayout16.xml><?xml version="1.0" encoding="utf-8"?>
 <p:sldLayout xmlns:a="http://schemas.openxmlformats.org/drawingml/2006/main" xmlns:r="http://schemas.openxmlformats.org/officeDocument/2006/relationships" xmlns:p="http://schemas.openxmlformats.org/presentationml/2006/main" type="vertTx" preserve="1">
   <p:cSld name="Заголовок и вертикальный текст">
     <p:spTree>
@@ -510,7 +2972,7 @@
           <a:p>
             <a:fld id="{A9D4B672-AFDF-4628-AE9E-448FA5A4BD57}" type="datetimeFigureOut">
               <a:rPr lang="ru-RU" smtClean="0"/>
-              <a:t>29.06.2021</a:t>
+              <a:t>02.07.2021</a:t>
             </a:fld>
             <a:endParaRPr lang="ru-RU"/>
           </a:p>
@@ -561,7 +3023,7 @@
     </p:spTree>
     <p:extLst>
       <p:ext uri="{BB962C8B-B14F-4D97-AF65-F5344CB8AC3E}">
-        <p14:creationId xmlns:p14="http://schemas.microsoft.com/office/powerpoint/2010/main" val="1770170401"/>
+        <p14:creationId xmlns:p14="http://schemas.microsoft.com/office/powerpoint/2010/main" val="2818002024"/>
       </p:ext>
     </p:extLst>
   </p:cSld>
@@ -571,7 +3033,7 @@
 </p:sldLayout>
 </file>
 
-<file path=ppt/slideLayouts/slideLayout11.xml><?xml version="1.0" encoding="utf-8"?>
+<file path=ppt/slideLayouts/slideLayout17.xml><?xml version="1.0" encoding="utf-8"?>
 <p:sldLayout xmlns:a="http://schemas.openxmlformats.org/drawingml/2006/main" xmlns:r="http://schemas.openxmlformats.org/officeDocument/2006/relationships" xmlns:p="http://schemas.openxmlformats.org/presentationml/2006/main" type="vertTitleAndTx" preserve="1">
   <p:cSld name="Вертикальный заголовок и текст">
     <p:spTree>
@@ -600,13 +3062,17 @@
         </p:nvSpPr>
         <p:spPr>
           <a:xfrm>
-            <a:off x="8648700" y="381000"/>
-            <a:ext cx="2476500" cy="5897562"/>
+            <a:off x="8724900" y="609599"/>
+            <a:ext cx="2542657" cy="5181601"/>
           </a:xfrm>
         </p:spPr>
         <p:txBody>
           <a:bodyPr vert="eaVert"/>
-          <a:lstStyle/>
+          <a:lstStyle>
+            <a:lvl1pPr algn="l">
+              <a:defRPr/>
+            </a:lvl1pPr>
+          </a:lstStyle>
           <a:p>
             <a:r>
               <a:rPr lang="ru-RU" smtClean="0"/>
@@ -628,8 +3094,8 @@
         </p:nvSpPr>
         <p:spPr>
           <a:xfrm>
-            <a:off x="762000" y="381000"/>
-            <a:ext cx="7734300" cy="5897562"/>
+            <a:off x="913794" y="609599"/>
+            <a:ext cx="7658705" cy="5181601"/>
           </a:xfrm>
         </p:spPr>
         <p:txBody>
@@ -690,7 +3156,7 @@
           <a:p>
             <a:fld id="{A9D4B672-AFDF-4628-AE9E-448FA5A4BD57}" type="datetimeFigureOut">
               <a:rPr lang="ru-RU" smtClean="0"/>
-              <a:t>29.06.2021</a:t>
+              <a:t>02.07.2021</a:t>
             </a:fld>
             <a:endParaRPr lang="ru-RU"/>
           </a:p>
@@ -741,7 +3207,7 @@
     </p:spTree>
     <p:extLst>
       <p:ext uri="{BB962C8B-B14F-4D97-AF65-F5344CB8AC3E}">
-        <p14:creationId xmlns:p14="http://schemas.microsoft.com/office/powerpoint/2010/main" val="527812811"/>
+        <p14:creationId xmlns:p14="http://schemas.microsoft.com/office/powerpoint/2010/main" val="1571939520"/>
       </p:ext>
     </p:extLst>
   </p:cSld>
@@ -860,7 +3326,7 @@
           <a:p>
             <a:fld id="{A9D4B672-AFDF-4628-AE9E-448FA5A4BD57}" type="datetimeFigureOut">
               <a:rPr lang="ru-RU" smtClean="0"/>
-              <a:t>29.06.2021</a:t>
+              <a:t>02.07.2021</a:t>
             </a:fld>
             <a:endParaRPr lang="ru-RU"/>
           </a:p>
@@ -911,7 +3377,7 @@
     </p:spTree>
     <p:extLst>
       <p:ext uri="{BB962C8B-B14F-4D97-AF65-F5344CB8AC3E}">
-        <p14:creationId xmlns:p14="http://schemas.microsoft.com/office/powerpoint/2010/main" val="605163167"/>
+        <p14:creationId xmlns:p14="http://schemas.microsoft.com/office/powerpoint/2010/main" val="1625546"/>
       </p:ext>
     </p:extLst>
   </p:cSld>
@@ -950,8 +3416,8 @@
         </p:nvSpPr>
         <p:spPr>
           <a:xfrm>
-            <a:off x="1261872" y="758952"/>
-            <a:ext cx="9418320" cy="4041648"/>
+            <a:off x="1229244" y="657226"/>
+            <a:ext cx="9733512" cy="2852737"/>
           </a:xfrm>
         </p:spPr>
         <p:txBody>
@@ -960,10 +3426,7 @@
           </a:bodyPr>
           <a:lstStyle>
             <a:lvl1pPr>
-              <a:lnSpc>
-                <a:spcPct val="85000"/>
-              </a:lnSpc>
-              <a:defRPr sz="7200" b="0"/>
+              <a:defRPr sz="3400"/>
             </a:lvl1pPr>
           </a:lstStyle>
           <a:p>
@@ -987,29 +3450,26 @@
         </p:nvSpPr>
         <p:spPr>
           <a:xfrm>
-            <a:off x="1261872" y="4800600"/>
-            <a:ext cx="9418320" cy="1691640"/>
+            <a:off x="1229244" y="3602038"/>
+            <a:ext cx="9733512" cy="1500187"/>
           </a:xfrm>
         </p:spPr>
         <p:txBody>
-          <a:bodyPr anchor="t">
-            <a:normAutofit/>
-          </a:bodyPr>
+          <a:bodyPr/>
           <a:lstStyle>
-            <a:lvl1pPr marL="0" indent="0">
-              <a:buNone/>
-              <a:defRPr sz="2200">
+            <a:lvl1pPr marL="0" indent="0" algn="ctr">
+              <a:buNone/>
+              <a:defRPr sz="2400">
                 <a:solidFill>
                   <a:schemeClr val="tx1">
-                    <a:lumMod val="65000"/>
-                    <a:lumOff val="35000"/>
+                    <a:tint val="75000"/>
                   </a:schemeClr>
                 </a:solidFill>
               </a:defRPr>
             </a:lvl1pPr>
             <a:lvl2pPr marL="457200" indent="0">
               <a:buNone/>
-              <a:defRPr sz="1800">
+              <a:defRPr sz="2000">
                 <a:solidFill>
                   <a:schemeClr val="tx1">
                     <a:tint val="75000"/>
@@ -1019,7 +3479,7 @@
             </a:lvl2pPr>
             <a:lvl3pPr marL="914400" indent="0">
               <a:buNone/>
-              <a:defRPr sz="1600">
+              <a:defRPr sz="1800">
                 <a:solidFill>
                   <a:schemeClr val="tx1">
                     <a:tint val="75000"/>
@@ -1029,7 +3489,7 @@
             </a:lvl3pPr>
             <a:lvl4pPr marL="1371600" indent="0">
               <a:buNone/>
-              <a:defRPr sz="1400">
+              <a:defRPr sz="1600">
                 <a:solidFill>
                   <a:schemeClr val="tx1">
                     <a:tint val="75000"/>
@@ -1039,7 +3499,7 @@
             </a:lvl4pPr>
             <a:lvl5pPr marL="1828800" indent="0">
               <a:buNone/>
-              <a:defRPr sz="1400">
+              <a:defRPr sz="1600">
                 <a:solidFill>
                   <a:schemeClr val="tx1">
                     <a:tint val="75000"/>
@@ -1049,7 +3509,7 @@
             </a:lvl5pPr>
             <a:lvl6pPr marL="2286000" indent="0">
               <a:buNone/>
-              <a:defRPr sz="1400">
+              <a:defRPr sz="1600">
                 <a:solidFill>
                   <a:schemeClr val="tx1">
                     <a:tint val="75000"/>
@@ -1059,7 +3519,7 @@
             </a:lvl6pPr>
             <a:lvl7pPr marL="2743200" indent="0">
               <a:buNone/>
-              <a:defRPr sz="1400">
+              <a:defRPr sz="1600">
                 <a:solidFill>
                   <a:schemeClr val="tx1">
                     <a:tint val="75000"/>
@@ -1069,7 +3529,7 @@
             </a:lvl7pPr>
             <a:lvl8pPr marL="3200400" indent="0">
               <a:buNone/>
-              <a:defRPr sz="1400">
+              <a:defRPr sz="1600">
                 <a:solidFill>
                   <a:schemeClr val="tx1">
                     <a:tint val="75000"/>
@@ -1079,7 +3539,7 @@
             </a:lvl8pPr>
             <a:lvl9pPr marL="3657600" indent="0">
               <a:buNone/>
-              <a:defRPr sz="1400">
+              <a:defRPr sz="1600">
                 <a:solidFill>
                   <a:schemeClr val="tx1">
                     <a:tint val="75000"/>
@@ -1114,7 +3574,7 @@
           <a:p>
             <a:fld id="{A9D4B672-AFDF-4628-AE9E-448FA5A4BD57}" type="datetimeFigureOut">
               <a:rPr lang="ru-RU" smtClean="0"/>
-              <a:t>29.06.2021</a:t>
+              <a:t>02.07.2021</a:t>
             </a:fld>
             <a:endParaRPr lang="ru-RU"/>
           </a:p>
@@ -1162,48 +3622,10 @@
           </a:p>
         </p:txBody>
       </p:sp>
-      <p:sp>
-        <p:nvSpPr>
-          <p:cNvPr id="7" name="Rectangle 6"/>
-          <p:cNvSpPr/>
-          <p:nvPr/>
-        </p:nvSpPr>
-        <p:spPr>
-          <a:xfrm>
-            <a:off x="0" y="0"/>
-            <a:ext cx="457200" cy="6858000"/>
-          </a:xfrm>
-          <a:prstGeom prst="rect">
-            <a:avLst/>
-          </a:prstGeom>
-          <a:solidFill>
-            <a:schemeClr val="accent1"/>
-          </a:solidFill>
-          <a:ln>
-            <a:noFill/>
-          </a:ln>
-        </p:spPr>
-        <p:style>
-          <a:lnRef idx="2">
-            <a:schemeClr val="accent1">
-              <a:shade val="50000"/>
-            </a:schemeClr>
-          </a:lnRef>
-          <a:fillRef idx="1">
-            <a:schemeClr val="accent1"/>
-          </a:fillRef>
-          <a:effectRef idx="0">
-            <a:schemeClr val="accent1"/>
-          </a:effectRef>
-          <a:fontRef idx="minor">
-            <a:schemeClr val="lt1"/>
-          </a:fontRef>
-        </p:style>
-      </p:sp>
     </p:spTree>
     <p:extLst>
       <p:ext uri="{BB962C8B-B14F-4D97-AF65-F5344CB8AC3E}">
-        <p14:creationId xmlns:p14="http://schemas.microsoft.com/office/powerpoint/2010/main" val="2634670934"/>
+        <p14:creationId xmlns:p14="http://schemas.microsoft.com/office/powerpoint/2010/main" val="1523320796"/>
       </p:ext>
     </p:extLst>
   </p:cSld>
@@ -1240,99 +3662,19 @@
             <p:ph type="title"/>
           </p:nvPr>
         </p:nvSpPr>
-        <p:spPr/>
-        <p:txBody>
-          <a:bodyPr/>
-          <a:lstStyle/>
-          <a:p>
-            <a:r>
-              <a:rPr lang="ru-RU" smtClean="0"/>
-              <a:t>Образец заголовка</a:t>
-            </a:r>
-            <a:endParaRPr lang="en-US" dirty="0"/>
-          </a:p>
-        </p:txBody>
-      </p:sp>
-      <p:sp>
-        <p:nvSpPr>
-          <p:cNvPr id="3" name="Content Placeholder 2"/>
-          <p:cNvSpPr>
-            <a:spLocks noGrp="1"/>
-          </p:cNvSpPr>
-          <p:nvPr>
-            <p:ph sz="half" idx="1"/>
-          </p:nvPr>
-        </p:nvSpPr>
         <p:spPr>
           <a:xfrm>
-            <a:off x="1261872" y="1828800"/>
-            <a:ext cx="4480560" cy="4351337"/>
+            <a:off x="913795" y="609600"/>
+            <a:ext cx="10353761" cy="1326321"/>
           </a:xfrm>
         </p:spPr>
         <p:txBody>
           <a:bodyPr/>
-          <a:lstStyle>
-            <a:lvl1pPr>
-              <a:defRPr sz="1800"/>
-            </a:lvl1pPr>
-            <a:lvl2pPr>
-              <a:defRPr sz="1600"/>
-            </a:lvl2pPr>
-            <a:lvl3pPr>
-              <a:defRPr sz="1400"/>
-            </a:lvl3pPr>
-            <a:lvl4pPr>
-              <a:defRPr sz="1400"/>
-            </a:lvl4pPr>
-            <a:lvl5pPr>
-              <a:defRPr sz="1400"/>
-            </a:lvl5pPr>
-            <a:lvl6pPr>
-              <a:defRPr sz="1400"/>
-            </a:lvl6pPr>
-            <a:lvl7pPr>
-              <a:defRPr sz="1400"/>
-            </a:lvl7pPr>
-            <a:lvl8pPr>
-              <a:defRPr sz="1400"/>
-            </a:lvl8pPr>
-            <a:lvl9pPr>
-              <a:defRPr sz="1400"/>
-            </a:lvl9pPr>
-          </a:lstStyle>
-          <a:p>
-            <a:pPr lvl="0"/>
-            <a:r>
-              <a:rPr lang="ru-RU" smtClean="0"/>
-              <a:t>Образец текста</a:t>
-            </a:r>
-          </a:p>
-          <a:p>
-            <a:pPr lvl="1"/>
-            <a:r>
-              <a:rPr lang="ru-RU" smtClean="0"/>
-              <a:t>Второй уровень</a:t>
-            </a:r>
-          </a:p>
-          <a:p>
-            <a:pPr lvl="2"/>
-            <a:r>
-              <a:rPr lang="ru-RU" smtClean="0"/>
-              <a:t>Третий уровень</a:t>
-            </a:r>
-          </a:p>
-          <a:p>
-            <a:pPr lvl="3"/>
-            <a:r>
-              <a:rPr lang="ru-RU" smtClean="0"/>
-              <a:t>Четвертый уровень</a:t>
-            </a:r>
-          </a:p>
-          <a:p>
-            <a:pPr lvl="4"/>
-            <a:r>
-              <a:rPr lang="ru-RU" smtClean="0"/>
-              <a:t>Пятый уровень</a:t>
+          <a:lstStyle/>
+          <a:p>
+            <a:r>
+              <a:rPr lang="ru-RU" smtClean="0"/>
+              <a:t>Образец заголовка</a:t>
             </a:r>
             <a:endParaRPr lang="en-US" dirty="0"/>
           </a:p>
@@ -1340,51 +3682,23 @@
       </p:sp>
       <p:sp>
         <p:nvSpPr>
-          <p:cNvPr id="4" name="Content Placeholder 3"/>
-          <p:cNvSpPr>
-            <a:spLocks noGrp="1"/>
-          </p:cNvSpPr>
-          <p:nvPr>
-            <p:ph sz="half" idx="2"/>
+          <p:cNvPr id="3" name="Content Placeholder 2"/>
+          <p:cNvSpPr>
+            <a:spLocks noGrp="1"/>
+          </p:cNvSpPr>
+          <p:nvPr>
+            <p:ph sz="half" idx="1"/>
           </p:nvPr>
         </p:nvSpPr>
         <p:spPr>
           <a:xfrm>
-            <a:off x="6126480" y="1828800"/>
-            <a:ext cx="4480560" cy="4351337"/>
+            <a:off x="913795" y="2088319"/>
+            <a:ext cx="5106004" cy="3702881"/>
           </a:xfrm>
         </p:spPr>
         <p:txBody>
           <a:bodyPr/>
-          <a:lstStyle>
-            <a:lvl1pPr>
-              <a:defRPr sz="1800"/>
-            </a:lvl1pPr>
-            <a:lvl2pPr>
-              <a:defRPr sz="1600"/>
-            </a:lvl2pPr>
-            <a:lvl3pPr>
-              <a:defRPr sz="1400"/>
-            </a:lvl3pPr>
-            <a:lvl4pPr>
-              <a:defRPr sz="1400"/>
-            </a:lvl4pPr>
-            <a:lvl5pPr>
-              <a:defRPr sz="1400"/>
-            </a:lvl5pPr>
-            <a:lvl6pPr>
-              <a:defRPr sz="1400"/>
-            </a:lvl6pPr>
-            <a:lvl7pPr>
-              <a:defRPr sz="1400"/>
-            </a:lvl7pPr>
-            <a:lvl8pPr>
-              <a:defRPr sz="1400"/>
-            </a:lvl8pPr>
-            <a:lvl9pPr>
-              <a:defRPr sz="1400"/>
-            </a:lvl9pPr>
-          </a:lstStyle>
+          <a:lstStyle/>
           <a:p>
             <a:pPr lvl="0"/>
             <a:r>
@@ -1425,6 +3739,63 @@
       </p:sp>
       <p:sp>
         <p:nvSpPr>
+          <p:cNvPr id="4" name="Content Placeholder 3"/>
+          <p:cNvSpPr>
+            <a:spLocks noGrp="1"/>
+          </p:cNvSpPr>
+          <p:nvPr>
+            <p:ph sz="half" idx="2"/>
+          </p:nvPr>
+        </p:nvSpPr>
+        <p:spPr>
+          <a:xfrm>
+            <a:off x="6173403" y="2088319"/>
+            <a:ext cx="5094154" cy="3702881"/>
+          </a:xfrm>
+        </p:spPr>
+        <p:txBody>
+          <a:bodyPr/>
+          <a:lstStyle/>
+          <a:p>
+            <a:pPr lvl="0"/>
+            <a:r>
+              <a:rPr lang="ru-RU" smtClean="0"/>
+              <a:t>Образец текста</a:t>
+            </a:r>
+          </a:p>
+          <a:p>
+            <a:pPr lvl="1"/>
+            <a:r>
+              <a:rPr lang="ru-RU" smtClean="0"/>
+              <a:t>Второй уровень</a:t>
+            </a:r>
+          </a:p>
+          <a:p>
+            <a:pPr lvl="2"/>
+            <a:r>
+              <a:rPr lang="ru-RU" smtClean="0"/>
+              <a:t>Третий уровень</a:t>
+            </a:r>
+          </a:p>
+          <a:p>
+            <a:pPr lvl="3"/>
+            <a:r>
+              <a:rPr lang="ru-RU" smtClean="0"/>
+              <a:t>Четвертый уровень</a:t>
+            </a:r>
+          </a:p>
+          <a:p>
+            <a:pPr lvl="4"/>
+            <a:r>
+              <a:rPr lang="ru-RU" smtClean="0"/>
+              <a:t>Пятый уровень</a:t>
+            </a:r>
+            <a:endParaRPr lang="en-US" dirty="0"/>
+          </a:p>
+        </p:txBody>
+      </p:sp>
+      <p:sp>
+        <p:nvSpPr>
           <p:cNvPr id="5" name="Date Placeholder 4"/>
           <p:cNvSpPr>
             <a:spLocks noGrp="1"/>
@@ -1440,7 +3811,7 @@
           <a:p>
             <a:fld id="{A9D4B672-AFDF-4628-AE9E-448FA5A4BD57}" type="datetimeFigureOut">
               <a:rPr lang="ru-RU" smtClean="0"/>
-              <a:t>29.06.2021</a:t>
+              <a:t>02.07.2021</a:t>
             </a:fld>
             <a:endParaRPr lang="ru-RU"/>
           </a:p>
@@ -1491,7 +3862,7 @@
     </p:spTree>
     <p:extLst>
       <p:ext uri="{BB962C8B-B14F-4D97-AF65-F5344CB8AC3E}">
-        <p14:creationId xmlns:p14="http://schemas.microsoft.com/office/powerpoint/2010/main" val="3614162241"/>
+        <p14:creationId xmlns:p14="http://schemas.microsoft.com/office/powerpoint/2010/main" val="3810701965"/>
       </p:ext>
     </p:extLst>
   </p:cSld>
@@ -1520,58 +3891,57 @@
       </p:grpSpPr>
       <p:sp>
         <p:nvSpPr>
-          <p:cNvPr id="10" name="Title 9"/>
+          <p:cNvPr id="2" name="Title 1"/>
           <p:cNvSpPr>
             <a:spLocks noGrp="1"/>
           </p:cNvSpPr>
           <p:nvPr>
             <p:ph type="title"/>
-          </p:nvPr>
-        </p:nvSpPr>
-        <p:spPr/>
-        <p:txBody>
-          <a:bodyPr/>
-          <a:lstStyle/>
-          <a:p>
-            <a:r>
-              <a:rPr lang="ru-RU" smtClean="0"/>
-              <a:t>Образец заголовка</a:t>
-            </a:r>
-            <a:endParaRPr lang="en-US" dirty="0"/>
-          </a:p>
-        </p:txBody>
-      </p:sp>
-      <p:sp>
-        <p:nvSpPr>
-          <p:cNvPr id="3" name="Text Placeholder 2"/>
-          <p:cNvSpPr>
-            <a:spLocks noGrp="1"/>
-          </p:cNvSpPr>
-          <p:nvPr>
-            <p:ph type="body" idx="1"/>
           </p:nvPr>
         </p:nvSpPr>
         <p:spPr>
           <a:xfrm>
-            <a:off x="1261872" y="1713655"/>
-            <a:ext cx="4480560" cy="731520"/>
+            <a:off x="913795" y="609600"/>
+            <a:ext cx="10353761" cy="1325563"/>
           </a:xfrm>
         </p:spPr>
         <p:txBody>
-          <a:bodyPr anchor="b">
-            <a:normAutofit/>
-          </a:bodyPr>
+          <a:bodyPr/>
+          <a:lstStyle/>
+          <a:p>
+            <a:r>
+              <a:rPr lang="ru-RU" smtClean="0"/>
+              <a:t>Образец заголовка</a:t>
+            </a:r>
+            <a:endParaRPr lang="en-US" dirty="0"/>
+          </a:p>
+        </p:txBody>
+      </p:sp>
+      <p:sp>
+        <p:nvSpPr>
+          <p:cNvPr id="3" name="Text Placeholder 2"/>
+          <p:cNvSpPr>
+            <a:spLocks noGrp="1"/>
+          </p:cNvSpPr>
+          <p:nvPr>
+            <p:ph type="body" idx="1"/>
+          </p:nvPr>
+        </p:nvSpPr>
+        <p:spPr>
+          <a:xfrm>
+            <a:off x="1141804" y="2088320"/>
+            <a:ext cx="4879199" cy="823912"/>
+          </a:xfrm>
+        </p:spPr>
+        <p:txBody>
+          <a:bodyPr anchor="b"/>
           <a:lstStyle>
             <a:lvl1pPr marL="0" indent="0">
-              <a:spcBef>
-                <a:spcPts val="0"/>
-              </a:spcBef>
-              <a:buNone/>
-              <a:defRPr sz="2000" b="0">
-                <a:solidFill>
-                  <a:schemeClr val="tx2"/>
-                </a:solidFill>
-              </a:defRPr>
+              <a:lnSpc>
+                <a:spcPct val="100000"/>
+              </a:lnSpc>
+              <a:buNone/>
+              <a:defRPr sz="2400" b="1"/>
             </a:lvl1pPr>
             <a:lvl2pPr marL="457200" indent="0">
               <a:buNone/>
@@ -1627,41 +3997,13 @@
         </p:nvSpPr>
         <p:spPr>
           <a:xfrm>
-            <a:off x="1261872" y="2507550"/>
-            <a:ext cx="4480560" cy="3664650"/>
+            <a:off x="913795" y="2912232"/>
+            <a:ext cx="5107208" cy="2878968"/>
           </a:xfrm>
         </p:spPr>
         <p:txBody>
           <a:bodyPr/>
-          <a:lstStyle>
-            <a:lvl1pPr>
-              <a:defRPr sz="1800"/>
-            </a:lvl1pPr>
-            <a:lvl2pPr>
-              <a:defRPr sz="1600"/>
-            </a:lvl2pPr>
-            <a:lvl3pPr>
-              <a:defRPr sz="1400"/>
-            </a:lvl3pPr>
-            <a:lvl4pPr>
-              <a:defRPr sz="1400"/>
-            </a:lvl4pPr>
-            <a:lvl5pPr>
-              <a:defRPr sz="1400"/>
-            </a:lvl5pPr>
-            <a:lvl6pPr>
-              <a:defRPr sz="1400"/>
-            </a:lvl6pPr>
-            <a:lvl7pPr>
-              <a:defRPr sz="1400"/>
-            </a:lvl7pPr>
-            <a:lvl8pPr>
-              <a:defRPr sz="1400"/>
-            </a:lvl8pPr>
-            <a:lvl9pPr>
-              <a:defRPr sz="1400"/>
-            </a:lvl9pPr>
-          </a:lstStyle>
+          <a:lstStyle/>
           <a:p>
             <a:pPr lvl="0"/>
             <a:r>
@@ -1712,31 +4054,19 @@
         </p:nvSpPr>
         <p:spPr>
           <a:xfrm>
-            <a:off x="6126480" y="1713655"/>
-            <a:ext cx="4480560" cy="731520"/>
+            <a:off x="6402003" y="2088320"/>
+            <a:ext cx="4865554" cy="823912"/>
           </a:xfrm>
         </p:spPr>
         <p:txBody>
-          <a:bodyPr anchor="b">
-            <a:normAutofit/>
-          </a:bodyPr>
+          <a:bodyPr anchor="b"/>
           <a:lstStyle>
             <a:lvl1pPr marL="0" indent="0">
               <a:lnSpc>
-                <a:spcPct val="95000"/>
+                <a:spcPct val="100000"/>
               </a:lnSpc>
-              <a:spcBef>
-                <a:spcPts val="0"/>
-              </a:spcBef>
-              <a:buNone/>
-              <a:defRPr lang="en-US" sz="2000" b="0" kern="1200" dirty="0">
-                <a:solidFill>
-                  <a:schemeClr val="tx2"/>
-                </a:solidFill>
-                <a:latin typeface="+mn-lt"/>
-                <a:ea typeface="+mn-ea"/>
-                <a:cs typeface="+mn-cs"/>
-              </a:defRPr>
+              <a:buNone/>
+              <a:defRPr sz="2400" b="1"/>
             </a:lvl1pPr>
             <a:lvl2pPr marL="457200" indent="0">
               <a:buNone/>
@@ -1772,16 +4102,7 @@
             </a:lvl9pPr>
           </a:lstStyle>
           <a:p>
-            <a:pPr marL="0" lvl="0" indent="0" algn="l" defTabSz="914400" rtl="0" eaLnBrk="1" latinLnBrk="0" hangingPunct="1">
-              <a:lnSpc>
-                <a:spcPct val="90000"/>
-              </a:lnSpc>
-              <a:spcBef>
-                <a:spcPts val="2000"/>
-              </a:spcBef>
-              <a:buFontTx/>
-              <a:buNone/>
-            </a:pPr>
+            <a:pPr lvl="0"/>
             <a:r>
               <a:rPr lang="ru-RU" smtClean="0"/>
               <a:t>Образец текста</a:t>
@@ -1801,41 +4122,13 @@
         </p:nvSpPr>
         <p:spPr>
           <a:xfrm>
-            <a:off x="6126480" y="2507550"/>
-            <a:ext cx="4480560" cy="3664650"/>
+            <a:off x="6172200" y="2912232"/>
+            <a:ext cx="5095357" cy="2878968"/>
           </a:xfrm>
         </p:spPr>
         <p:txBody>
           <a:bodyPr/>
-          <a:lstStyle>
-            <a:lvl1pPr>
-              <a:defRPr sz="1800"/>
-            </a:lvl1pPr>
-            <a:lvl2pPr>
-              <a:defRPr sz="1600"/>
-            </a:lvl2pPr>
-            <a:lvl3pPr>
-              <a:defRPr sz="1400"/>
-            </a:lvl3pPr>
-            <a:lvl4pPr>
-              <a:defRPr sz="1400"/>
-            </a:lvl4pPr>
-            <a:lvl5pPr>
-              <a:defRPr sz="1400"/>
-            </a:lvl5pPr>
-            <a:lvl6pPr>
-              <a:defRPr sz="1400"/>
-            </a:lvl6pPr>
-            <a:lvl7pPr>
-              <a:defRPr sz="1400"/>
-            </a:lvl7pPr>
-            <a:lvl8pPr>
-              <a:defRPr sz="1400"/>
-            </a:lvl8pPr>
-            <a:lvl9pPr>
-              <a:defRPr sz="1400"/>
-            </a:lvl9pPr>
-          </a:lstStyle>
+          <a:lstStyle/>
           <a:p>
             <a:pPr lvl="0"/>
             <a:r>
@@ -1891,7 +4184,7 @@
           <a:p>
             <a:fld id="{A9D4B672-AFDF-4628-AE9E-448FA5A4BD57}" type="datetimeFigureOut">
               <a:rPr lang="ru-RU" smtClean="0"/>
-              <a:t>29.06.2021</a:t>
+              <a:t>02.07.2021</a:t>
             </a:fld>
             <a:endParaRPr lang="ru-RU"/>
           </a:p>
@@ -1942,7 +4235,7 @@
     </p:spTree>
     <p:extLst>
       <p:ext uri="{BB962C8B-B14F-4D97-AF65-F5344CB8AC3E}">
-        <p14:creationId xmlns:p14="http://schemas.microsoft.com/office/powerpoint/2010/main" val="2311843397"/>
+        <p14:creationId xmlns:p14="http://schemas.microsoft.com/office/powerpoint/2010/main" val="544578252"/>
       </p:ext>
     </p:extLst>
   </p:cSld>
@@ -1971,7 +4264,7 @@
       </p:grpSpPr>
       <p:sp>
         <p:nvSpPr>
-          <p:cNvPr id="6" name="Title 5"/>
+          <p:cNvPr id="2" name="Title 1"/>
           <p:cNvSpPr>
             <a:spLocks noGrp="1"/>
           </p:cNvSpPr>
@@ -2009,7 +4302,7 @@
           <a:p>
             <a:fld id="{A9D4B672-AFDF-4628-AE9E-448FA5A4BD57}" type="datetimeFigureOut">
               <a:rPr lang="ru-RU" smtClean="0"/>
-              <a:t>29.06.2021</a:t>
+              <a:t>02.07.2021</a:t>
             </a:fld>
             <a:endParaRPr lang="ru-RU"/>
           </a:p>
@@ -2060,7 +4353,7 @@
     </p:spTree>
     <p:extLst>
       <p:ext uri="{BB962C8B-B14F-4D97-AF65-F5344CB8AC3E}">
-        <p14:creationId xmlns:p14="http://schemas.microsoft.com/office/powerpoint/2010/main" val="1179463625"/>
+        <p14:creationId xmlns:p14="http://schemas.microsoft.com/office/powerpoint/2010/main" val="3895636958"/>
       </p:ext>
     </p:extLst>
   </p:cSld>
@@ -2104,7 +4397,7 @@
           <a:p>
             <a:fld id="{A9D4B672-AFDF-4628-AE9E-448FA5A4BD57}" type="datetimeFigureOut">
               <a:rPr lang="ru-RU" smtClean="0"/>
-              <a:t>29.06.2021</a:t>
+              <a:t>02.07.2021</a:t>
             </a:fld>
             <a:endParaRPr lang="ru-RU"/>
           </a:p>
@@ -2155,7 +4448,7 @@
     </p:spTree>
     <p:extLst>
       <p:ext uri="{BB962C8B-B14F-4D97-AF65-F5344CB8AC3E}">
-        <p14:creationId xmlns:p14="http://schemas.microsoft.com/office/powerpoint/2010/main" val="442231792"/>
+        <p14:creationId xmlns:p14="http://schemas.microsoft.com/office/powerpoint/2010/main" val="2601014050"/>
       </p:ext>
     </p:extLst>
   </p:cSld>
@@ -2194,8 +4487,8 @@
         </p:nvSpPr>
         <p:spPr>
           <a:xfrm>
-            <a:off x="841248" y="457200"/>
-            <a:ext cx="3200400" cy="1600197"/>
+            <a:off x="917228" y="609600"/>
+            <a:ext cx="3932237" cy="2362200"/>
           </a:xfrm>
         </p:spPr>
         <p:txBody>
@@ -2204,7 +4497,7 @@
           </a:bodyPr>
           <a:lstStyle>
             <a:lvl1pPr>
-              <a:defRPr sz="3200" b="0" baseline="0"/>
+              <a:defRPr sz="2800"/>
             </a:lvl1pPr>
           </a:lstStyle>
           <a:p>
@@ -2228,39 +4521,105 @@
         </p:nvSpPr>
         <p:spPr>
           <a:xfrm>
-            <a:off x="4504267" y="685800"/>
-            <a:ext cx="6079066" cy="5486400"/>
+            <a:off x="5078064" y="609600"/>
+            <a:ext cx="6189492" cy="5181600"/>
           </a:xfrm>
         </p:spPr>
         <p:txBody>
+          <a:bodyPr anchor="ctr"/>
+          <a:lstStyle/>
+          <a:p>
+            <a:pPr lvl="0"/>
+            <a:r>
+              <a:rPr lang="ru-RU" smtClean="0"/>
+              <a:t>Образец текста</a:t>
+            </a:r>
+          </a:p>
+          <a:p>
+            <a:pPr lvl="1"/>
+            <a:r>
+              <a:rPr lang="ru-RU" smtClean="0"/>
+              <a:t>Второй уровень</a:t>
+            </a:r>
+          </a:p>
+          <a:p>
+            <a:pPr lvl="2"/>
+            <a:r>
+              <a:rPr lang="ru-RU" smtClean="0"/>
+              <a:t>Третий уровень</a:t>
+            </a:r>
+          </a:p>
+          <a:p>
+            <a:pPr lvl="3"/>
+            <a:r>
+              <a:rPr lang="ru-RU" smtClean="0"/>
+              <a:t>Четвертый уровень</a:t>
+            </a:r>
+          </a:p>
+          <a:p>
+            <a:pPr lvl="4"/>
+            <a:r>
+              <a:rPr lang="ru-RU" smtClean="0"/>
+              <a:t>Пятый уровень</a:t>
+            </a:r>
+            <a:endParaRPr lang="en-US" dirty="0"/>
+          </a:p>
+        </p:txBody>
+      </p:sp>
+      <p:sp>
+        <p:nvSpPr>
+          <p:cNvPr id="4" name="Text Placeholder 3"/>
+          <p:cNvSpPr>
+            <a:spLocks noGrp="1"/>
+          </p:cNvSpPr>
+          <p:nvPr>
+            <p:ph type="body" sz="half" idx="2"/>
+          </p:nvPr>
+        </p:nvSpPr>
+        <p:spPr>
+          <a:xfrm>
+            <a:off x="917228" y="2971800"/>
+            <a:ext cx="3932237" cy="2819399"/>
+          </a:xfrm>
+        </p:spPr>
+        <p:txBody>
           <a:bodyPr/>
           <a:lstStyle>
-            <a:lvl1pPr>
-              <a:defRPr sz="2000"/>
+            <a:lvl1pPr marL="0" indent="0" algn="ctr">
+              <a:buNone/>
+              <a:defRPr sz="1600"/>
             </a:lvl1pPr>
-            <a:lvl2pPr>
-              <a:defRPr sz="1800"/>
+            <a:lvl2pPr marL="457200" indent="0">
+              <a:buNone/>
+              <a:defRPr sz="1400"/>
             </a:lvl2pPr>
-            <a:lvl3pPr>
-              <a:defRPr sz="1600"/>
+            <a:lvl3pPr marL="914400" indent="0">
+              <a:buNone/>
+              <a:defRPr sz="1200"/>
             </a:lvl3pPr>
-            <a:lvl4pPr>
-              <a:defRPr sz="1400"/>
+            <a:lvl4pPr marL="1371600" indent="0">
+              <a:buNone/>
+              <a:defRPr sz="1000"/>
             </a:lvl4pPr>
-            <a:lvl5pPr>
-              <a:defRPr sz="1400"/>
+            <a:lvl5pPr marL="1828800" indent="0">
+              <a:buNone/>
+              <a:defRPr sz="1000"/>
             </a:lvl5pPr>
-            <a:lvl6pPr>
-              <a:defRPr sz="1400"/>
+            <a:lvl6pPr marL="2286000" indent="0">
+              <a:buNone/>
+              <a:defRPr sz="1000"/>
             </a:lvl6pPr>
-            <a:lvl7pPr>
-              <a:defRPr sz="1400"/>
+            <a:lvl7pPr marL="2743200" indent="0">
+              <a:buNone/>
+              <a:defRPr sz="1000"/>
             </a:lvl7pPr>
-            <a:lvl8pPr>
-              <a:defRPr sz="1400"/>
+            <a:lvl8pPr marL="3200400" indent="0">
+              <a:buNone/>
+              <a:defRPr sz="1000"/>
             </a:lvl8pPr>
-            <a:lvl9pPr>
-              <a:defRPr sz="1400"/>
+            <a:lvl9pPr marL="3657600" indent="0">
+              <a:buNone/>
+              <a:defRPr sz="1000"/>
             </a:lvl9pPr>
           </a:lstStyle>
           <a:p>
@@ -2270,108 +4629,6 @@
               <a:t>Образец текста</a:t>
             </a:r>
           </a:p>
-          <a:p>
-            <a:pPr lvl="1"/>
-            <a:r>
-              <a:rPr lang="ru-RU" smtClean="0"/>
-              <a:t>Второй уровень</a:t>
-            </a:r>
-          </a:p>
-          <a:p>
-            <a:pPr lvl="2"/>
-            <a:r>
-              <a:rPr lang="ru-RU" smtClean="0"/>
-              <a:t>Третий уровень</a:t>
-            </a:r>
-          </a:p>
-          <a:p>
-            <a:pPr lvl="3"/>
-            <a:r>
-              <a:rPr lang="ru-RU" smtClean="0"/>
-              <a:t>Четвертый уровень</a:t>
-            </a:r>
-          </a:p>
-          <a:p>
-            <a:pPr lvl="4"/>
-            <a:r>
-              <a:rPr lang="ru-RU" smtClean="0"/>
-              <a:t>Пятый уровень</a:t>
-            </a:r>
-            <a:endParaRPr lang="en-US" dirty="0"/>
-          </a:p>
-        </p:txBody>
-      </p:sp>
-      <p:sp>
-        <p:nvSpPr>
-          <p:cNvPr id="4" name="Text Placeholder 3"/>
-          <p:cNvSpPr>
-            <a:spLocks noGrp="1"/>
-          </p:cNvSpPr>
-          <p:nvPr>
-            <p:ph type="body" sz="half" idx="2"/>
-          </p:nvPr>
-        </p:nvSpPr>
-        <p:spPr>
-          <a:xfrm>
-            <a:off x="841248" y="2099734"/>
-            <a:ext cx="3200400" cy="3810001"/>
-          </a:xfrm>
-        </p:spPr>
-        <p:txBody>
-          <a:bodyPr>
-            <a:normAutofit/>
-          </a:bodyPr>
-          <a:lstStyle>
-            <a:lvl1pPr marL="0" indent="0">
-              <a:lnSpc>
-                <a:spcPct val="114000"/>
-              </a:lnSpc>
-              <a:spcBef>
-                <a:spcPts val="800"/>
-              </a:spcBef>
-              <a:buNone/>
-              <a:defRPr sz="1300"/>
-            </a:lvl1pPr>
-            <a:lvl2pPr marL="457200" indent="0">
-              <a:buNone/>
-              <a:defRPr sz="1200"/>
-            </a:lvl2pPr>
-            <a:lvl3pPr marL="914400" indent="0">
-              <a:buNone/>
-              <a:defRPr sz="1000"/>
-            </a:lvl3pPr>
-            <a:lvl4pPr marL="1371600" indent="0">
-              <a:buNone/>
-              <a:defRPr sz="900"/>
-            </a:lvl4pPr>
-            <a:lvl5pPr marL="1828800" indent="0">
-              <a:buNone/>
-              <a:defRPr sz="900"/>
-            </a:lvl5pPr>
-            <a:lvl6pPr marL="2286000" indent="0">
-              <a:buNone/>
-              <a:defRPr sz="900"/>
-            </a:lvl6pPr>
-            <a:lvl7pPr marL="2743200" indent="0">
-              <a:buNone/>
-              <a:defRPr sz="900"/>
-            </a:lvl7pPr>
-            <a:lvl8pPr marL="3200400" indent="0">
-              <a:buNone/>
-              <a:defRPr sz="900"/>
-            </a:lvl8pPr>
-            <a:lvl9pPr marL="3657600" indent="0">
-              <a:buNone/>
-              <a:defRPr sz="900"/>
-            </a:lvl9pPr>
-          </a:lstStyle>
-          <a:p>
-            <a:pPr lvl="0"/>
-            <a:r>
-              <a:rPr lang="ru-RU" smtClean="0"/>
-              <a:t>Образец текста</a:t>
-            </a:r>
-          </a:p>
         </p:txBody>
       </p:sp>
       <p:sp>
@@ -2391,7 +4648,7 @@
           <a:p>
             <a:fld id="{A9D4B672-AFDF-4628-AE9E-448FA5A4BD57}" type="datetimeFigureOut">
               <a:rPr lang="ru-RU" smtClean="0"/>
-              <a:t>29.06.2021</a:t>
+              <a:t>02.07.2021</a:t>
             </a:fld>
             <a:endParaRPr lang="ru-RU"/>
           </a:p>
@@ -2442,7 +4699,7 @@
     </p:spTree>
     <p:extLst>
       <p:ext uri="{BB962C8B-B14F-4D97-AF65-F5344CB8AC3E}">
-        <p14:creationId xmlns:p14="http://schemas.microsoft.com/office/powerpoint/2010/main" val="2364060774"/>
+        <p14:creationId xmlns:p14="http://schemas.microsoft.com/office/powerpoint/2010/main" val="2664994496"/>
       </p:ext>
     </p:extLst>
   </p:cSld>
@@ -2471,56 +4728,18 @@
       </p:grpSpPr>
       <p:sp>
         <p:nvSpPr>
-          <p:cNvPr id="8" name="Rectangle 7"/>
-          <p:cNvSpPr/>
-          <p:nvPr/>
+          <p:cNvPr id="2" name="Title 1"/>
+          <p:cNvSpPr>
+            <a:spLocks noGrp="1"/>
+          </p:cNvSpPr>
+          <p:nvPr>
+            <p:ph type="title"/>
+          </p:nvPr>
         </p:nvSpPr>
         <p:spPr>
           <a:xfrm>
-            <a:off x="0" y="5105400"/>
-            <a:ext cx="11292840" cy="1752600"/>
-          </a:xfrm>
-          <a:prstGeom prst="rect">
-            <a:avLst/>
-          </a:prstGeom>
-          <a:solidFill>
-            <a:srgbClr val="000000"/>
-          </a:solidFill>
-          <a:ln>
-            <a:noFill/>
-          </a:ln>
-        </p:spPr>
-        <p:style>
-          <a:lnRef idx="2">
-            <a:schemeClr val="accent1">
-              <a:shade val="50000"/>
-            </a:schemeClr>
-          </a:lnRef>
-          <a:fillRef idx="1">
-            <a:schemeClr val="accent1"/>
-          </a:fillRef>
-          <a:effectRef idx="0">
-            <a:schemeClr val="accent1"/>
-          </a:effectRef>
-          <a:fontRef idx="minor">
-            <a:schemeClr val="lt1"/>
-          </a:fontRef>
-        </p:style>
-      </p:sp>
-      <p:sp>
-        <p:nvSpPr>
-          <p:cNvPr id="2" name="Title 1"/>
-          <p:cNvSpPr>
-            <a:spLocks noGrp="1"/>
-          </p:cNvSpPr>
-          <p:nvPr>
-            <p:ph type="title"/>
-          </p:nvPr>
-        </p:nvSpPr>
-        <p:spPr>
-          <a:xfrm>
-            <a:off x="914400" y="5257800"/>
-            <a:ext cx="9982200" cy="914400"/>
+            <a:off x="917227" y="609600"/>
+            <a:ext cx="5929773" cy="2362200"/>
           </a:xfrm>
         </p:spPr>
         <p:txBody>
@@ -2529,11 +4748,7 @@
           </a:bodyPr>
           <a:lstStyle>
             <a:lvl1pPr>
-              <a:defRPr sz="2800" b="0">
-                <a:solidFill>
-                  <a:schemeClr val="bg1"/>
-                </a:solidFill>
-              </a:defRPr>
+              <a:defRPr sz="3200"/>
             </a:lvl1pPr>
           </a:lstStyle>
           <a:p>
@@ -2557,23 +4772,42 @@
         </p:nvSpPr>
         <p:spPr>
           <a:xfrm>
-            <a:off x="0" y="0"/>
-            <a:ext cx="11292840" cy="5128923"/>
+            <a:off x="7424804" y="758881"/>
+            <a:ext cx="3255356" cy="4883038"/>
           </a:xfrm>
-          <a:solidFill>
-            <a:schemeClr val="accent1"/>
-          </a:solidFill>
+          <a:noFill/>
+          <a:ln w="190500" cap="sq">
+            <a:solidFill>
+              <a:srgbClr val="FFFFFF"/>
+            </a:solidFill>
+            <a:miter lim="800000"/>
+          </a:ln>
+          <a:effectLst>
+            <a:outerShdw blurRad="55000" dist="18000" dir="5400000" algn="tl" rotWithShape="0">
+              <a:srgbClr val="000000">
+                <a:alpha val="40000"/>
+              </a:srgbClr>
+            </a:outerShdw>
+          </a:effectLst>
+          <a:scene3d>
+            <a:camera prst="orthographicFront"/>
+            <a:lightRig rig="twoPt" dir="t">
+              <a:rot lat="0" lon="0" rev="7200000"/>
+            </a:lightRig>
+          </a:scene3d>
+          <a:sp3d>
+            <a:bevelT w="25400" h="19050"/>
+            <a:contourClr>
+              <a:srgbClr val="FFFFFF"/>
+            </a:contourClr>
+          </a:sp3d>
         </p:spPr>
         <p:txBody>
           <a:bodyPr anchor="t"/>
           <a:lstStyle>
-            <a:lvl1pPr marL="0" indent="0">
-              <a:buNone/>
-              <a:defRPr sz="3200">
-                <a:solidFill>
-                  <a:schemeClr val="bg1"/>
-                </a:solidFill>
-              </a:defRPr>
+            <a:lvl1pPr marL="0" indent="0" algn="ctr">
+              <a:buNone/>
+              <a:defRPr sz="3200"/>
             </a:lvl1pPr>
             <a:lvl2pPr marL="457200" indent="0">
               <a:buNone/>
@@ -2629,8 +4863,8 @@
         </p:nvSpPr>
         <p:spPr>
           <a:xfrm>
-            <a:off x="914400" y="6108589"/>
-            <a:ext cx="9982200" cy="597011"/>
+            <a:off x="913794" y="2971800"/>
+            <a:ext cx="5934950" cy="2819400"/>
           </a:xfrm>
         </p:spPr>
         <p:txBody>
@@ -2638,53 +4872,41 @@
             <a:normAutofit/>
           </a:bodyPr>
           <a:lstStyle>
-            <a:lvl1pPr marL="0" indent="0">
-              <a:lnSpc>
-                <a:spcPct val="100000"/>
-              </a:lnSpc>
-              <a:spcBef>
-                <a:spcPts val="800"/>
-              </a:spcBef>
-              <a:buNone/>
-              <a:defRPr sz="1300">
-                <a:solidFill>
-                  <a:schemeClr val="bg1">
-                    <a:lumMod val="85000"/>
-                  </a:schemeClr>
-                </a:solidFill>
-              </a:defRPr>
+            <a:lvl1pPr marL="0" indent="0" algn="ctr">
+              <a:buNone/>
+              <a:defRPr sz="1800"/>
             </a:lvl1pPr>
             <a:lvl2pPr marL="457200" indent="0">
               <a:buNone/>
-              <a:defRPr sz="1200"/>
+              <a:defRPr sz="1400"/>
             </a:lvl2pPr>
             <a:lvl3pPr marL="914400" indent="0">
               <a:buNone/>
-              <a:defRPr sz="1000"/>
+              <a:defRPr sz="1200"/>
             </a:lvl3pPr>
             <a:lvl4pPr marL="1371600" indent="0">
               <a:buNone/>
-              <a:defRPr sz="900"/>
+              <a:defRPr sz="1000"/>
             </a:lvl4pPr>
             <a:lvl5pPr marL="1828800" indent="0">
               <a:buNone/>
-              <a:defRPr sz="900"/>
+              <a:defRPr sz="1000"/>
             </a:lvl5pPr>
             <a:lvl6pPr marL="2286000" indent="0">
               <a:buNone/>
-              <a:defRPr sz="900"/>
+              <a:defRPr sz="1000"/>
             </a:lvl6pPr>
             <a:lvl7pPr marL="2743200" indent="0">
               <a:buNone/>
-              <a:defRPr sz="900"/>
+              <a:defRPr sz="1000"/>
             </a:lvl7pPr>
             <a:lvl8pPr marL="3200400" indent="0">
               <a:buNone/>
-              <a:defRPr sz="900"/>
+              <a:defRPr sz="1000"/>
             </a:lvl8pPr>
             <a:lvl9pPr marL="3657600" indent="0">
               <a:buNone/>
-              <a:defRPr sz="900"/>
+              <a:defRPr sz="1000"/>
             </a:lvl9pPr>
           </a:lstStyle>
           <a:p>
@@ -2713,7 +4935,7 @@
           <a:p>
             <a:fld id="{A9D4B672-AFDF-4628-AE9E-448FA5A4BD57}" type="datetimeFigureOut">
               <a:rPr lang="ru-RU" smtClean="0"/>
-              <a:t>29.06.2021</a:t>
+              <a:t>02.07.2021</a:t>
             </a:fld>
             <a:endParaRPr lang="ru-RU"/>
           </a:p>
@@ -2764,7 +4986,7 @@
     </p:spTree>
     <p:extLst>
       <p:ext uri="{BB962C8B-B14F-4D97-AF65-F5344CB8AC3E}">
-        <p14:creationId xmlns:p14="http://schemas.microsoft.com/office/powerpoint/2010/main" val="1423721055"/>
+        <p14:creationId xmlns:p14="http://schemas.microsoft.com/office/powerpoint/2010/main" val="3794103224"/>
       </p:ext>
     </p:extLst>
   </p:cSld>
@@ -2778,8 +5000,8 @@
 <p:sldMaster xmlns:a="http://schemas.openxmlformats.org/drawingml/2006/main" xmlns:r="http://schemas.openxmlformats.org/officeDocument/2006/relationships" xmlns:p="http://schemas.openxmlformats.org/presentationml/2006/main">
   <p:cSld>
     <p:bg>
-      <p:bgRef idx="1001">
-        <a:schemeClr val="bg1"/>
+      <p:bgRef idx="1003">
+        <a:schemeClr val="bg2"/>
       </p:bgRef>
     </p:bg>
     <p:spTree>
@@ -2798,65 +5020,25 @@
       </p:grpSpPr>
       <p:sp>
         <p:nvSpPr>
-          <p:cNvPr id="7" name="Rectangle 6"/>
-          <p:cNvSpPr/>
-          <p:nvPr/>
+          <p:cNvPr id="2" name="Title Placeholder 1"/>
+          <p:cNvSpPr>
+            <a:spLocks noGrp="1"/>
+          </p:cNvSpPr>
+          <p:nvPr>
+            <p:ph type="title"/>
+          </p:nvPr>
         </p:nvSpPr>
         <p:spPr>
           <a:xfrm>
-            <a:off x="11292840" y="0"/>
-            <a:ext cx="914400" cy="6858000"/>
-          </a:xfrm>
-          <a:prstGeom prst="rect">
-            <a:avLst/>
-          </a:prstGeom>
-          <a:solidFill>
-            <a:schemeClr val="tx2">
-              <a:lumMod val="75000"/>
-            </a:schemeClr>
-          </a:solidFill>
-          <a:ln>
-            <a:noFill/>
-          </a:ln>
-        </p:spPr>
-        <p:style>
-          <a:lnRef idx="2">
-            <a:schemeClr val="accent1">
-              <a:shade val="50000"/>
-            </a:schemeClr>
-          </a:lnRef>
-          <a:fillRef idx="1">
-            <a:schemeClr val="accent1"/>
-          </a:fillRef>
-          <a:effectRef idx="0">
-            <a:schemeClr val="accent1"/>
-          </a:effectRef>
-          <a:fontRef idx="minor">
-            <a:schemeClr val="lt1"/>
-          </a:fontRef>
-        </p:style>
-      </p:sp>
-      <p:sp>
-        <p:nvSpPr>
-          <p:cNvPr id="2" name="Title Placeholder 1"/>
-          <p:cNvSpPr>
-            <a:spLocks noGrp="1"/>
-          </p:cNvSpPr>
-          <p:nvPr>
-            <p:ph type="title"/>
-          </p:nvPr>
-        </p:nvSpPr>
-        <p:spPr>
-          <a:xfrm>
-            <a:off x="1261872" y="365760"/>
-            <a:ext cx="9692640" cy="1325562"/>
+            <a:off x="913795" y="609600"/>
+            <a:ext cx="10353761" cy="1326321"/>
           </a:xfrm>
           <a:prstGeom prst="rect">
             <a:avLst/>
           </a:prstGeom>
         </p:spPr>
         <p:txBody>
-          <a:bodyPr vert="horz" lIns="91440" tIns="45720" rIns="91440" bIns="45720" rtlCol="0" anchor="b">
+          <a:bodyPr vert="horz" lIns="91440" tIns="45720" rIns="91440" bIns="45720" rtlCol="0" anchor="ctr">
             <a:normAutofit/>
           </a:bodyPr>
           <a:lstStyle/>
@@ -2881,8 +5063,8 @@
         </p:nvSpPr>
         <p:spPr>
           <a:xfrm>
-            <a:off x="1261872" y="1828800"/>
-            <a:ext cx="8595360" cy="4351337"/>
+            <a:off x="913795" y="2096064"/>
+            <a:ext cx="10353762" cy="3695136"/>
           </a:xfrm>
           <a:prstGeom prst="rect">
             <a:avLst/>
@@ -2942,9 +5124,9 @@
           </p:nvPr>
         </p:nvSpPr>
         <p:spPr>
-          <a:xfrm rot="16200000">
-            <a:off x="10797542" y="998537"/>
-            <a:ext cx="1904999" cy="365125"/>
+          <a:xfrm>
+            <a:off x="7678736" y="5883275"/>
+            <a:ext cx="2743200" cy="365125"/>
           </a:xfrm>
           <a:prstGeom prst="rect">
             <a:avLst/>
@@ -2954,11 +5136,10 @@
           <a:bodyPr vert="horz" lIns="91440" tIns="45720" rIns="91440" bIns="45720" rtlCol="0" anchor="ctr"/>
           <a:lstStyle>
             <a:lvl1pPr algn="r">
-              <a:defRPr sz="1050" b="0">
+              <a:defRPr sz="1000">
                 <a:solidFill>
-                  <a:schemeClr val="tx2">
-                    <a:lumMod val="20000"/>
-                    <a:lumOff val="80000"/>
+                  <a:schemeClr val="tx1">
+                    <a:tint val="75000"/>
                   </a:schemeClr>
                 </a:solidFill>
               </a:defRPr>
@@ -2967,7 +5148,7 @@
           <a:p>
             <a:fld id="{A9D4B672-AFDF-4628-AE9E-448FA5A4BD57}" type="datetimeFigureOut">
               <a:rPr lang="ru-RU" smtClean="0"/>
-              <a:t>29.06.2021</a:t>
+              <a:t>02.07.2021</a:t>
             </a:fld>
             <a:endParaRPr lang="ru-RU"/>
           </a:p>
@@ -2984,9 +5165,9 @@
           </p:nvPr>
         </p:nvSpPr>
         <p:spPr>
-          <a:xfrm rot="16200000">
-            <a:off x="9959341" y="4046537"/>
-            <a:ext cx="3581400" cy="365125"/>
+          <a:xfrm>
+            <a:off x="913794" y="5883275"/>
+            <a:ext cx="6672865" cy="365125"/>
           </a:xfrm>
           <a:prstGeom prst="rect">
             <a:avLst/>
@@ -2996,11 +5177,10 @@
           <a:bodyPr vert="horz" lIns="91440" tIns="45720" rIns="91440" bIns="45720" rtlCol="0" anchor="ctr"/>
           <a:lstStyle>
             <a:lvl1pPr algn="l">
-              <a:defRPr sz="1050">
+              <a:defRPr sz="1000">
                 <a:solidFill>
-                  <a:schemeClr val="tx2">
-                    <a:lumMod val="20000"/>
-                    <a:lumOff val="80000"/>
+                  <a:schemeClr val="tx1">
+                    <a:tint val="75000"/>
                   </a:schemeClr>
                 </a:solidFill>
               </a:defRPr>
@@ -3023,24 +5203,21 @@
         </p:nvSpPr>
         <p:spPr>
           <a:xfrm>
-            <a:off x="11292840" y="6172200"/>
-            <a:ext cx="914400" cy="593725"/>
+            <a:off x="10514011" y="5883275"/>
+            <a:ext cx="753545" cy="365125"/>
           </a:xfrm>
           <a:prstGeom prst="rect">
             <a:avLst/>
           </a:prstGeom>
         </p:spPr>
         <p:txBody>
-          <a:bodyPr vert="horz" lIns="45720" tIns="45720" rIns="45720" bIns="45720" rtlCol="0" anchor="ctr">
-            <a:normAutofit/>
-          </a:bodyPr>
+          <a:bodyPr vert="horz" lIns="91440" tIns="45720" rIns="91440" bIns="45720" rtlCol="0" anchor="ctr"/>
           <a:lstStyle>
-            <a:lvl1pPr algn="ctr">
-              <a:defRPr sz="3600">
+            <a:lvl1pPr algn="r">
+              <a:defRPr sz="1000">
                 <a:solidFill>
-                  <a:schemeClr val="tx2">
-                    <a:lumMod val="60000"/>
-                    <a:lumOff val="40000"/>
+                  <a:schemeClr val="tx1">
+                    <a:tint val="75000"/>
                   </a:schemeClr>
                 </a:solidFill>
               </a:defRPr>
@@ -3058,27 +5235,33 @@
     </p:spTree>
     <p:extLst>
       <p:ext uri="{BB962C8B-B14F-4D97-AF65-F5344CB8AC3E}">
-        <p14:creationId xmlns:p14="http://schemas.microsoft.com/office/powerpoint/2010/main" val="3790719976"/>
+        <p14:creationId xmlns:p14="http://schemas.microsoft.com/office/powerpoint/2010/main" val="804239186"/>
       </p:ext>
     </p:extLst>
   </p:cSld>
-  <p:clrMap bg1="lt1" tx1="dk1" bg2="lt2" tx2="dk2" accent1="accent1" accent2="accent2" accent3="accent3" accent4="accent4" accent5="accent5" accent6="accent6" hlink="hlink" folHlink="folHlink"/>
+  <p:clrMap bg1="dk1" tx1="lt1" bg2="dk2" tx2="lt2" accent1="accent1" accent2="accent2" accent3="accent3" accent4="accent4" accent5="accent5" accent6="accent6" hlink="hlink" folHlink="folHlink"/>
   <p:sldLayoutIdLst>
-    <p:sldLayoutId id="2147483661" r:id="rId1"/>
-    <p:sldLayoutId id="2147483662" r:id="rId2"/>
-    <p:sldLayoutId id="2147483663" r:id="rId3"/>
-    <p:sldLayoutId id="2147483664" r:id="rId4"/>
-    <p:sldLayoutId id="2147483665" r:id="rId5"/>
-    <p:sldLayoutId id="2147483666" r:id="rId6"/>
-    <p:sldLayoutId id="2147483667" r:id="rId7"/>
-    <p:sldLayoutId id="2147483668" r:id="rId8"/>
-    <p:sldLayoutId id="2147483669" r:id="rId9"/>
-    <p:sldLayoutId id="2147483670" r:id="rId10"/>
-    <p:sldLayoutId id="2147483671" r:id="rId11"/>
+    <p:sldLayoutId id="2147483673" r:id="rId1"/>
+    <p:sldLayoutId id="2147483674" r:id="rId2"/>
+    <p:sldLayoutId id="2147483675" r:id="rId3"/>
+    <p:sldLayoutId id="2147483676" r:id="rId4"/>
+    <p:sldLayoutId id="2147483677" r:id="rId5"/>
+    <p:sldLayoutId id="2147483678" r:id="rId6"/>
+    <p:sldLayoutId id="2147483679" r:id="rId7"/>
+    <p:sldLayoutId id="2147483680" r:id="rId8"/>
+    <p:sldLayoutId id="2147483681" r:id="rId9"/>
+    <p:sldLayoutId id="2147483682" r:id="rId10"/>
+    <p:sldLayoutId id="2147483683" r:id="rId11"/>
+    <p:sldLayoutId id="2147483684" r:id="rId12"/>
+    <p:sldLayoutId id="2147483685" r:id="rId13"/>
+    <p:sldLayoutId id="2147483686" r:id="rId14"/>
+    <p:sldLayoutId id="2147483687" r:id="rId15"/>
+    <p:sldLayoutId id="2147483688" r:id="rId16"/>
+    <p:sldLayoutId id="2147483689" r:id="rId17"/>
   </p:sldLayoutIdLst>
   <p:txStyles>
     <p:titleStyle>
-      <a:lvl1pPr algn="l" defTabSz="914400" rtl="0" eaLnBrk="1" latinLnBrk="0" hangingPunct="1">
+      <a:lvl1pPr algn="ctr" defTabSz="914400" rtl="0" eaLnBrk="1" latinLnBrk="0" hangingPunct="1">
         <a:lnSpc>
           <a:spcPct val="90000"/>
         </a:lnSpc>
@@ -3086,10 +5269,17 @@
           <a:spcPct val="0"/>
         </a:spcBef>
         <a:buNone/>
-        <a:defRPr sz="4400" kern="1200" spc="-50" baseline="0">
+        <a:defRPr sz="3400" b="1" i="0" kern="1200" cap="all">
           <a:solidFill>
             <a:schemeClr val="tx1"/>
           </a:solidFill>
+          <a:effectLst>
+            <a:outerShdw blurRad="50800" dist="63500" dir="2700000" algn="tl" rotWithShape="0">
+              <a:srgbClr val="000000">
+                <a:alpha val="48000"/>
+              </a:srgbClr>
+            </a:outerShdw>
+          </a:effectLst>
           <a:latin typeface="+mj-lt"/>
           <a:ea typeface="+mj-ea"/>
           <a:cs typeface="+mj-cs"/>
@@ -3097,242 +5287,226 @@
       </a:lvl1pPr>
     </p:titleStyle>
     <p:bodyStyle>
-      <a:lvl1pPr marL="182880" indent="-182880" algn="l" defTabSz="914400" rtl="0" eaLnBrk="1" latinLnBrk="0" hangingPunct="1">
+      <a:lvl1pPr marL="228600" indent="-228600" algn="l" defTabSz="914400" rtl="0" eaLnBrk="1" latinLnBrk="0" hangingPunct="1">
         <a:lnSpc>
-          <a:spcPct val="95000"/>
+          <a:spcPct val="120000"/>
         </a:lnSpc>
         <a:spcBef>
-          <a:spcPts val="1400"/>
+          <a:spcPts val="1000"/>
         </a:spcBef>
-        <a:spcAft>
-          <a:spcPts val="200"/>
-        </a:spcAft>
-        <a:buClr>
-          <a:schemeClr val="accent1"/>
-        </a:buClr>
-        <a:buSzPct val="80000"/>
-        <a:buFont typeface="Arial" pitchFamily="34" charset="0"/>
+        <a:buFont typeface="Arial" panose="020B0604020202020204" pitchFamily="34" charset="0"/>
         <a:buChar char="•"/>
-        <a:defRPr sz="1800" kern="1200" spc="10" baseline="0">
+        <a:defRPr sz="2000" kern="1200">
           <a:solidFill>
             <a:schemeClr val="tx1"/>
           </a:solidFill>
+          <a:effectLst>
+            <a:outerShdw blurRad="50800" dist="38100" dir="2700000" algn="tl" rotWithShape="0">
+              <a:srgbClr val="000000">
+                <a:alpha val="48000"/>
+              </a:srgbClr>
+            </a:outerShdw>
+          </a:effectLst>
           <a:latin typeface="+mn-lt"/>
           <a:ea typeface="+mn-ea"/>
           <a:cs typeface="+mn-cs"/>
         </a:defRPr>
       </a:lvl1pPr>
-      <a:lvl2pPr marL="457200" indent="-182880" algn="l" defTabSz="914400" rtl="0" eaLnBrk="1" latinLnBrk="0" hangingPunct="1">
+      <a:lvl2pPr marL="685800" indent="-228600" algn="l" defTabSz="914400" rtl="0" eaLnBrk="1" latinLnBrk="0" hangingPunct="1">
         <a:lnSpc>
-          <a:spcPct val="90000"/>
+          <a:spcPct val="120000"/>
         </a:lnSpc>
         <a:spcBef>
-          <a:spcPts val="300"/>
+          <a:spcPts val="500"/>
         </a:spcBef>
-        <a:spcAft>
-          <a:spcPts val="300"/>
-        </a:spcAft>
-        <a:buClr>
-          <a:schemeClr val="accent1"/>
-        </a:buClr>
-        <a:buFont typeface="Wingdings 2" pitchFamily="18" charset="2"/>
-        <a:buChar char=""/>
-        <a:defRPr sz="1600" kern="1200">
+        <a:buFont typeface="Arial" panose="020B0604020202020204" pitchFamily="34" charset="0"/>
+        <a:buChar char="•"/>
+        <a:defRPr sz="1800" kern="1200">
           <a:solidFill>
-            <a:schemeClr val="tx1">
-              <a:lumMod val="85000"/>
-              <a:lumOff val="15000"/>
-            </a:schemeClr>
+            <a:schemeClr val="tx1"/>
           </a:solidFill>
+          <a:effectLst>
+            <a:outerShdw blurRad="50800" dist="38100" dir="2700000" algn="tl" rotWithShape="0">
+              <a:srgbClr val="000000">
+                <a:alpha val="48000"/>
+              </a:srgbClr>
+            </a:outerShdw>
+          </a:effectLst>
           <a:latin typeface="+mn-lt"/>
           <a:ea typeface="+mn-ea"/>
           <a:cs typeface="+mn-cs"/>
         </a:defRPr>
       </a:lvl2pPr>
-      <a:lvl3pPr marL="731520" indent="-182880" algn="l" defTabSz="914400" rtl="0" eaLnBrk="1" latinLnBrk="0" hangingPunct="1">
+      <a:lvl3pPr marL="1143000" indent="-228600" algn="l" defTabSz="914400" rtl="0" eaLnBrk="1" latinLnBrk="0" hangingPunct="1">
         <a:lnSpc>
-          <a:spcPct val="90000"/>
+          <a:spcPct val="120000"/>
         </a:lnSpc>
         <a:spcBef>
-          <a:spcPts val="300"/>
+          <a:spcPts val="500"/>
         </a:spcBef>
-        <a:spcAft>
-          <a:spcPts val="300"/>
-        </a:spcAft>
-        <a:buClr>
-          <a:schemeClr val="accent1"/>
-        </a:buClr>
-        <a:buFont typeface="Wingdings 2" pitchFamily="18" charset="2"/>
-        <a:buChar char=""/>
-        <a:defRPr sz="1400" kern="1200">
+        <a:buFont typeface="Arial" panose="020B0604020202020204" pitchFamily="34" charset="0"/>
+        <a:buChar char="•"/>
+        <a:defRPr sz="1600" kern="1200">
           <a:solidFill>
-            <a:schemeClr val="tx1">
-              <a:lumMod val="85000"/>
-              <a:lumOff val="15000"/>
-            </a:schemeClr>
+            <a:schemeClr val="tx1"/>
           </a:solidFill>
+          <a:effectLst>
+            <a:outerShdw blurRad="50800" dist="38100" dir="2700000" algn="tl" rotWithShape="0">
+              <a:srgbClr val="000000">
+                <a:alpha val="48000"/>
+              </a:srgbClr>
+            </a:outerShdw>
+          </a:effectLst>
           <a:latin typeface="+mn-lt"/>
           <a:ea typeface="+mn-ea"/>
           <a:cs typeface="+mn-cs"/>
         </a:defRPr>
       </a:lvl3pPr>
-      <a:lvl4pPr marL="1005840" indent="-182880" algn="l" defTabSz="914400" rtl="0" eaLnBrk="1" latinLnBrk="0" hangingPunct="1">
+      <a:lvl4pPr marL="1600200" indent="-228600" algn="l" defTabSz="914400" rtl="0" eaLnBrk="1" latinLnBrk="0" hangingPunct="1">
         <a:lnSpc>
-          <a:spcPct val="90000"/>
+          <a:spcPct val="120000"/>
         </a:lnSpc>
         <a:spcBef>
-          <a:spcPts val="300"/>
+          <a:spcPts val="500"/>
         </a:spcBef>
-        <a:spcAft>
-          <a:spcPts val="300"/>
-        </a:spcAft>
-        <a:buClr>
-          <a:schemeClr val="accent1"/>
-        </a:buClr>
-        <a:buFont typeface="Wingdings 2" pitchFamily="18" charset="2"/>
-        <a:buChar char=""/>
+        <a:buFont typeface="Arial" panose="020B0604020202020204" pitchFamily="34" charset="0"/>
+        <a:buChar char="•"/>
         <a:defRPr sz="1400" kern="1200">
           <a:solidFill>
-            <a:schemeClr val="tx1">
-              <a:lumMod val="85000"/>
-              <a:lumOff val="15000"/>
-            </a:schemeClr>
+            <a:schemeClr val="tx1"/>
           </a:solidFill>
+          <a:effectLst>
+            <a:outerShdw blurRad="50800" dist="38100" dir="2700000" algn="tl" rotWithShape="0">
+              <a:srgbClr val="000000">
+                <a:alpha val="48000"/>
+              </a:srgbClr>
+            </a:outerShdw>
+          </a:effectLst>
           <a:latin typeface="+mn-lt"/>
           <a:ea typeface="+mn-ea"/>
           <a:cs typeface="+mn-cs"/>
         </a:defRPr>
       </a:lvl4pPr>
-      <a:lvl5pPr marL="1280160" indent="-182880" algn="l" defTabSz="914400" rtl="0" eaLnBrk="1" latinLnBrk="0" hangingPunct="1">
+      <a:lvl5pPr marL="2057400" indent="-228600" algn="l" defTabSz="914400" rtl="0" eaLnBrk="1" latinLnBrk="0" hangingPunct="1">
         <a:lnSpc>
-          <a:spcPct val="90000"/>
+          <a:spcPct val="120000"/>
         </a:lnSpc>
         <a:spcBef>
-          <a:spcPts val="300"/>
+          <a:spcPts val="500"/>
         </a:spcBef>
-        <a:spcAft>
-          <a:spcPts val="300"/>
-        </a:spcAft>
-        <a:buClr>
-          <a:schemeClr val="accent1"/>
-        </a:buClr>
-        <a:buFont typeface="Wingdings 2" pitchFamily="18" charset="2"/>
-        <a:buChar char=""/>
-        <a:defRPr sz="1400" kern="1200">
+        <a:buFont typeface="Arial" panose="020B0604020202020204" pitchFamily="34" charset="0"/>
+        <a:buChar char="•"/>
+        <a:defRPr sz="1200" kern="1200">
           <a:solidFill>
-            <a:schemeClr val="tx1">
-              <a:lumMod val="85000"/>
-              <a:lumOff val="15000"/>
-            </a:schemeClr>
+            <a:schemeClr val="tx1"/>
           </a:solidFill>
+          <a:effectLst>
+            <a:outerShdw blurRad="50800" dist="38100" dir="2700000" algn="tl" rotWithShape="0">
+              <a:srgbClr val="000000">
+                <a:alpha val="48000"/>
+              </a:srgbClr>
+            </a:outerShdw>
+          </a:effectLst>
           <a:latin typeface="+mn-lt"/>
           <a:ea typeface="+mn-ea"/>
           <a:cs typeface="+mn-cs"/>
         </a:defRPr>
       </a:lvl5pPr>
-      <a:lvl6pPr marL="1600000" indent="-228600" algn="l" defTabSz="914400" rtl="0" eaLnBrk="1" latinLnBrk="0" hangingPunct="1">
+      <a:lvl6pPr marL="2514600" indent="-228600" algn="l" defTabSz="914400" rtl="0" eaLnBrk="1" latinLnBrk="0" hangingPunct="1">
         <a:lnSpc>
-          <a:spcPct val="90000"/>
+          <a:spcPct val="120000"/>
         </a:lnSpc>
         <a:spcBef>
-          <a:spcPts val="300"/>
+          <a:spcPts val="500"/>
         </a:spcBef>
-        <a:spcAft>
-          <a:spcPts val="300"/>
-        </a:spcAft>
-        <a:buClr>
-          <a:schemeClr val="accent1"/>
-        </a:buClr>
-        <a:buFont typeface="Wingdings 2" pitchFamily="18" charset="2"/>
-        <a:buChar char=""/>
-        <a:defRPr sz="1400" kern="1200">
+        <a:buFont typeface="Arial" panose="020B0604020202020204" pitchFamily="34" charset="0"/>
+        <a:buChar char="•"/>
+        <a:defRPr sz="1200" kern="1200">
           <a:solidFill>
-            <a:schemeClr val="tx1">
-              <a:lumMod val="85000"/>
-              <a:lumOff val="15000"/>
-            </a:schemeClr>
+            <a:schemeClr val="tx1"/>
           </a:solidFill>
+          <a:effectLst>
+            <a:outerShdw blurRad="50800" dist="38100" dir="2700000" algn="tl" rotWithShape="0">
+              <a:srgbClr val="000000">
+                <a:alpha val="48000"/>
+              </a:srgbClr>
+            </a:outerShdw>
+          </a:effectLst>
           <a:latin typeface="+mn-lt"/>
           <a:ea typeface="+mn-ea"/>
           <a:cs typeface="+mn-cs"/>
         </a:defRPr>
       </a:lvl6pPr>
-      <a:lvl7pPr marL="1900000" indent="-228600" algn="l" defTabSz="914400" rtl="0" eaLnBrk="1" latinLnBrk="0" hangingPunct="1">
+      <a:lvl7pPr marL="2971800" indent="-228600" algn="l" defTabSz="914400" rtl="0" eaLnBrk="1" latinLnBrk="0" hangingPunct="1">
         <a:lnSpc>
-          <a:spcPct val="90000"/>
+          <a:spcPct val="120000"/>
         </a:lnSpc>
         <a:spcBef>
-          <a:spcPts val="300"/>
+          <a:spcPts val="500"/>
         </a:spcBef>
-        <a:spcAft>
-          <a:spcPts val="300"/>
-        </a:spcAft>
-        <a:buClr>
-          <a:schemeClr val="accent1"/>
-        </a:buClr>
-        <a:buFont typeface="Wingdings 2" pitchFamily="18" charset="2"/>
-        <a:buChar char=""/>
-        <a:defRPr sz="1400" kern="1200">
+        <a:buFont typeface="Arial" panose="020B0604020202020204" pitchFamily="34" charset="0"/>
+        <a:buChar char="•"/>
+        <a:defRPr sz="1200" kern="1200">
           <a:solidFill>
-            <a:schemeClr val="tx1">
-              <a:lumMod val="85000"/>
-              <a:lumOff val="15000"/>
-            </a:schemeClr>
+            <a:schemeClr val="tx1"/>
           </a:solidFill>
+          <a:effectLst>
+            <a:outerShdw blurRad="50800" dist="38100" dir="2700000" algn="tl" rotWithShape="0">
+              <a:srgbClr val="000000">
+                <a:alpha val="48000"/>
+              </a:srgbClr>
+            </a:outerShdw>
+          </a:effectLst>
           <a:latin typeface="+mn-lt"/>
           <a:ea typeface="+mn-ea"/>
           <a:cs typeface="+mn-cs"/>
         </a:defRPr>
       </a:lvl7pPr>
-      <a:lvl8pPr marL="2200000" indent="-228600" algn="l" defTabSz="914400" rtl="0" eaLnBrk="1" latinLnBrk="0" hangingPunct="1">
+      <a:lvl8pPr marL="3429000" indent="-228600" algn="l" defTabSz="914400" rtl="0" eaLnBrk="1" latinLnBrk="0" hangingPunct="1">
         <a:lnSpc>
-          <a:spcPct val="90000"/>
+          <a:spcPct val="120000"/>
         </a:lnSpc>
         <a:spcBef>
-          <a:spcPts val="300"/>
+          <a:spcPts val="500"/>
         </a:spcBef>
-        <a:spcAft>
-          <a:spcPts val="300"/>
-        </a:spcAft>
-        <a:buClr>
-          <a:schemeClr val="accent1"/>
-        </a:buClr>
-        <a:buFont typeface="Wingdings 2" pitchFamily="18" charset="2"/>
-        <a:buChar char=""/>
-        <a:defRPr sz="1400" kern="1200">
+        <a:buFont typeface="Arial" panose="020B0604020202020204" pitchFamily="34" charset="0"/>
+        <a:buChar char="•"/>
+        <a:defRPr sz="1200" kern="1200">
           <a:solidFill>
-            <a:schemeClr val="tx1">
-              <a:lumMod val="85000"/>
-              <a:lumOff val="15000"/>
-            </a:schemeClr>
+            <a:schemeClr val="tx1"/>
           </a:solidFill>
+          <a:effectLst>
+            <a:outerShdw blurRad="50800" dist="38100" dir="2700000" algn="tl" rotWithShape="0">
+              <a:srgbClr val="000000">
+                <a:alpha val="48000"/>
+              </a:srgbClr>
+            </a:outerShdw>
+          </a:effectLst>
           <a:latin typeface="+mn-lt"/>
           <a:ea typeface="+mn-ea"/>
           <a:cs typeface="+mn-cs"/>
         </a:defRPr>
       </a:lvl8pPr>
-      <a:lvl9pPr marL="2500000" indent="-228600" algn="l" defTabSz="914400" rtl="0" eaLnBrk="1" latinLnBrk="0" hangingPunct="1">
+      <a:lvl9pPr marL="3886200" indent="-228600" algn="l" defTabSz="914400" rtl="0" eaLnBrk="1" latinLnBrk="0" hangingPunct="1">
         <a:lnSpc>
-          <a:spcPct val="90000"/>
+          <a:spcPct val="120000"/>
         </a:lnSpc>
         <a:spcBef>
-          <a:spcPts val="300"/>
+          <a:spcPts val="500"/>
         </a:spcBef>
-        <a:spcAft>
-          <a:spcPts val="300"/>
-        </a:spcAft>
-        <a:buClr>
-          <a:schemeClr val="accent1"/>
-        </a:buClr>
-        <a:buFont typeface="Wingdings 2" pitchFamily="18" charset="2"/>
-        <a:buChar char=""/>
-        <a:defRPr sz="1400" kern="1200">
+        <a:buFont typeface="Arial" panose="020B0604020202020204" pitchFamily="34" charset="0"/>
+        <a:buChar char="•"/>
+        <a:defRPr sz="1200" kern="1200">
           <a:solidFill>
-            <a:schemeClr val="tx1">
-              <a:lumMod val="85000"/>
-              <a:lumOff val="15000"/>
-            </a:schemeClr>
+            <a:schemeClr val="tx1"/>
           </a:solidFill>
+          <a:effectLst>
+            <a:outerShdw blurRad="50800" dist="38100" dir="2700000" algn="tl" rotWithShape="0">
+              <a:srgbClr val="000000">
+                <a:alpha val="48000"/>
+              </a:srgbClr>
+            </a:outerShdw>
+          </a:effectLst>
           <a:latin typeface="+mn-lt"/>
           <a:ea typeface="+mn-ea"/>
           <a:cs typeface="+mn-cs"/>
@@ -3473,7 +5647,7 @@
         </p:spPr>
         <p:txBody>
           <a:bodyPr>
-            <a:normAutofit/>
+            <a:normAutofit fontScale="90000"/>
           </a:bodyPr>
           <a:lstStyle/>
           <a:p>
@@ -3482,7 +5656,6 @@
               <a:rPr lang="ru-RU" sz="2800" dirty="0"/>
               <a:t>РАЗРАБОТКА ЭЛЕКТРОННОЙ БИБЛИОТЕКИ ДЛЯ МОБИЛЬНЫХ УСТРОЙСТВ</a:t>
             </a:r>
-            <a:endParaRPr lang="ru-RU" sz="2800" dirty="0"/>
           </a:p>
         </p:txBody>
       </p:sp>
@@ -3776,11 +5949,7 @@
           <a:p>
             <a:r>
               <a:rPr lang="ru-RU" dirty="0" smtClean="0"/>
-              <a:t>Презентация по </a:t>
-            </a:r>
-            <a:r>
-              <a:rPr lang="ru-RU" dirty="0" smtClean="0"/>
-              <a:t>курсовому проекту</a:t>
+              <a:t>Презентация по курсовому проекту</a:t>
             </a:r>
             <a:endParaRPr lang="ru-RU" dirty="0"/>
           </a:p>
@@ -3796,11 +5965,11 @@
   <p:clrMapOvr>
     <a:masterClrMapping/>
   </p:clrMapOvr>
-  <mc:AlternateContent xmlns:mc="http://schemas.openxmlformats.org/markup-compatibility/2006">
-    <mc:Choice xmlns:p14="http://schemas.microsoft.com/office/powerpoint/2010/main" Requires="p14">
+  <mc:AlternateContent xmlns:mc="http://schemas.openxmlformats.org/markup-compatibility/2006" xmlns:p14="http://schemas.microsoft.com/office/powerpoint/2010/main">
+    <mc:Choice Requires="p14">
       <p:transition spd="slow" p14:dur="2000"/>
     </mc:Choice>
-    <mc:Fallback>
+    <mc:Fallback xmlns="">
       <p:transition spd="slow"/>
     </mc:Fallback>
   </mc:AlternateContent>
@@ -3866,46 +6035,22 @@
         </p:nvSpPr>
         <p:spPr/>
         <p:txBody>
-          <a:bodyPr/>
-          <a:lstStyle/>
-          <a:p>
-            <a:r>
-              <a:rPr lang="ru-RU" dirty="0"/>
-              <a:t>Наименование программного продукта «</a:t>
-            </a:r>
-            <a:r>
-              <a:rPr lang="en-US" dirty="0" err="1"/>
-              <a:t>LibOnLib</a:t>
-            </a:r>
-            <a:r>
-              <a:rPr lang="ru-RU" dirty="0"/>
-              <a:t>». Продукт представляет собой мобильное приложение, которое будет использоваться на мобильных </a:t>
-            </a:r>
-            <a:r>
-              <a:rPr lang="ru-RU" dirty="0" err="1" smtClean="0"/>
-              <a:t>устройствах.Актуальность</a:t>
-            </a:r>
-            <a:r>
-              <a:rPr lang="ru-RU" dirty="0" smtClean="0"/>
-              <a:t> </a:t>
-            </a:r>
-            <a:r>
-              <a:rPr lang="ru-RU" dirty="0"/>
-              <a:t>работы заключается в необходимости разработки мобильного приложения для </a:t>
-            </a:r>
-            <a:r>
-              <a:rPr lang="ru-RU" dirty="0" err="1" smtClean="0"/>
-              <a:t>библиотеки.Данное</a:t>
-            </a:r>
-            <a:r>
-              <a:rPr lang="ru-RU" dirty="0" smtClean="0"/>
-              <a:t> </a:t>
-            </a:r>
-            <a:r>
-              <a:rPr lang="ru-RU" dirty="0"/>
-              <a:t>приложение позволит клиентам библиотеки читать их любимые книги, не приобретая печатный вариант произведения.</a:t>
-            </a:r>
-            <a:endParaRPr lang="ru-RU" dirty="0"/>
+          <a:bodyPr>
+            <a:normAutofit/>
+          </a:bodyPr>
+          <a:lstStyle/>
+          <a:p>
+            <a:r>
+              <a:rPr lang="ru-RU" sz="2800" dirty="0" smtClean="0"/>
+              <a:t>Вы любите читать, но не любите тратить деньга на книги? Данное приложение позволит решить это проблему.</a:t>
+            </a:r>
+          </a:p>
+          <a:p>
+            <a:r>
+              <a:rPr lang="ru-RU" sz="2800" dirty="0" smtClean="0"/>
+              <a:t>Просто выберите книгу для чтения из каталога и наслаждайтесь.</a:t>
+            </a:r>
+            <a:endParaRPr lang="ru-RU" sz="2800" dirty="0"/>
           </a:p>
         </p:txBody>
       </p:sp>
@@ -3919,11 +6064,11 @@
   <p:clrMapOvr>
     <a:masterClrMapping/>
   </p:clrMapOvr>
-  <mc:AlternateContent xmlns:mc="http://schemas.openxmlformats.org/markup-compatibility/2006">
-    <mc:Choice xmlns:p14="http://schemas.microsoft.com/office/powerpoint/2010/main" Requires="p14">
+  <mc:AlternateContent xmlns:mc="http://schemas.openxmlformats.org/markup-compatibility/2006" xmlns:p14="http://schemas.microsoft.com/office/powerpoint/2010/main">
+    <mc:Choice Requires="p14">
       <p:transition spd="slow" p14:dur="2000"/>
     </mc:Choice>
-    <mc:Fallback>
+    <mc:Fallback xmlns="">
       <p:transition spd="slow"/>
     </mc:Fallback>
   </mc:AlternateContent>
@@ -3969,7 +6114,11 @@
           <a:bodyPr/>
           <a:lstStyle/>
           <a:p>
-            <a:endParaRPr lang="ru-RU"/>
+            <a:r>
+              <a:rPr lang="ru-RU" dirty="0"/>
+              <a:t>Цель работы</a:t>
+            </a:r>
+            <a:endParaRPr lang="ru-RU" dirty="0"/>
           </a:p>
         </p:txBody>
       </p:sp>
@@ -3985,10 +6134,15 @@
         </p:nvSpPr>
         <p:spPr/>
         <p:txBody>
-          <a:bodyPr/>
-          <a:lstStyle/>
-          <a:p>
-            <a:endParaRPr lang="ru-RU"/>
+          <a:bodyPr>
+            <a:normAutofit/>
+          </a:bodyPr>
+          <a:lstStyle/>
+          <a:p>
+            <a:r>
+              <a:rPr lang="ru-RU" sz="2400" dirty="0"/>
+              <a:t>Целью курсовой работы является разработка электронной библиотеки для мобильных устройств. </a:t>
+            </a:r>
           </a:p>
         </p:txBody>
       </p:sp>
@@ -4037,7 +6191,11 @@
           <a:bodyPr/>
           <a:lstStyle/>
           <a:p>
-            <a:endParaRPr lang="ru-RU"/>
+            <a:r>
+              <a:rPr lang="ru-RU" dirty="0" smtClean="0"/>
+              <a:t>Разработка</a:t>
+            </a:r>
+            <a:endParaRPr lang="ru-RU" dirty="0"/>
           </a:p>
         </p:txBody>
       </p:sp>
@@ -4053,10 +6211,87 @@
         </p:nvSpPr>
         <p:spPr/>
         <p:txBody>
-          <a:bodyPr/>
-          <a:lstStyle/>
-          <a:p>
-            <a:endParaRPr lang="ru-RU"/>
+          <a:bodyPr>
+            <a:noAutofit/>
+          </a:bodyPr>
+          <a:lstStyle/>
+          <a:p>
+            <a:pPr marL="0" indent="0">
+              <a:buNone/>
+            </a:pPr>
+            <a:r>
+              <a:rPr lang="ru-RU" sz="2400" dirty="0" smtClean="0"/>
+              <a:t>Разработка программного продукта включала в себя следующие задачи:</a:t>
+            </a:r>
+            <a:endParaRPr lang="ru-RU" sz="2400" dirty="0"/>
+          </a:p>
+          <a:p>
+            <a:pPr lvl="0">
+              <a:buFont typeface="Symbol" panose="05050102010706020507" pitchFamily="18" charset="2"/>
+              <a:buChar char=""/>
+            </a:pPr>
+            <a:r>
+              <a:rPr lang="ru-RU" sz="2400" dirty="0" smtClean="0"/>
+              <a:t>изучение плагинов </a:t>
+            </a:r>
+            <a:r>
+              <a:rPr lang="ru-RU" sz="2400" dirty="0"/>
+              <a:t>и </a:t>
+            </a:r>
+            <a:r>
+              <a:rPr lang="ru-RU" sz="2400" dirty="0" smtClean="0"/>
+              <a:t>библиотек </a:t>
+            </a:r>
+            <a:r>
+              <a:rPr lang="en-US" sz="2400" dirty="0"/>
+              <a:t>IDE Android Studio</a:t>
+            </a:r>
+            <a:endParaRPr lang="ru-RU" sz="2400" dirty="0"/>
+          </a:p>
+          <a:p>
+            <a:pPr lvl="0">
+              <a:buFont typeface="Symbol" panose="05050102010706020507" pitchFamily="18" charset="2"/>
+              <a:buChar char=""/>
+            </a:pPr>
+            <a:r>
+              <a:rPr lang="ru-RU" sz="2400" dirty="0" smtClean="0"/>
+              <a:t>изучение работы </a:t>
+            </a:r>
+            <a:r>
+              <a:rPr lang="ru-RU" sz="2400" dirty="0"/>
+              <a:t>с базой данных </a:t>
+            </a:r>
+            <a:r>
+              <a:rPr lang="en-US" sz="2400" dirty="0"/>
+              <a:t>SQLite</a:t>
+            </a:r>
+            <a:endParaRPr lang="ru-RU" sz="2400" dirty="0"/>
+          </a:p>
+          <a:p>
+            <a:pPr lvl="0">
+              <a:buFont typeface="Symbol" panose="05050102010706020507" pitchFamily="18" charset="2"/>
+              <a:buChar char=""/>
+            </a:pPr>
+            <a:r>
+              <a:rPr lang="ru-RU" sz="2400" dirty="0" smtClean="0"/>
+              <a:t>проектирование дизайна </a:t>
+            </a:r>
+            <a:r>
+              <a:rPr lang="ru-RU" sz="2400" dirty="0"/>
+              <a:t>мобильного приложения </a:t>
+            </a:r>
+            <a:endParaRPr lang="ru-RU" sz="2400" dirty="0" smtClean="0"/>
+          </a:p>
+          <a:p>
+            <a:pPr lvl="0">
+              <a:buFont typeface="Symbol" panose="05050102010706020507" pitchFamily="18" charset="2"/>
+              <a:buChar char=""/>
+            </a:pPr>
+            <a:r>
+              <a:rPr lang="ru-RU" sz="2400" dirty="0" smtClean="0"/>
+              <a:t>разработка функционала мобильного приложения</a:t>
+            </a:r>
+            <a:endParaRPr lang="ru-RU" sz="2400" dirty="0"/>
           </a:p>
         </p:txBody>
       </p:sp>
@@ -4105,7 +6340,11 @@
           <a:bodyPr/>
           <a:lstStyle/>
           <a:p>
-            <a:endParaRPr lang="ru-RU"/>
+            <a:r>
+              <a:rPr lang="ru-RU" dirty="0"/>
+              <a:t>Актуальность</a:t>
+            </a:r>
+            <a:endParaRPr lang="ru-RU" dirty="0"/>
           </a:p>
         </p:txBody>
       </p:sp>
@@ -4121,10 +6360,19 @@
         </p:nvSpPr>
         <p:spPr/>
         <p:txBody>
-          <a:bodyPr/>
-          <a:lstStyle/>
-          <a:p>
-            <a:endParaRPr lang="ru-RU"/>
+          <a:bodyPr>
+            <a:normAutofit/>
+          </a:bodyPr>
+          <a:lstStyle/>
+          <a:p>
+            <a:r>
+              <a:rPr lang="ru-RU" sz="2400" dirty="0"/>
+              <a:t>В наше время трудно представить жизнь человека без гаджетов и технологий. </a:t>
+            </a:r>
+            <a:r>
+              <a:rPr lang="ru-RU" sz="2400" dirty="0" smtClean="0"/>
+              <a:t>Данное мобильное приложение позволит пользователям читать их любимые книги, не приобретая печатный вариант произведения.</a:t>
+            </a:r>
           </a:p>
         </p:txBody>
       </p:sp>
@@ -4173,7 +6421,11 @@
           <a:bodyPr/>
           <a:lstStyle/>
           <a:p>
-            <a:endParaRPr lang="ru-RU"/>
+            <a:r>
+              <a:rPr lang="ru-RU" dirty="0" smtClean="0"/>
+              <a:t>Используемые программы</a:t>
+            </a:r>
+            <a:endParaRPr lang="ru-RU" dirty="0"/>
           </a:p>
         </p:txBody>
       </p:sp>
@@ -4192,10 +6444,147 @@
           <a:bodyPr/>
           <a:lstStyle/>
           <a:p>
-            <a:endParaRPr lang="ru-RU"/>
-          </a:p>
-        </p:txBody>
-      </p:sp>
+            <a:pPr>
+              <a:buFont typeface="Symbol" panose="05050102010706020507" pitchFamily="18" charset="2"/>
+              <a:buChar char="-"/>
+            </a:pPr>
+            <a:r>
+              <a:rPr lang="en-US" dirty="0"/>
+              <a:t>Android Studio</a:t>
+            </a:r>
+            <a:r>
+              <a:rPr lang="ru-RU" dirty="0"/>
+              <a:t>;</a:t>
+            </a:r>
+          </a:p>
+          <a:p>
+            <a:pPr>
+              <a:buFont typeface="Symbol" panose="05050102010706020507" pitchFamily="18" charset="2"/>
+              <a:buChar char="-"/>
+            </a:pPr>
+            <a:r>
+              <a:rPr lang="en-US" dirty="0"/>
+              <a:t>BD Browser for </a:t>
+            </a:r>
+            <a:r>
+              <a:rPr lang="en-US" dirty="0" smtClean="0"/>
+              <a:t>SQLite</a:t>
+            </a:r>
+            <a:r>
+              <a:rPr lang="ru-RU" dirty="0" smtClean="0"/>
+              <a:t>;</a:t>
+            </a:r>
+          </a:p>
+          <a:p>
+            <a:pPr>
+              <a:buFont typeface="Symbol" panose="05050102010706020507" pitchFamily="18" charset="2"/>
+              <a:buChar char="-"/>
+            </a:pPr>
+            <a:r>
+              <a:rPr lang="en-US" dirty="0" err="1" smtClean="0"/>
+              <a:t>AdobeXD</a:t>
+            </a:r>
+            <a:r>
+              <a:rPr lang="en-US" dirty="0" smtClean="0"/>
+              <a:t>.</a:t>
+            </a:r>
+            <a:endParaRPr lang="ru-RU" dirty="0" smtClean="0"/>
+          </a:p>
+          <a:p>
+            <a:pPr>
+              <a:buFont typeface="Symbol" panose="05050102010706020507" pitchFamily="18" charset="2"/>
+              <a:buChar char="-"/>
+            </a:pPr>
+            <a:endParaRPr lang="ru-RU" dirty="0"/>
+          </a:p>
+          <a:p>
+            <a:pPr>
+              <a:buFont typeface="Symbol" panose="05050102010706020507" pitchFamily="18" charset="2"/>
+              <a:buChar char="-"/>
+            </a:pPr>
+            <a:endParaRPr lang="ru-RU" dirty="0" smtClean="0"/>
+          </a:p>
+          <a:p>
+            <a:pPr>
+              <a:buFont typeface="Symbol" panose="05050102010706020507" pitchFamily="18" charset="2"/>
+              <a:buChar char="-"/>
+            </a:pPr>
+            <a:endParaRPr lang="ru-RU" dirty="0"/>
+          </a:p>
+        </p:txBody>
+      </p:sp>
+      <p:pic>
+        <p:nvPicPr>
+          <p:cNvPr id="4" name="Рисунок 3"/>
+          <p:cNvPicPr>
+            <a:picLocks noChangeAspect="1"/>
+          </p:cNvPicPr>
+          <p:nvPr/>
+        </p:nvPicPr>
+        <p:blipFill>
+          <a:blip r:embed="rId2"/>
+          <a:stretch>
+            <a:fillRect/>
+          </a:stretch>
+        </p:blipFill>
+        <p:spPr>
+          <a:xfrm>
+            <a:off x="637984" y="4004468"/>
+            <a:ext cx="2347602" cy="2154648"/>
+          </a:xfrm>
+          <a:prstGeom prst="rect">
+            <a:avLst/>
+          </a:prstGeom>
+        </p:spPr>
+      </p:pic>
+      <p:pic>
+        <p:nvPicPr>
+          <p:cNvPr id="5" name="Рисунок 4"/>
+          <p:cNvPicPr>
+            <a:picLocks noChangeAspect="1"/>
+          </p:cNvPicPr>
+          <p:nvPr/>
+        </p:nvPicPr>
+        <p:blipFill>
+          <a:blip r:embed="rId3"/>
+          <a:stretch>
+            <a:fillRect/>
+          </a:stretch>
+        </p:blipFill>
+        <p:spPr>
+          <a:xfrm>
+            <a:off x="4416767" y="3368664"/>
+            <a:ext cx="2004642" cy="2010791"/>
+          </a:xfrm>
+          <a:prstGeom prst="rect">
+            <a:avLst/>
+          </a:prstGeom>
+        </p:spPr>
+      </p:pic>
+      <p:pic>
+        <p:nvPicPr>
+          <p:cNvPr id="6" name="Рисунок 5"/>
+          <p:cNvPicPr>
+            <a:picLocks noChangeAspect="1"/>
+          </p:cNvPicPr>
+          <p:nvPr/>
+        </p:nvPicPr>
+        <p:blipFill>
+          <a:blip r:embed="rId4"/>
+          <a:stretch>
+            <a:fillRect/>
+          </a:stretch>
+        </p:blipFill>
+        <p:spPr>
+          <a:xfrm>
+            <a:off x="6926941" y="4603461"/>
+            <a:ext cx="4108783" cy="1937976"/>
+          </a:xfrm>
+          <a:prstGeom prst="rect">
+            <a:avLst/>
+          </a:prstGeom>
+        </p:spPr>
+      </p:pic>
     </p:spTree>
     <p:extLst>
       <p:ext uri="{BB962C8B-B14F-4D97-AF65-F5344CB8AC3E}">
@@ -4236,34 +6625,320 @@
             <p:ph type="title"/>
           </p:nvPr>
         </p:nvSpPr>
-        <p:spPr/>
+        <p:spPr>
+          <a:xfrm>
+            <a:off x="913795" y="515539"/>
+            <a:ext cx="10353761" cy="1326321"/>
+          </a:xfrm>
+        </p:spPr>
         <p:txBody>
           <a:bodyPr/>
           <a:lstStyle/>
           <a:p>
-            <a:endParaRPr lang="ru-RU"/>
-          </a:p>
-        </p:txBody>
-      </p:sp>
-      <p:sp>
-        <p:nvSpPr>
-          <p:cNvPr id="3" name="Объект 2"/>
-          <p:cNvSpPr>
-            <a:spLocks noGrp="1"/>
-          </p:cNvSpPr>
+            <a:r>
+              <a:rPr lang="ru-RU" dirty="0" smtClean="0"/>
+              <a:t>Интерфейс и цветовая гамма приложения</a:t>
+            </a:r>
+            <a:endParaRPr lang="ru-RU" dirty="0"/>
+          </a:p>
+        </p:txBody>
+      </p:sp>
+      <p:pic>
+        <p:nvPicPr>
+          <p:cNvPr id="7" name="Объект 6"/>
+          <p:cNvPicPr>
+            <a:picLocks noGrp="1" noChangeAspect="1"/>
+          </p:cNvPicPr>
           <p:nvPr>
             <p:ph idx="1"/>
           </p:nvPr>
-        </p:nvSpPr>
-        <p:spPr/>
-        <p:txBody>
-          <a:bodyPr/>
-          <a:lstStyle/>
-          <a:p>
-            <a:endParaRPr lang="ru-RU"/>
-          </a:p>
-        </p:txBody>
-      </p:sp>
+        </p:nvPicPr>
+        <p:blipFill>
+          <a:blip r:embed="rId2"/>
+          <a:stretch>
+            <a:fillRect/>
+          </a:stretch>
+        </p:blipFill>
+        <p:spPr>
+          <a:xfrm>
+            <a:off x="377431" y="1775831"/>
+            <a:ext cx="1880187" cy="3695700"/>
+          </a:xfrm>
+          <a:prstGeom prst="rect">
+            <a:avLst/>
+          </a:prstGeom>
+        </p:spPr>
+      </p:pic>
+      <p:pic>
+        <p:nvPicPr>
+          <p:cNvPr id="2050" name="Picture 2" descr="fone"/>
+          <p:cNvPicPr>
+            <a:picLocks noChangeAspect="1" noChangeArrowheads="1"/>
+          </p:cNvPicPr>
+          <p:nvPr/>
+        </p:nvPicPr>
+        <p:blipFill>
+          <a:blip r:embed="rId3" cstate="print">
+            <a:extLst>
+              <a:ext uri="{28A0092B-C50C-407E-A947-70E740481C1C}">
+                <a14:useLocalDpi xmlns:a14="http://schemas.microsoft.com/office/drawing/2010/main" val="0"/>
+              </a:ext>
+            </a:extLst>
+          </a:blip>
+          <a:srcRect/>
+          <a:stretch>
+            <a:fillRect/>
+          </a:stretch>
+        </p:blipFill>
+        <p:spPr bwMode="auto">
+          <a:xfrm rot="5400000">
+            <a:off x="8481149" y="3498020"/>
+            <a:ext cx="4234574" cy="1012896"/>
+          </a:xfrm>
+          <a:prstGeom prst="rect">
+            <a:avLst/>
+          </a:prstGeom>
+          <a:noFill/>
+          <a:ln>
+            <a:noFill/>
+          </a:ln>
+          <a:extLst>
+            <a:ext uri="{909E8E84-426E-40DD-AFC4-6F175D3DCCD1}">
+              <a14:hiddenFill xmlns:a14="http://schemas.microsoft.com/office/drawing/2010/main">
+                <a:solidFill>
+                  <a:srgbClr val="FFFFFF"/>
+                </a:solidFill>
+              </a14:hiddenFill>
+            </a:ext>
+            <a:ext uri="{91240B29-F687-4F45-9708-019B960494DF}">
+              <a14:hiddenLine xmlns:a14="http://schemas.microsoft.com/office/drawing/2010/main" w="9525">
+                <a:solidFill>
+                  <a:srgbClr val="000000"/>
+                </a:solidFill>
+                <a:miter lim="800000"/>
+                <a:headEnd/>
+                <a:tailEnd/>
+              </a14:hiddenLine>
+            </a:ext>
+          </a:extLst>
+        </p:spPr>
+      </p:pic>
+      <p:sp>
+        <p:nvSpPr>
+          <p:cNvPr id="4" name="Прямоугольник 3"/>
+          <p:cNvSpPr/>
+          <p:nvPr/>
+        </p:nvSpPr>
+        <p:spPr>
+          <a:xfrm>
+            <a:off x="9086584" y="2253052"/>
+            <a:ext cx="1281120" cy="410882"/>
+          </a:xfrm>
+          <a:prstGeom prst="rect">
+            <a:avLst/>
+          </a:prstGeom>
+        </p:spPr>
+        <p:txBody>
+          <a:bodyPr wrap="square">
+            <a:spAutoFit/>
+          </a:bodyPr>
+          <a:lstStyle/>
+          <a:p>
+            <a:pPr lvl="0" algn="just">
+              <a:lnSpc>
+                <a:spcPct val="115000"/>
+              </a:lnSpc>
+              <a:spcAft>
+                <a:spcPts val="0"/>
+              </a:spcAft>
+              <a:tabLst>
+                <a:tab pos="630555" algn="l"/>
+              </a:tabLst>
+            </a:pPr>
+            <a:r>
+              <a:rPr lang="ru-RU" dirty="0" smtClean="0">
+                <a:latin typeface="Calibri" panose="020F0502020204030204" pitchFamily="34" charset="0"/>
+                <a:ea typeface="Calibri" panose="020F0502020204030204" pitchFamily="34" charset="0"/>
+                <a:cs typeface="Times New Roman" panose="02020603050405020304" pitchFamily="18" charset="0"/>
+              </a:rPr>
+              <a:t>#000000</a:t>
+            </a:r>
+            <a:endParaRPr lang="ru-RU" dirty="0">
+              <a:latin typeface="Calibri" panose="020F0502020204030204" pitchFamily="34" charset="0"/>
+              <a:ea typeface="Calibri" panose="020F0502020204030204" pitchFamily="34" charset="0"/>
+              <a:cs typeface="Times New Roman" panose="02020603050405020304" pitchFamily="18" charset="0"/>
+            </a:endParaRPr>
+          </a:p>
+        </p:txBody>
+      </p:sp>
+      <p:sp>
+        <p:nvSpPr>
+          <p:cNvPr id="5" name="Прямоугольник 4"/>
+          <p:cNvSpPr/>
+          <p:nvPr/>
+        </p:nvSpPr>
+        <p:spPr>
+          <a:xfrm>
+            <a:off x="9157116" y="5245692"/>
+            <a:ext cx="934871" cy="464871"/>
+          </a:xfrm>
+          <a:prstGeom prst="rect">
+            <a:avLst/>
+          </a:prstGeom>
+        </p:spPr>
+        <p:txBody>
+          <a:bodyPr wrap="none">
+            <a:spAutoFit/>
+          </a:bodyPr>
+          <a:lstStyle/>
+          <a:p>
+            <a:pPr lvl="0" algn="just">
+              <a:lnSpc>
+                <a:spcPct val="150000"/>
+              </a:lnSpc>
+              <a:spcAft>
+                <a:spcPts val="1000"/>
+              </a:spcAft>
+              <a:tabLst>
+                <a:tab pos="630555" algn="l"/>
+              </a:tabLst>
+            </a:pPr>
+            <a:r>
+              <a:rPr lang="ru-RU" dirty="0">
+                <a:latin typeface="Calibri" panose="020F0502020204030204" pitchFamily="34" charset="0"/>
+                <a:ea typeface="Calibri" panose="020F0502020204030204" pitchFamily="34" charset="0"/>
+                <a:cs typeface="Times New Roman" panose="02020603050405020304" pitchFamily="18" charset="0"/>
+              </a:rPr>
+              <a:t>#FFFFFF</a:t>
+            </a:r>
+            <a:endParaRPr lang="ru-RU" dirty="0">
+              <a:latin typeface="Calibri" panose="020F0502020204030204" pitchFamily="34" charset="0"/>
+              <a:ea typeface="Calibri" panose="020F0502020204030204" pitchFamily="34" charset="0"/>
+              <a:cs typeface="Times New Roman" panose="02020603050405020304" pitchFamily="18" charset="0"/>
+            </a:endParaRPr>
+          </a:p>
+        </p:txBody>
+      </p:sp>
+      <p:sp>
+        <p:nvSpPr>
+          <p:cNvPr id="6" name="Прямоугольник 5"/>
+          <p:cNvSpPr/>
+          <p:nvPr/>
+        </p:nvSpPr>
+        <p:spPr>
+          <a:xfrm>
+            <a:off x="9086584" y="3808388"/>
+            <a:ext cx="1005403" cy="392159"/>
+          </a:xfrm>
+          <a:prstGeom prst="rect">
+            <a:avLst/>
+          </a:prstGeom>
+        </p:spPr>
+        <p:txBody>
+          <a:bodyPr wrap="none">
+            <a:spAutoFit/>
+          </a:bodyPr>
+          <a:lstStyle/>
+          <a:p>
+            <a:pPr lvl="0" algn="just">
+              <a:lnSpc>
+                <a:spcPct val="115000"/>
+              </a:lnSpc>
+              <a:spcAft>
+                <a:spcPts val="0"/>
+              </a:spcAft>
+              <a:tabLst>
+                <a:tab pos="630555" algn="l"/>
+              </a:tabLst>
+            </a:pPr>
+            <a:r>
+              <a:rPr lang="ru-RU" dirty="0">
+                <a:latin typeface="Calibri" panose="020F0502020204030204" pitchFamily="34" charset="0"/>
+                <a:ea typeface="Calibri" panose="020F0502020204030204" pitchFamily="34" charset="0"/>
+                <a:cs typeface="Times New Roman" panose="02020603050405020304" pitchFamily="18" charset="0"/>
+              </a:rPr>
+              <a:t>#EB5000</a:t>
+            </a:r>
+            <a:endParaRPr lang="ru-RU" dirty="0">
+              <a:latin typeface="Calibri" panose="020F0502020204030204" pitchFamily="34" charset="0"/>
+              <a:ea typeface="Calibri" panose="020F0502020204030204" pitchFamily="34" charset="0"/>
+              <a:cs typeface="Times New Roman" panose="02020603050405020304" pitchFamily="18" charset="0"/>
+            </a:endParaRPr>
+          </a:p>
+        </p:txBody>
+      </p:sp>
+      <p:pic>
+        <p:nvPicPr>
+          <p:cNvPr id="8" name="Рисунок 7"/>
+          <p:cNvPicPr>
+            <a:picLocks noChangeAspect="1"/>
+          </p:cNvPicPr>
+          <p:nvPr/>
+        </p:nvPicPr>
+        <p:blipFill>
+          <a:blip r:embed="rId4"/>
+          <a:stretch>
+            <a:fillRect/>
+          </a:stretch>
+        </p:blipFill>
+        <p:spPr>
+          <a:xfrm>
+            <a:off x="2580831" y="3019422"/>
+            <a:ext cx="1859368" cy="3645820"/>
+          </a:xfrm>
+          <a:prstGeom prst="rect">
+            <a:avLst/>
+          </a:prstGeom>
+        </p:spPr>
+      </p:pic>
+      <p:pic>
+        <p:nvPicPr>
+          <p:cNvPr id="9" name="Рисунок 8"/>
+          <p:cNvPicPr>
+            <a:picLocks noChangeAspect="1"/>
+          </p:cNvPicPr>
+          <p:nvPr/>
+        </p:nvPicPr>
+        <p:blipFill>
+          <a:blip r:embed="rId5"/>
+          <a:stretch>
+            <a:fillRect/>
+          </a:stretch>
+        </p:blipFill>
+        <p:spPr>
+          <a:xfrm>
+            <a:off x="4763481" y="1782427"/>
+            <a:ext cx="1854731" cy="3645820"/>
+          </a:xfrm>
+          <a:prstGeom prst="rect">
+            <a:avLst/>
+          </a:prstGeom>
+        </p:spPr>
+      </p:pic>
+      <p:pic>
+        <p:nvPicPr>
+          <p:cNvPr id="10" name="Рисунок 9"/>
+          <p:cNvPicPr>
+            <a:picLocks noChangeAspect="1"/>
+          </p:cNvPicPr>
+          <p:nvPr/>
+        </p:nvPicPr>
+        <p:blipFill>
+          <a:blip r:embed="rId6"/>
+          <a:stretch>
+            <a:fillRect/>
+          </a:stretch>
+        </p:blipFill>
+        <p:spPr>
+          <a:xfrm>
+            <a:off x="6940641" y="2663934"/>
+            <a:ext cx="1894046" cy="3695700"/>
+          </a:xfrm>
+          <a:prstGeom prst="rect">
+            <a:avLst/>
+          </a:prstGeom>
+        </p:spPr>
+      </p:pic>
     </p:spTree>
     <p:extLst>
       <p:ext uri="{BB962C8B-B14F-4D97-AF65-F5344CB8AC3E}">
@@ -4309,7 +6984,11 @@
           <a:bodyPr/>
           <a:lstStyle/>
           <a:p>
-            <a:endParaRPr lang="ru-RU"/>
+            <a:r>
+              <a:rPr lang="ru-RU" dirty="0" smtClean="0"/>
+              <a:t>Заключение</a:t>
+            </a:r>
+            <a:endParaRPr lang="ru-RU" dirty="0"/>
           </a:p>
         </p:txBody>
       </p:sp>
@@ -4325,10 +7004,56 @@
         </p:nvSpPr>
         <p:spPr/>
         <p:txBody>
-          <a:bodyPr/>
-          <a:lstStyle/>
-          <a:p>
-            <a:endParaRPr lang="ru-RU"/>
+          <a:bodyPr>
+            <a:normAutofit/>
+          </a:bodyPr>
+          <a:lstStyle/>
+          <a:p>
+            <a:r>
+              <a:rPr lang="ru-RU" sz="2400" dirty="0">
+                <a:effectLst/>
+              </a:rPr>
+              <a:t>Проведя анализ всей курсовой работы можно сказать, что было создано подходящее по всем требованиям приложение. Приложение разрабатывалось на платформе </a:t>
+            </a:r>
+            <a:r>
+              <a:rPr lang="en-US" sz="2400" dirty="0">
+                <a:effectLst/>
+              </a:rPr>
+              <a:t>Android</a:t>
+            </a:r>
+            <a:r>
+              <a:rPr lang="ru-RU" sz="2400" dirty="0">
+                <a:effectLst/>
+              </a:rPr>
+              <a:t>. База данных для приложения размещена на свободно распространяемом сервере </a:t>
+            </a:r>
+            <a:r>
+              <a:rPr lang="en-US" sz="2400" dirty="0">
+                <a:effectLst/>
+              </a:rPr>
+              <a:t>SQLite</a:t>
+            </a:r>
+            <a:r>
+              <a:rPr lang="ru-RU" sz="2400" dirty="0" smtClean="0">
+                <a:effectLst/>
+              </a:rPr>
+              <a:t>.</a:t>
+            </a:r>
+          </a:p>
+          <a:p>
+            <a:r>
+              <a:rPr lang="ru-RU" sz="2400" dirty="0" smtClean="0">
+                <a:effectLst/>
+              </a:rPr>
+              <a:t>В будущем будет добавлено множество различных функций. Одна из них будет функций «закладки» </a:t>
+            </a:r>
+            <a:r>
+              <a:rPr lang="ru-RU" sz="2400" dirty="0">
+                <a:effectLst/>
+              </a:rPr>
+              <a:t>для того, чтобы пользователь мог продолжить чтение с того, где остановился.</a:t>
+            </a:r>
+            <a:endParaRPr lang="ru-RU" sz="2800" dirty="0"/>
           </a:p>
         </p:txBody>
       </p:sp>
@@ -4346,58 +7071,93 @@
 </file>
 
 <file path=ppt/theme/theme1.xml><?xml version="1.0" encoding="utf-8"?>
-<a:theme xmlns:a="http://schemas.openxmlformats.org/drawingml/2006/main" name="View">
+<a:theme xmlns:a="http://schemas.openxmlformats.org/drawingml/2006/main" name="Damask">
   <a:themeElements>
-    <a:clrScheme name="View">
+    <a:clrScheme name="Damask">
       <a:dk1>
-        <a:srgbClr val="000000"/>
+        <a:sysClr val="windowText" lastClr="000000"/>
       </a:dk1>
       <a:lt1>
-        <a:srgbClr val="FFFFFF"/>
+        <a:sysClr val="window" lastClr="FFFFFF"/>
       </a:lt1>
       <a:dk2>
-        <a:srgbClr val="46464A"/>
+        <a:srgbClr val="2A5B7F"/>
       </a:dk2>
       <a:lt2>
-        <a:srgbClr val="D6D3CC"/>
+        <a:srgbClr val="ABDAFC"/>
       </a:lt2>
       <a:accent1>
-        <a:srgbClr val="6F6F74"/>
+        <a:srgbClr val="9EC544"/>
       </a:accent1>
       <a:accent2>
-        <a:srgbClr val="92A9B9"/>
+        <a:srgbClr val="50BEA3"/>
       </a:accent2>
       <a:accent3>
-        <a:srgbClr val="A7B789"/>
+        <a:srgbClr val="4A9CCC"/>
       </a:accent3>
       <a:accent4>
-        <a:srgbClr val="B9A489"/>
+        <a:srgbClr val="9A66CA"/>
       </a:accent4>
       <a:accent5>
-        <a:srgbClr val="8D6374"/>
+        <a:srgbClr val="C54F71"/>
       </a:accent5>
       <a:accent6>
-        <a:srgbClr val="9B7362"/>
+        <a:srgbClr val="DE9C3C"/>
       </a:accent6>
       <a:hlink>
-        <a:srgbClr val="67AABF"/>
+        <a:srgbClr val="6BA9DA"/>
       </a:hlink>
       <a:folHlink>
-        <a:srgbClr val="ABAFA5"/>
+        <a:srgbClr val="A0BCD3"/>
       </a:folHlink>
     </a:clrScheme>
-    <a:fontScheme name="View">
+    <a:fontScheme name="Damask">
       <a:majorFont>
-        <a:latin typeface="Century Schoolbook" panose="02040604050505020304"/>
+        <a:latin typeface="Bookman Old Style" panose="02050604050505020204"/>
         <a:ea typeface=""/>
         <a:cs typeface=""/>
-        <a:font script="Jpan" typeface="ＭＳ ゴシック"/>
+        <a:font script="Jpan" typeface="ＭＳ Ｐゴシック"/>
         <a:font script="Hang" typeface="맑은 고딕"/>
         <a:font script="Hans" typeface="宋体"/>
         <a:font script="Hant" typeface="新細明體"/>
-        <a:font script="Arab" typeface="Tahoma"/>
-        <a:font script="Hebr" typeface="Gisha"/>
-        <a:font script="Thai" typeface="DilleniaUPC"/>
+        <a:font script="Arab" typeface="Times New Roman"/>
+        <a:font script="Hebr" typeface="Times New Roman"/>
+        <a:font script="Thai" typeface="Angsana New"/>
+        <a:font script="Ethi" typeface="Nyala"/>
+        <a:font script="Beng" typeface="Vrinda"/>
+        <a:font script="Gujr" typeface="Shruti"/>
+        <a:font script="Khmr" typeface="MoolBoran"/>
+        <a:font script="Knda" typeface="Tunga"/>
+        <a:font script="Guru" typeface="Raavi"/>
+        <a:font script="Cans" typeface="Euphemia"/>
+        <a:font script="Cher" typeface="Plantagenet Cherokee"/>
+        <a:font script="Yiii" typeface="Microsoft Yi Baiti"/>
+        <a:font script="Tibt" typeface="Microsoft Himalaya"/>
+        <a:font script="Thaa" typeface="MV Boli"/>
+        <a:font script="Deva" typeface="Mangal"/>
+        <a:font script="Telu" typeface="Gautami"/>
+        <a:font script="Taml" typeface="Latha"/>
+        <a:font script="Syrc" typeface="Estrangelo Edessa"/>
+        <a:font script="Orya" typeface="Kalinga"/>
+        <a:font script="Mlym" typeface="Kartika"/>
+        <a:font script="Laoo" typeface="DokChampa"/>
+        <a:font script="Sinh" typeface="Iskoola Pota"/>
+        <a:font script="Mong" typeface="Mongolian Baiti"/>
+        <a:font script="Viet" typeface="Times New Roman"/>
+        <a:font script="Uigh" typeface="Microsoft Uighur"/>
+        <a:font script="Geor" typeface="Sylfaen"/>
+      </a:majorFont>
+      <a:minorFont>
+        <a:latin typeface="Rockwell" panose="02060603020205020403"/>
+        <a:ea typeface=""/>
+        <a:cs typeface=""/>
+        <a:font script="Jpan" typeface="ＭＳ Ｐゴシック"/>
+        <a:font script="Hang" typeface="맑은 고딕"/>
+        <a:font script="Hans" typeface="宋体"/>
+        <a:font script="Hant" typeface="新細明體"/>
+        <a:font script="Arab" typeface="Arial"/>
+        <a:font script="Hebr" typeface="Arial"/>
+        <a:font script="Thai" typeface="Cordia New"/>
         <a:font script="Ethi" typeface="Nyala"/>
         <a:font script="Beng" typeface="Vrinda"/>
         <a:font script="Gujr" typeface="Shruti"/>
@@ -4418,84 +7178,78 @@
         <a:font script="Laoo" typeface="DokChampa"/>
         <a:font script="Sinh" typeface="Iskoola Pota"/>
         <a:font script="Mong" typeface="Mongolian Baiti"/>
-        <a:font script="Viet" typeface="Tahoma"/>
-        <a:font script="Uigh" typeface="Microsoft Uighur"/>
-        <a:font script="Geor" typeface="Sylfaen"/>
-      </a:majorFont>
-      <a:minorFont>
-        <a:latin typeface="Century Schoolbook" panose="02040604050505020304"/>
-        <a:ea typeface=""/>
-        <a:cs typeface=""/>
-        <a:font script="Jpan" typeface="ＭＳ ゴシック"/>
-        <a:font script="Hang" typeface="맑은 고딕"/>
-        <a:font script="Hans" typeface="宋体"/>
-        <a:font script="Hant" typeface="新細明體"/>
-        <a:font script="Arab" typeface="Tahoma"/>
-        <a:font script="Hebr" typeface="Gisha"/>
-        <a:font script="Thai" typeface="DilleniaUPC"/>
-        <a:font script="Ethi" typeface="Nyala"/>
-        <a:font script="Beng" typeface="Vrinda"/>
-        <a:font script="Gujr" typeface="Shruti"/>
-        <a:font script="Khmr" typeface="DaunPenh"/>
-        <a:font script="Knda" typeface="Tunga"/>
-        <a:font script="Guru" typeface="Raavi"/>
-        <a:font script="Cans" typeface="Euphemia"/>
-        <a:font script="Cher" typeface="Plantagenet Cherokee"/>
-        <a:font script="Yiii" typeface="Microsoft Yi Baiti"/>
-        <a:font script="Tibt" typeface="Microsoft Himalaya"/>
-        <a:font script="Thaa" typeface="MV Boli"/>
-        <a:font script="Deva" typeface="Mangal"/>
-        <a:font script="Telu" typeface="Gautami"/>
-        <a:font script="Taml" typeface="Latha"/>
-        <a:font script="Syrc" typeface="Estrangelo Edessa"/>
-        <a:font script="Orya" typeface="Kalinga"/>
-        <a:font script="Mlym" typeface="Kartika"/>
-        <a:font script="Laoo" typeface="DokChampa"/>
-        <a:font script="Sinh" typeface="Iskoola Pota"/>
-        <a:font script="Mong" typeface="Mongolian Baiti"/>
-        <a:font script="Viet" typeface="Verdana"/>
+        <a:font script="Viet" typeface="Arial"/>
         <a:font script="Uigh" typeface="Microsoft Uighur"/>
         <a:font script="Geor" typeface="Sylfaen"/>
       </a:minorFont>
     </a:fontScheme>
-    <a:fmtScheme name="View">
+    <a:fmtScheme name="Damask">
       <a:fillStyleLst>
         <a:solidFill>
           <a:schemeClr val="phClr"/>
         </a:solidFill>
-        <a:solidFill>
-          <a:schemeClr val="phClr">
-            <a:tint val="60000"/>
-            <a:satMod val="120000"/>
-          </a:schemeClr>
-        </a:solidFill>
-        <a:solidFill>
-          <a:schemeClr val="phClr">
-            <a:shade val="75000"/>
-            <a:satMod val="160000"/>
-          </a:schemeClr>
-        </a:solidFill>
+        <a:gradFill rotWithShape="1">
+          <a:gsLst>
+            <a:gs pos="0">
+              <a:schemeClr val="phClr">
+                <a:tint val="48000"/>
+                <a:satMod val="105000"/>
+                <a:lumMod val="110000"/>
+              </a:schemeClr>
+            </a:gs>
+            <a:gs pos="100000">
+              <a:schemeClr val="phClr">
+                <a:tint val="78000"/>
+                <a:satMod val="109000"/>
+                <a:lumMod val="100000"/>
+              </a:schemeClr>
+            </a:gs>
+          </a:gsLst>
+          <a:lin ang="5400000" scaled="0"/>
+        </a:gradFill>
+        <a:gradFill rotWithShape="1">
+          <a:gsLst>
+            <a:gs pos="0">
+              <a:schemeClr val="phClr">
+                <a:tint val="94000"/>
+                <a:satMod val="100000"/>
+                <a:lumMod val="104000"/>
+              </a:schemeClr>
+            </a:gs>
+            <a:gs pos="69000">
+              <a:schemeClr val="phClr">
+                <a:shade val="86000"/>
+                <a:satMod val="130000"/>
+                <a:lumMod val="102000"/>
+              </a:schemeClr>
+            </a:gs>
+            <a:gs pos="100000">
+              <a:schemeClr val="phClr">
+                <a:shade val="72000"/>
+                <a:satMod val="130000"/>
+                <a:lumMod val="100000"/>
+              </a:schemeClr>
+            </a:gs>
+          </a:gsLst>
+          <a:lin ang="5400000" scaled="0"/>
+        </a:gradFill>
       </a:fillStyleLst>
       <a:lnStyleLst>
-        <a:ln w="9525" cap="flat" cmpd="sng" algn="ctr">
+        <a:ln w="12700" cap="flat" cmpd="sng" algn="ctr">
           <a:solidFill>
             <a:schemeClr val="phClr"/>
           </a:solidFill>
           <a:prstDash val="solid"/>
         </a:ln>
-        <a:ln w="13970" cap="flat" cmpd="sng" algn="ctr">
+        <a:ln w="19050" cap="flat" cmpd="sng" algn="ctr">
           <a:solidFill>
             <a:schemeClr val="phClr"/>
           </a:solidFill>
           <a:prstDash val="solid"/>
         </a:ln>
-        <a:ln w="17145" cap="flat" cmpd="sng" algn="ctr">
+        <a:ln w="25400" cap="flat" cmpd="sng" algn="ctr">
           <a:solidFill>
-            <a:schemeClr val="phClr">
-              <a:shade val="95000"/>
-              <a:alpha val="95000"/>
-              <a:satMod val="150000"/>
-            </a:schemeClr>
+            <a:schemeClr val="phClr"/>
           </a:solidFill>
           <a:prstDash val="solid"/>
         </a:ln>
@@ -4506,9 +7260,18 @@
         </a:effectStyle>
         <a:effectStyle>
           <a:effectLst>
-            <a:outerShdw blurRad="50800" dist="15240" dir="5400000" algn="tl" rotWithShape="0">
+            <a:outerShdw blurRad="50800" dist="38100" dir="5400000" sy="96000" rotWithShape="0">
               <a:srgbClr val="000000">
-                <a:alpha val="75000"/>
+                <a:alpha val="54000"/>
+              </a:srgbClr>
+            </a:outerShdw>
+          </a:effectLst>
+        </a:effectStyle>
+        <a:effectStyle>
+          <a:effectLst>
+            <a:outerShdw blurRad="76200" dist="38100" dir="5400000" algn="ctr" rotWithShape="0">
+              <a:srgbClr val="000000">
+                <a:alpha val="76000"/>
               </a:srgbClr>
             </a:outerShdw>
           </a:effectLst>
@@ -4516,40 +7279,10 @@
             <a:camera prst="orthographicFront">
               <a:rot lat="0" lon="0" rev="0"/>
             </a:camera>
-            <a:lightRig rig="brightRoom" dir="tl"/>
+            <a:lightRig rig="balanced" dir="t"/>
           </a:scene3d>
-          <a:sp3d contourW="9525" prstMaterial="flat">
-            <a:bevelT w="0" h="0" prst="coolSlant"/>
-            <a:contourClr>
-              <a:schemeClr val="phClr">
-                <a:shade val="35000"/>
-                <a:satMod val="130000"/>
-              </a:schemeClr>
-            </a:contourClr>
-          </a:sp3d>
-        </a:effectStyle>
-        <a:effectStyle>
-          <a:effectLst>
-            <a:outerShdw blurRad="76200" dist="25400" dir="5400000" algn="tl" rotWithShape="0">
-              <a:srgbClr val="000000">
-                <a:alpha val="55000"/>
-              </a:srgbClr>
-            </a:outerShdw>
-          </a:effectLst>
-          <a:scene3d>
-            <a:camera prst="orthographicFront">
-              <a:rot lat="0" lon="0" rev="0"/>
-            </a:camera>
-            <a:lightRig rig="brightRoom" dir="tl"/>
-          </a:scene3d>
-          <a:sp3d contourW="19050" prstMaterial="flat">
-            <a:bevelT w="0" h="0" prst="coolSlant"/>
-            <a:contourClr>
-              <a:schemeClr val="phClr">
-                <a:shade val="25000"/>
-                <a:satMod val="140000"/>
-              </a:schemeClr>
-            </a:contourClr>
+          <a:sp3d prstMaterial="matte">
+            <a:bevelT w="25400" h="25400" prst="relaxedInset"/>
           </a:sp3d>
         </a:effectStyle>
       </a:effectStyleLst>
@@ -4563,28 +7296,23 @@
             <a:satMod val="170000"/>
           </a:schemeClr>
         </a:solidFill>
-        <a:gradFill rotWithShape="1">
-          <a:gsLst>
-            <a:gs pos="0">
+        <a:blipFill rotWithShape="1">
+          <a:blip xmlns:r="http://schemas.openxmlformats.org/officeDocument/2006/relationships" r:embed="rId1">
+            <a:duotone>
               <a:schemeClr val="phClr">
-                <a:tint val="94000"/>
-                <a:shade val="98000"/>
-                <a:satMod val="130000"/>
-                <a:lumMod val="102000"/>
+                <a:shade val="18000"/>
+                <a:satMod val="160000"/>
+                <a:lumMod val="28000"/>
               </a:schemeClr>
-            </a:gs>
-            <a:gs pos="100000">
               <a:schemeClr val="phClr">
-                <a:tint val="98000"/>
-                <a:shade val="78000"/>
-                <a:satMod val="140000"/>
+                <a:tint val="95000"/>
+                <a:satMod val="160000"/>
+                <a:lumMod val="116000"/>
               </a:schemeClr>
-            </a:gs>
-          </a:gsLst>
-          <a:path path="circle">
-            <a:fillToRect l="100000" t="100000" r="100000" b="100000"/>
-          </a:path>
-        </a:gradFill>
+            </a:duotone>
+          </a:blip>
+          <a:stretch/>
+        </a:blipFill>
       </a:bgFillStyleLst>
     </a:fmtScheme>
   </a:themeElements>
@@ -4592,7 +7320,7 @@
   <a:extraClrSchemeLst/>
   <a:extLst>
     <a:ext uri="{05A4C25C-085E-4340-85A3-A5531E510DB2}">
-      <thm15:themeFamily xmlns:thm15="http://schemas.microsoft.com/office/thememl/2012/main" name="View" id="{BA0EB5A6-F2D4-4F82-977B-64ADEE4A2A69}" vid="{3969A8A2-35DB-4E3B-8885-16FD20568674}"/>
+      <thm15:themeFamily xmlns:thm15="http://schemas.microsoft.com/office/thememl/2012/main" name="Damask" id="{F9A299A0-33D0-4E0F-9F3F-7163E3744208}" vid="{746EEEEA-FB6A-406B-B510-531588D54811}"/>
     </a:ext>
   </a:extLst>
 </a:theme>
